--- a/Slide Report/Software Engineering Project.pptx
+++ b/Slide Report/Software Engineering Project.pptx
@@ -58,7 +58,7 @@
       </p:grpSpPr>
       <p:sp>
         <p:nvSpPr>
-          <p:cNvPr id="96" name="PlaceHolder 1"/>
+          <p:cNvPr id="90" name="PlaceHolder 1"/>
           <p:cNvSpPr>
             <a:spLocks noGrp="1"/>
           </p:cNvSpPr>
@@ -88,7 +88,7 @@
       </p:sp>
       <p:sp>
         <p:nvSpPr>
-          <p:cNvPr id="97" name="PlaceHolder 2"/>
+          <p:cNvPr id="91" name="PlaceHolder 2"/>
           <p:cNvSpPr>
             <a:spLocks noGrp="1"/>
           </p:cNvSpPr>
@@ -118,7 +118,7 @@
       </p:sp>
       <p:sp>
         <p:nvSpPr>
-          <p:cNvPr id="98" name="PlaceHolder 3"/>
+          <p:cNvPr id="92" name="PlaceHolder 3"/>
           <p:cNvSpPr>
             <a:spLocks noGrp="1"/>
           </p:cNvSpPr>
@@ -149,7 +149,7 @@
       </p:sp>
       <p:sp>
         <p:nvSpPr>
-          <p:cNvPr id="99" name="PlaceHolder 4"/>
+          <p:cNvPr id="93" name="PlaceHolder 4"/>
           <p:cNvSpPr>
             <a:spLocks noGrp="1"/>
           </p:cNvSpPr>
@@ -179,7 +179,7 @@
       </p:sp>
       <p:sp>
         <p:nvSpPr>
-          <p:cNvPr id="100" name="PlaceHolder 5"/>
+          <p:cNvPr id="94" name="PlaceHolder 5"/>
           <p:cNvSpPr>
             <a:spLocks noGrp="1"/>
           </p:cNvSpPr>
@@ -200,7 +200,7 @@
           <a:bodyPr wrap="none" lIns="0" rIns="0" tIns="0" bIns="0" anchor="b"/>
           <a:p>
             <a:pPr algn="r"/>
-            <a:fld id="{1680F975-59B1-4AE9-9EC3-E6671DA9ED4D}" type="slidenum">
+            <a:fld id="{5F79C1BD-3008-4F88-A4D3-CAE9D9694974}" type="slidenum">
               <a:rPr lang="en-US"/>
               <a:t>&lt;number&gt;</a:t>
             </a:fld>
@@ -233,7 +233,7 @@
       </p:grpSpPr>
       <p:sp>
         <p:nvSpPr>
-          <p:cNvPr id="147" name="PlaceHolder 1"/>
+          <p:cNvPr id="142" name="PlaceHolder 1"/>
           <p:cNvSpPr>
             <a:spLocks noGrp="1"/>
           </p:cNvSpPr>
@@ -244,43 +244,47 @@
         <p:spPr>
           <a:xfrm>
             <a:off x="685800" y="4343400"/>
-            <a:ext cx="5486040" cy="4114440"/>
-          </a:xfrm>
-          <a:prstGeom prst="rect">
-            <a:avLst/>
-          </a:prstGeom>
-        </p:spPr>
-        <p:txBody>
-          <a:bodyPr/>
-          <a:p>
-            <a:endParaRPr/>
-          </a:p>
-        </p:txBody>
-      </p:sp>
-      <p:sp>
-        <p:nvSpPr>
-          <p:cNvPr id="148" name="TextShape 2"/>
-          <p:cNvSpPr txBox="1"/>
+            <a:ext cx="5485680" cy="4114080"/>
+          </a:xfrm>
+          <a:prstGeom prst="rect">
+            <a:avLst/>
+          </a:prstGeom>
+        </p:spPr>
+        <p:txBody>
+          <a:bodyPr lIns="0" rIns="0" tIns="0" bIns="0"/>
+          <a:p>
+            <a:endParaRPr/>
+          </a:p>
+        </p:txBody>
+      </p:sp>
+      <p:sp>
+        <p:nvSpPr>
+          <p:cNvPr id="143" name="CustomShape 2"/>
+          <p:cNvSpPr/>
           <p:nvPr/>
         </p:nvSpPr>
         <p:spPr>
           <a:xfrm>
             <a:off x="3884760" y="8685360"/>
-            <a:ext cx="2971440" cy="456840"/>
-          </a:xfrm>
-          <a:prstGeom prst="rect">
-            <a:avLst/>
-          </a:prstGeom>
-        </p:spPr>
-        <p:txBody>
-          <a:bodyPr anchor="b"/>
+            <a:ext cx="2971080" cy="456480"/>
+          </a:xfrm>
+          <a:prstGeom prst="rect">
+            <a:avLst/>
+          </a:prstGeom>
+          <a:noFill/>
+          <a:ln>
+            <a:noFill/>
+          </a:ln>
+        </p:spPr>
+        <p:txBody>
+          <a:bodyPr lIns="90000" rIns="90000" tIns="45000" bIns="45000" anchor="b"/>
           <a:p>
             <a:pPr algn="r">
               <a:lnSpc>
                 <a:spcPct val="100000"/>
               </a:lnSpc>
             </a:pPr>
-            <a:fld id="{03ECD42B-2DD3-4C6E-A21E-35076E38A09D}" type="slidenum">
+            <a:fld id="{C1686C52-7C0C-4A51-9D4F-360E5941D779}" type="slidenum">
               <a:rPr lang="en-US" sz="1200">
                 <a:solidFill>
                   <a:srgbClr val="000000"/>
@@ -340,7 +344,7 @@
       </p:grpSpPr>
       <p:sp>
         <p:nvSpPr>
-          <p:cNvPr id="38" name="PlaceHolder 1"/>
+          <p:cNvPr id="35" name="PlaceHolder 1"/>
           <p:cNvSpPr>
             <a:spLocks noGrp="1"/>
           </p:cNvSpPr>
@@ -350,8 +354,8 @@
         </p:nvSpPr>
         <p:spPr>
           <a:xfrm>
-            <a:off x="457200" y="338400"/>
-            <a:ext cx="8229240" cy="1252800"/>
+            <a:off x="457200" y="273600"/>
+            <a:ext cx="8229240" cy="1145160"/>
           </a:xfrm>
           <a:prstGeom prst="rect">
             <a:avLst/>
@@ -360,13 +364,14 @@
         <p:txBody>
           <a:bodyPr wrap="none" lIns="0" rIns="0" tIns="0" bIns="0" anchor="ctr"/>
           <a:p>
-            <a:endParaRPr/>
-          </a:p>
-        </p:txBody>
-      </p:sp>
-      <p:sp>
-        <p:nvSpPr>
-          <p:cNvPr id="39" name="PlaceHolder 2"/>
+            <a:pPr algn="ctr"/>
+            <a:endParaRPr/>
+          </a:p>
+        </p:txBody>
+      </p:sp>
+      <p:sp>
+        <p:nvSpPr>
+          <p:cNvPr id="36" name="PlaceHolder 2"/>
           <p:cNvSpPr>
             <a:spLocks noGrp="1"/>
           </p:cNvSpPr>
@@ -376,8 +381,8 @@
         </p:nvSpPr>
         <p:spPr>
           <a:xfrm>
-            <a:off x="871920" y="2675520"/>
-            <a:ext cx="7408080" cy="1645560"/>
+            <a:off x="457200" y="1604520"/>
+            <a:ext cx="8229240" cy="1896840"/>
           </a:xfrm>
           <a:prstGeom prst="rect">
             <a:avLst/>
@@ -392,7 +397,7 @@
       </p:sp>
       <p:sp>
         <p:nvSpPr>
-          <p:cNvPr id="40" name="PlaceHolder 3"/>
+          <p:cNvPr id="37" name="PlaceHolder 3"/>
           <p:cNvSpPr>
             <a:spLocks noGrp="1"/>
           </p:cNvSpPr>
@@ -402,8 +407,8 @@
         </p:nvSpPr>
         <p:spPr>
           <a:xfrm>
-            <a:off x="871920" y="4477680"/>
-            <a:ext cx="7408080" cy="1645560"/>
+            <a:off x="457200" y="3682080"/>
+            <a:ext cx="8229240" cy="1896840"/>
           </a:xfrm>
           <a:prstGeom prst="rect">
             <a:avLst/>
@@ -440,7 +445,7 @@
       </p:grpSpPr>
       <p:sp>
         <p:nvSpPr>
-          <p:cNvPr id="41" name="PlaceHolder 1"/>
+          <p:cNvPr id="38" name="PlaceHolder 1"/>
           <p:cNvSpPr>
             <a:spLocks noGrp="1"/>
           </p:cNvSpPr>
@@ -450,8 +455,8 @@
         </p:nvSpPr>
         <p:spPr>
           <a:xfrm>
-            <a:off x="457200" y="338400"/>
-            <a:ext cx="8229240" cy="1252800"/>
+            <a:off x="457200" y="273600"/>
+            <a:ext cx="8229240" cy="1145160"/>
           </a:xfrm>
           <a:prstGeom prst="rect">
             <a:avLst/>
@@ -460,13 +465,14 @@
         <p:txBody>
           <a:bodyPr wrap="none" lIns="0" rIns="0" tIns="0" bIns="0" anchor="ctr"/>
           <a:p>
-            <a:endParaRPr/>
-          </a:p>
-        </p:txBody>
-      </p:sp>
-      <p:sp>
-        <p:nvSpPr>
-          <p:cNvPr id="42" name="PlaceHolder 2"/>
+            <a:pPr algn="ctr"/>
+            <a:endParaRPr/>
+          </a:p>
+        </p:txBody>
+      </p:sp>
+      <p:sp>
+        <p:nvSpPr>
+          <p:cNvPr id="39" name="PlaceHolder 2"/>
           <p:cNvSpPr>
             <a:spLocks noGrp="1"/>
           </p:cNvSpPr>
@@ -476,8 +482,8 @@
         </p:nvSpPr>
         <p:spPr>
           <a:xfrm>
-            <a:off x="871920" y="2675520"/>
-            <a:ext cx="3615120" cy="1645560"/>
+            <a:off x="457200" y="1604520"/>
+            <a:ext cx="4015800" cy="1896840"/>
           </a:xfrm>
           <a:prstGeom prst="rect">
             <a:avLst/>
@@ -492,7 +498,7 @@
       </p:sp>
       <p:sp>
         <p:nvSpPr>
-          <p:cNvPr id="43" name="PlaceHolder 3"/>
+          <p:cNvPr id="40" name="PlaceHolder 3"/>
           <p:cNvSpPr>
             <a:spLocks noGrp="1"/>
           </p:cNvSpPr>
@@ -502,8 +508,8 @@
         </p:nvSpPr>
         <p:spPr>
           <a:xfrm>
-            <a:off x="4668120" y="2675520"/>
-            <a:ext cx="3615120" cy="1645560"/>
+            <a:off x="4674240" y="1604520"/>
+            <a:ext cx="4015800" cy="1896840"/>
           </a:xfrm>
           <a:prstGeom prst="rect">
             <a:avLst/>
@@ -518,7 +524,7 @@
       </p:sp>
       <p:sp>
         <p:nvSpPr>
-          <p:cNvPr id="44" name="PlaceHolder 4"/>
+          <p:cNvPr id="41" name="PlaceHolder 4"/>
           <p:cNvSpPr>
             <a:spLocks noGrp="1"/>
           </p:cNvSpPr>
@@ -528,8 +534,8 @@
         </p:nvSpPr>
         <p:spPr>
           <a:xfrm>
-            <a:off x="4668120" y="4477680"/>
-            <a:ext cx="3615120" cy="1645560"/>
+            <a:off x="4674240" y="3682080"/>
+            <a:ext cx="4015800" cy="1896840"/>
           </a:xfrm>
           <a:prstGeom prst="rect">
             <a:avLst/>
@@ -544,7 +550,7 @@
       </p:sp>
       <p:sp>
         <p:nvSpPr>
-          <p:cNvPr id="45" name="PlaceHolder 5"/>
+          <p:cNvPr id="42" name="PlaceHolder 5"/>
           <p:cNvSpPr>
             <a:spLocks noGrp="1"/>
           </p:cNvSpPr>
@@ -554,8 +560,8 @@
         </p:nvSpPr>
         <p:spPr>
           <a:xfrm>
-            <a:off x="871920" y="4477680"/>
-            <a:ext cx="3615120" cy="1645560"/>
+            <a:off x="457200" y="3682080"/>
+            <a:ext cx="4015800" cy="1896840"/>
           </a:xfrm>
           <a:prstGeom prst="rect">
             <a:avLst/>
@@ -592,7 +598,7 @@
       </p:grpSpPr>
       <p:sp>
         <p:nvSpPr>
-          <p:cNvPr id="46" name="PlaceHolder 1"/>
+          <p:cNvPr id="43" name="PlaceHolder 1"/>
           <p:cNvSpPr>
             <a:spLocks noGrp="1"/>
           </p:cNvSpPr>
@@ -602,8 +608,8 @@
         </p:nvSpPr>
         <p:spPr>
           <a:xfrm>
-            <a:off x="457200" y="338400"/>
-            <a:ext cx="8229240" cy="1252800"/>
+            <a:off x="457200" y="273600"/>
+            <a:ext cx="8229240" cy="1145160"/>
           </a:xfrm>
           <a:prstGeom prst="rect">
             <a:avLst/>
@@ -612,13 +618,14 @@
         <p:txBody>
           <a:bodyPr wrap="none" lIns="0" rIns="0" tIns="0" bIns="0" anchor="ctr"/>
           <a:p>
-            <a:endParaRPr/>
-          </a:p>
-        </p:txBody>
-      </p:sp>
-      <p:sp>
-        <p:nvSpPr>
-          <p:cNvPr id="47" name="PlaceHolder 2"/>
+            <a:pPr algn="ctr"/>
+            <a:endParaRPr/>
+          </a:p>
+        </p:txBody>
+      </p:sp>
+      <p:sp>
+        <p:nvSpPr>
+          <p:cNvPr id="44" name="PlaceHolder 2"/>
           <p:cNvSpPr>
             <a:spLocks noGrp="1"/>
           </p:cNvSpPr>
@@ -628,8 +635,8 @@
         </p:nvSpPr>
         <p:spPr>
           <a:xfrm>
-            <a:off x="871920" y="2675520"/>
-            <a:ext cx="7408080" cy="3450240"/>
+            <a:off x="457200" y="1604520"/>
+            <a:ext cx="8229240" cy="3977280"/>
           </a:xfrm>
           <a:prstGeom prst="rect">
             <a:avLst/>
@@ -644,7 +651,7 @@
       </p:sp>
       <p:sp>
         <p:nvSpPr>
-          <p:cNvPr id="48" name="PlaceHolder 3"/>
+          <p:cNvPr id="45" name="PlaceHolder 3"/>
           <p:cNvSpPr>
             <a:spLocks noGrp="1"/>
           </p:cNvSpPr>
@@ -654,8 +661,8 @@
         </p:nvSpPr>
         <p:spPr>
           <a:xfrm>
-            <a:off x="871920" y="2675520"/>
-            <a:ext cx="7408080" cy="3450240"/>
+            <a:off x="457200" y="1604520"/>
+            <a:ext cx="8229240" cy="3977280"/>
           </a:xfrm>
           <a:prstGeom prst="rect">
             <a:avLst/>
@@ -670,7 +677,7 @@
       </p:sp>
       <p:pic>
         <p:nvPicPr>
-          <p:cNvPr id="49" name="" descr=""/>
+          <p:cNvPr id="46" name="" descr=""/>
           <p:cNvPicPr/>
           <p:nvPr/>
         </p:nvPicPr>
@@ -682,8 +689,8 @@
         </p:blipFill>
         <p:spPr>
           <a:xfrm>
-            <a:off x="2413800" y="2675520"/>
-            <a:ext cx="4324320" cy="3450240"/>
+            <a:off x="2079000" y="1604520"/>
+            <a:ext cx="4984920" cy="3977280"/>
           </a:xfrm>
           <a:prstGeom prst="rect">
             <a:avLst/>
@@ -695,7 +702,7 @@
       </p:pic>
       <p:pic>
         <p:nvPicPr>
-          <p:cNvPr id="50" name="" descr=""/>
+          <p:cNvPr id="47" name="" descr=""/>
           <p:cNvPicPr/>
           <p:nvPr/>
         </p:nvPicPr>
@@ -707,8 +714,8 @@
         </p:blipFill>
         <p:spPr>
           <a:xfrm>
-            <a:off x="2413800" y="2675520"/>
-            <a:ext cx="4324320" cy="3450240"/>
+            <a:off x="2079000" y="1604520"/>
+            <a:ext cx="4984920" cy="3977280"/>
           </a:xfrm>
           <a:prstGeom prst="rect">
             <a:avLst/>
@@ -764,7 +771,7 @@
       </p:grpSpPr>
       <p:sp>
         <p:nvSpPr>
-          <p:cNvPr id="62" name="PlaceHolder 1"/>
+          <p:cNvPr id="56" name="PlaceHolder 1"/>
           <p:cNvSpPr>
             <a:spLocks noGrp="1"/>
           </p:cNvSpPr>
@@ -774,8 +781,8 @@
         </p:nvSpPr>
         <p:spPr>
           <a:xfrm>
-            <a:off x="457200" y="338400"/>
-            <a:ext cx="8229240" cy="1252800"/>
+            <a:off x="457200" y="273600"/>
+            <a:ext cx="8229240" cy="1145160"/>
           </a:xfrm>
           <a:prstGeom prst="rect">
             <a:avLst/>
@@ -784,13 +791,14 @@
         <p:txBody>
           <a:bodyPr wrap="none" lIns="0" rIns="0" tIns="0" bIns="0" anchor="ctr"/>
           <a:p>
-            <a:endParaRPr/>
-          </a:p>
-        </p:txBody>
-      </p:sp>
-      <p:sp>
-        <p:nvSpPr>
-          <p:cNvPr id="63" name="PlaceHolder 2"/>
+            <a:pPr algn="ctr"/>
+            <a:endParaRPr/>
+          </a:p>
+        </p:txBody>
+      </p:sp>
+      <p:sp>
+        <p:nvSpPr>
+          <p:cNvPr id="57" name="PlaceHolder 2"/>
           <p:cNvSpPr>
             <a:spLocks noGrp="1"/>
           </p:cNvSpPr>
@@ -800,8 +808,8 @@
         </p:nvSpPr>
         <p:spPr>
           <a:xfrm>
-            <a:off x="871920" y="2675520"/>
-            <a:ext cx="7408080" cy="3450600"/>
+            <a:off x="457200" y="1604520"/>
+            <a:ext cx="8229240" cy="3977640"/>
           </a:xfrm>
           <a:prstGeom prst="rect">
             <a:avLst/>
@@ -839,7 +847,7 @@
       </p:grpSpPr>
       <p:sp>
         <p:nvSpPr>
-          <p:cNvPr id="64" name="PlaceHolder 1"/>
+          <p:cNvPr id="58" name="PlaceHolder 1"/>
           <p:cNvSpPr>
             <a:spLocks noGrp="1"/>
           </p:cNvSpPr>
@@ -849,8 +857,8 @@
         </p:nvSpPr>
         <p:spPr>
           <a:xfrm>
-            <a:off x="457200" y="338400"/>
-            <a:ext cx="8229240" cy="1252800"/>
+            <a:off x="457200" y="273600"/>
+            <a:ext cx="8229240" cy="1145160"/>
           </a:xfrm>
           <a:prstGeom prst="rect">
             <a:avLst/>
@@ -859,13 +867,14 @@
         <p:txBody>
           <a:bodyPr wrap="none" lIns="0" rIns="0" tIns="0" bIns="0" anchor="ctr"/>
           <a:p>
-            <a:endParaRPr/>
-          </a:p>
-        </p:txBody>
-      </p:sp>
-      <p:sp>
-        <p:nvSpPr>
-          <p:cNvPr id="65" name="PlaceHolder 2"/>
+            <a:pPr algn="ctr"/>
+            <a:endParaRPr/>
+          </a:p>
+        </p:txBody>
+      </p:sp>
+      <p:sp>
+        <p:nvSpPr>
+          <p:cNvPr id="59" name="PlaceHolder 2"/>
           <p:cNvSpPr>
             <a:spLocks noGrp="1"/>
           </p:cNvSpPr>
@@ -875,8 +884,8 @@
         </p:nvSpPr>
         <p:spPr>
           <a:xfrm>
-            <a:off x="871920" y="2675520"/>
-            <a:ext cx="7408080" cy="3450240"/>
+            <a:off x="457200" y="1604520"/>
+            <a:ext cx="8229240" cy="3977280"/>
           </a:xfrm>
           <a:prstGeom prst="rect">
             <a:avLst/>
@@ -913,7 +922,7 @@
       </p:grpSpPr>
       <p:sp>
         <p:nvSpPr>
-          <p:cNvPr id="66" name="PlaceHolder 1"/>
+          <p:cNvPr id="60" name="PlaceHolder 1"/>
           <p:cNvSpPr>
             <a:spLocks noGrp="1"/>
           </p:cNvSpPr>
@@ -923,8 +932,8 @@
         </p:nvSpPr>
         <p:spPr>
           <a:xfrm>
-            <a:off x="457200" y="338400"/>
-            <a:ext cx="8229240" cy="1252800"/>
+            <a:off x="457200" y="273600"/>
+            <a:ext cx="8229240" cy="1145160"/>
           </a:xfrm>
           <a:prstGeom prst="rect">
             <a:avLst/>
@@ -933,13 +942,14 @@
         <p:txBody>
           <a:bodyPr wrap="none" lIns="0" rIns="0" tIns="0" bIns="0" anchor="ctr"/>
           <a:p>
-            <a:endParaRPr/>
-          </a:p>
-        </p:txBody>
-      </p:sp>
-      <p:sp>
-        <p:nvSpPr>
-          <p:cNvPr id="67" name="PlaceHolder 2"/>
+            <a:pPr algn="ctr"/>
+            <a:endParaRPr/>
+          </a:p>
+        </p:txBody>
+      </p:sp>
+      <p:sp>
+        <p:nvSpPr>
+          <p:cNvPr id="61" name="PlaceHolder 2"/>
           <p:cNvSpPr>
             <a:spLocks noGrp="1"/>
           </p:cNvSpPr>
@@ -949,8 +959,8 @@
         </p:nvSpPr>
         <p:spPr>
           <a:xfrm>
-            <a:off x="871920" y="2675520"/>
-            <a:ext cx="3615120" cy="3450240"/>
+            <a:off x="457200" y="1604520"/>
+            <a:ext cx="4015800" cy="3977280"/>
           </a:xfrm>
           <a:prstGeom prst="rect">
             <a:avLst/>
@@ -965,7 +975,7 @@
       </p:sp>
       <p:sp>
         <p:nvSpPr>
-          <p:cNvPr id="68" name="PlaceHolder 3"/>
+          <p:cNvPr id="62" name="PlaceHolder 3"/>
           <p:cNvSpPr>
             <a:spLocks noGrp="1"/>
           </p:cNvSpPr>
@@ -975,8 +985,8 @@
         </p:nvSpPr>
         <p:spPr>
           <a:xfrm>
-            <a:off x="4668120" y="2675520"/>
-            <a:ext cx="3615120" cy="3450240"/>
+            <a:off x="4674240" y="1604520"/>
+            <a:ext cx="4015800" cy="3977280"/>
           </a:xfrm>
           <a:prstGeom prst="rect">
             <a:avLst/>
@@ -1013,7 +1023,7 @@
       </p:grpSpPr>
       <p:sp>
         <p:nvSpPr>
-          <p:cNvPr id="69" name="PlaceHolder 1"/>
+          <p:cNvPr id="63" name="PlaceHolder 1"/>
           <p:cNvSpPr>
             <a:spLocks noGrp="1"/>
           </p:cNvSpPr>
@@ -1023,8 +1033,8 @@
         </p:nvSpPr>
         <p:spPr>
           <a:xfrm>
-            <a:off x="457200" y="338400"/>
-            <a:ext cx="8229240" cy="1252800"/>
+            <a:off x="457200" y="273600"/>
+            <a:ext cx="8229240" cy="1145160"/>
           </a:xfrm>
           <a:prstGeom prst="rect">
             <a:avLst/>
@@ -1033,6 +1043,7 @@
         <p:txBody>
           <a:bodyPr wrap="none" lIns="0" rIns="0" tIns="0" bIns="0" anchor="ctr"/>
           <a:p>
+            <a:pPr algn="ctr"/>
             <a:endParaRPr/>
           </a:p>
         </p:txBody>
@@ -1061,7 +1072,7 @@
       </p:grpSpPr>
       <p:sp>
         <p:nvSpPr>
-          <p:cNvPr id="70" name="PlaceHolder 1"/>
+          <p:cNvPr id="64" name="PlaceHolder 1"/>
           <p:cNvSpPr>
             <a:spLocks noGrp="1"/>
           </p:cNvSpPr>
@@ -1071,8 +1082,8 @@
         </p:nvSpPr>
         <p:spPr>
           <a:xfrm>
-            <a:off x="457200" y="338400"/>
-            <a:ext cx="8229240" cy="5807160"/>
+            <a:off x="457200" y="273600"/>
+            <a:ext cx="8229240" cy="5308200"/>
           </a:xfrm>
           <a:prstGeom prst="rect">
             <a:avLst/>
@@ -1110,7 +1121,7 @@
       </p:grpSpPr>
       <p:sp>
         <p:nvSpPr>
-          <p:cNvPr id="71" name="PlaceHolder 1"/>
+          <p:cNvPr id="65" name="PlaceHolder 1"/>
           <p:cNvSpPr>
             <a:spLocks noGrp="1"/>
           </p:cNvSpPr>
@@ -1120,8 +1131,8 @@
         </p:nvSpPr>
         <p:spPr>
           <a:xfrm>
-            <a:off x="457200" y="338400"/>
-            <a:ext cx="8229240" cy="1252800"/>
+            <a:off x="457200" y="273600"/>
+            <a:ext cx="8229240" cy="1145160"/>
           </a:xfrm>
           <a:prstGeom prst="rect">
             <a:avLst/>
@@ -1130,13 +1141,14 @@
         <p:txBody>
           <a:bodyPr wrap="none" lIns="0" rIns="0" tIns="0" bIns="0" anchor="ctr"/>
           <a:p>
-            <a:endParaRPr/>
-          </a:p>
-        </p:txBody>
-      </p:sp>
-      <p:sp>
-        <p:nvSpPr>
-          <p:cNvPr id="72" name="PlaceHolder 2"/>
+            <a:pPr algn="ctr"/>
+            <a:endParaRPr/>
+          </a:p>
+        </p:txBody>
+      </p:sp>
+      <p:sp>
+        <p:nvSpPr>
+          <p:cNvPr id="66" name="PlaceHolder 2"/>
           <p:cNvSpPr>
             <a:spLocks noGrp="1"/>
           </p:cNvSpPr>
@@ -1146,8 +1158,8 @@
         </p:nvSpPr>
         <p:spPr>
           <a:xfrm>
-            <a:off x="871920" y="2675520"/>
-            <a:ext cx="3615120" cy="1645560"/>
+            <a:off x="457200" y="1604520"/>
+            <a:ext cx="4015800" cy="1896840"/>
           </a:xfrm>
           <a:prstGeom prst="rect">
             <a:avLst/>
@@ -1162,7 +1174,7 @@
       </p:sp>
       <p:sp>
         <p:nvSpPr>
-          <p:cNvPr id="73" name="PlaceHolder 3"/>
+          <p:cNvPr id="67" name="PlaceHolder 3"/>
           <p:cNvSpPr>
             <a:spLocks noGrp="1"/>
           </p:cNvSpPr>
@@ -1172,8 +1184,8 @@
         </p:nvSpPr>
         <p:spPr>
           <a:xfrm>
-            <a:off x="871920" y="4477680"/>
-            <a:ext cx="3615120" cy="1645560"/>
+            <a:off x="457200" y="3682080"/>
+            <a:ext cx="4015800" cy="1896840"/>
           </a:xfrm>
           <a:prstGeom prst="rect">
             <a:avLst/>
@@ -1188,7 +1200,7 @@
       </p:sp>
       <p:sp>
         <p:nvSpPr>
-          <p:cNvPr id="74" name="PlaceHolder 4"/>
+          <p:cNvPr id="68" name="PlaceHolder 4"/>
           <p:cNvSpPr>
             <a:spLocks noGrp="1"/>
           </p:cNvSpPr>
@@ -1198,8 +1210,8 @@
         </p:nvSpPr>
         <p:spPr>
           <a:xfrm>
-            <a:off x="4668120" y="2675520"/>
-            <a:ext cx="3615120" cy="3450240"/>
+            <a:off x="4674240" y="1604520"/>
+            <a:ext cx="4015800" cy="3977280"/>
           </a:xfrm>
           <a:prstGeom prst="rect">
             <a:avLst/>
@@ -1236,7 +1248,7 @@
       </p:grpSpPr>
       <p:sp>
         <p:nvSpPr>
-          <p:cNvPr id="17" name="PlaceHolder 1"/>
+          <p:cNvPr id="14" name="PlaceHolder 1"/>
           <p:cNvSpPr>
             <a:spLocks noGrp="1"/>
           </p:cNvSpPr>
@@ -1246,8 +1258,8 @@
         </p:nvSpPr>
         <p:spPr>
           <a:xfrm>
-            <a:off x="457200" y="338400"/>
-            <a:ext cx="8229240" cy="1252800"/>
+            <a:off x="457200" y="273600"/>
+            <a:ext cx="8229240" cy="1145160"/>
           </a:xfrm>
           <a:prstGeom prst="rect">
             <a:avLst/>
@@ -1256,13 +1268,14 @@
         <p:txBody>
           <a:bodyPr wrap="none" lIns="0" rIns="0" tIns="0" bIns="0" anchor="ctr"/>
           <a:p>
-            <a:endParaRPr/>
-          </a:p>
-        </p:txBody>
-      </p:sp>
-      <p:sp>
-        <p:nvSpPr>
-          <p:cNvPr id="18" name="PlaceHolder 2"/>
+            <a:pPr algn="ctr"/>
+            <a:endParaRPr/>
+          </a:p>
+        </p:txBody>
+      </p:sp>
+      <p:sp>
+        <p:nvSpPr>
+          <p:cNvPr id="15" name="PlaceHolder 2"/>
           <p:cNvSpPr>
             <a:spLocks noGrp="1"/>
           </p:cNvSpPr>
@@ -1272,8 +1285,8 @@
         </p:nvSpPr>
         <p:spPr>
           <a:xfrm>
-            <a:off x="871920" y="2675520"/>
-            <a:ext cx="7408080" cy="3450600"/>
+            <a:off x="457200" y="1604520"/>
+            <a:ext cx="8229240" cy="3977640"/>
           </a:xfrm>
           <a:prstGeom prst="rect">
             <a:avLst/>
@@ -1311,7 +1324,7 @@
       </p:grpSpPr>
       <p:sp>
         <p:nvSpPr>
-          <p:cNvPr id="75" name="PlaceHolder 1"/>
+          <p:cNvPr id="69" name="PlaceHolder 1"/>
           <p:cNvSpPr>
             <a:spLocks noGrp="1"/>
           </p:cNvSpPr>
@@ -1321,8 +1334,8 @@
         </p:nvSpPr>
         <p:spPr>
           <a:xfrm>
-            <a:off x="457200" y="338400"/>
-            <a:ext cx="8229240" cy="1252800"/>
+            <a:off x="457200" y="273600"/>
+            <a:ext cx="8229240" cy="1145160"/>
           </a:xfrm>
           <a:prstGeom prst="rect">
             <a:avLst/>
@@ -1331,13 +1344,14 @@
         <p:txBody>
           <a:bodyPr wrap="none" lIns="0" rIns="0" tIns="0" bIns="0" anchor="ctr"/>
           <a:p>
-            <a:endParaRPr/>
-          </a:p>
-        </p:txBody>
-      </p:sp>
-      <p:sp>
-        <p:nvSpPr>
-          <p:cNvPr id="76" name="PlaceHolder 2"/>
+            <a:pPr algn="ctr"/>
+            <a:endParaRPr/>
+          </a:p>
+        </p:txBody>
+      </p:sp>
+      <p:sp>
+        <p:nvSpPr>
+          <p:cNvPr id="70" name="PlaceHolder 2"/>
           <p:cNvSpPr>
             <a:spLocks noGrp="1"/>
           </p:cNvSpPr>
@@ -1347,8 +1361,8 @@
         </p:nvSpPr>
         <p:spPr>
           <a:xfrm>
-            <a:off x="871920" y="2675520"/>
-            <a:ext cx="3615120" cy="3450240"/>
+            <a:off x="457200" y="1604520"/>
+            <a:ext cx="4015800" cy="3977280"/>
           </a:xfrm>
           <a:prstGeom prst="rect">
             <a:avLst/>
@@ -1363,7 +1377,7 @@
       </p:sp>
       <p:sp>
         <p:nvSpPr>
-          <p:cNvPr id="77" name="PlaceHolder 3"/>
+          <p:cNvPr id="71" name="PlaceHolder 3"/>
           <p:cNvSpPr>
             <a:spLocks noGrp="1"/>
           </p:cNvSpPr>
@@ -1373,8 +1387,8 @@
         </p:nvSpPr>
         <p:spPr>
           <a:xfrm>
-            <a:off x="4668120" y="2675520"/>
-            <a:ext cx="3615120" cy="1645560"/>
+            <a:off x="4674240" y="1604520"/>
+            <a:ext cx="4015800" cy="1896840"/>
           </a:xfrm>
           <a:prstGeom prst="rect">
             <a:avLst/>
@@ -1389,7 +1403,7 @@
       </p:sp>
       <p:sp>
         <p:nvSpPr>
-          <p:cNvPr id="78" name="PlaceHolder 4"/>
+          <p:cNvPr id="72" name="PlaceHolder 4"/>
           <p:cNvSpPr>
             <a:spLocks noGrp="1"/>
           </p:cNvSpPr>
@@ -1399,8 +1413,8 @@
         </p:nvSpPr>
         <p:spPr>
           <a:xfrm>
-            <a:off x="4668120" y="4477680"/>
-            <a:ext cx="3615120" cy="1645560"/>
+            <a:off x="4674240" y="3682080"/>
+            <a:ext cx="4015800" cy="1896840"/>
           </a:xfrm>
           <a:prstGeom prst="rect">
             <a:avLst/>
@@ -1437,7 +1451,7 @@
       </p:grpSpPr>
       <p:sp>
         <p:nvSpPr>
-          <p:cNvPr id="79" name="PlaceHolder 1"/>
+          <p:cNvPr id="73" name="PlaceHolder 1"/>
           <p:cNvSpPr>
             <a:spLocks noGrp="1"/>
           </p:cNvSpPr>
@@ -1447,8 +1461,8 @@
         </p:nvSpPr>
         <p:spPr>
           <a:xfrm>
-            <a:off x="457200" y="338400"/>
-            <a:ext cx="8229240" cy="1252800"/>
+            <a:off x="457200" y="273600"/>
+            <a:ext cx="8229240" cy="1145160"/>
           </a:xfrm>
           <a:prstGeom prst="rect">
             <a:avLst/>
@@ -1457,13 +1471,14 @@
         <p:txBody>
           <a:bodyPr wrap="none" lIns="0" rIns="0" tIns="0" bIns="0" anchor="ctr"/>
           <a:p>
-            <a:endParaRPr/>
-          </a:p>
-        </p:txBody>
-      </p:sp>
-      <p:sp>
-        <p:nvSpPr>
-          <p:cNvPr id="80" name="PlaceHolder 2"/>
+            <a:pPr algn="ctr"/>
+            <a:endParaRPr/>
+          </a:p>
+        </p:txBody>
+      </p:sp>
+      <p:sp>
+        <p:nvSpPr>
+          <p:cNvPr id="74" name="PlaceHolder 2"/>
           <p:cNvSpPr>
             <a:spLocks noGrp="1"/>
           </p:cNvSpPr>
@@ -1473,8 +1488,8 @@
         </p:nvSpPr>
         <p:spPr>
           <a:xfrm>
-            <a:off x="871920" y="2675520"/>
-            <a:ext cx="3615120" cy="1645560"/>
+            <a:off x="457200" y="1604520"/>
+            <a:ext cx="4015800" cy="1896840"/>
           </a:xfrm>
           <a:prstGeom prst="rect">
             <a:avLst/>
@@ -1489,7 +1504,7 @@
       </p:sp>
       <p:sp>
         <p:nvSpPr>
-          <p:cNvPr id="81" name="PlaceHolder 3"/>
+          <p:cNvPr id="75" name="PlaceHolder 3"/>
           <p:cNvSpPr>
             <a:spLocks noGrp="1"/>
           </p:cNvSpPr>
@@ -1499,8 +1514,8 @@
         </p:nvSpPr>
         <p:spPr>
           <a:xfrm>
-            <a:off x="4668120" y="2675520"/>
-            <a:ext cx="3615120" cy="1645560"/>
+            <a:off x="4674240" y="1604520"/>
+            <a:ext cx="4015800" cy="1896840"/>
           </a:xfrm>
           <a:prstGeom prst="rect">
             <a:avLst/>
@@ -1515,7 +1530,7 @@
       </p:sp>
       <p:sp>
         <p:nvSpPr>
-          <p:cNvPr id="82" name="PlaceHolder 4"/>
+          <p:cNvPr id="76" name="PlaceHolder 4"/>
           <p:cNvSpPr>
             <a:spLocks noGrp="1"/>
           </p:cNvSpPr>
@@ -1525,8 +1540,8 @@
         </p:nvSpPr>
         <p:spPr>
           <a:xfrm>
-            <a:off x="871920" y="4477680"/>
-            <a:ext cx="7408080" cy="1645560"/>
+            <a:off x="457200" y="3682080"/>
+            <a:ext cx="8229240" cy="1896840"/>
           </a:xfrm>
           <a:prstGeom prst="rect">
             <a:avLst/>
@@ -1563,7 +1578,7 @@
       </p:grpSpPr>
       <p:sp>
         <p:nvSpPr>
-          <p:cNvPr id="83" name="PlaceHolder 1"/>
+          <p:cNvPr id="77" name="PlaceHolder 1"/>
           <p:cNvSpPr>
             <a:spLocks noGrp="1"/>
           </p:cNvSpPr>
@@ -1573,8 +1588,8 @@
         </p:nvSpPr>
         <p:spPr>
           <a:xfrm>
-            <a:off x="457200" y="338400"/>
-            <a:ext cx="8229240" cy="1252800"/>
+            <a:off x="457200" y="273600"/>
+            <a:ext cx="8229240" cy="1145160"/>
           </a:xfrm>
           <a:prstGeom prst="rect">
             <a:avLst/>
@@ -1583,13 +1598,14 @@
         <p:txBody>
           <a:bodyPr wrap="none" lIns="0" rIns="0" tIns="0" bIns="0" anchor="ctr"/>
           <a:p>
-            <a:endParaRPr/>
-          </a:p>
-        </p:txBody>
-      </p:sp>
-      <p:sp>
-        <p:nvSpPr>
-          <p:cNvPr id="84" name="PlaceHolder 2"/>
+            <a:pPr algn="ctr"/>
+            <a:endParaRPr/>
+          </a:p>
+        </p:txBody>
+      </p:sp>
+      <p:sp>
+        <p:nvSpPr>
+          <p:cNvPr id="78" name="PlaceHolder 2"/>
           <p:cNvSpPr>
             <a:spLocks noGrp="1"/>
           </p:cNvSpPr>
@@ -1599,8 +1615,8 @@
         </p:nvSpPr>
         <p:spPr>
           <a:xfrm>
-            <a:off x="871920" y="2675520"/>
-            <a:ext cx="7408080" cy="1645560"/>
+            <a:off x="457200" y="1604520"/>
+            <a:ext cx="8229240" cy="1896840"/>
           </a:xfrm>
           <a:prstGeom prst="rect">
             <a:avLst/>
@@ -1615,7 +1631,7 @@
       </p:sp>
       <p:sp>
         <p:nvSpPr>
-          <p:cNvPr id="85" name="PlaceHolder 3"/>
+          <p:cNvPr id="79" name="PlaceHolder 3"/>
           <p:cNvSpPr>
             <a:spLocks noGrp="1"/>
           </p:cNvSpPr>
@@ -1625,8 +1641,8 @@
         </p:nvSpPr>
         <p:spPr>
           <a:xfrm>
-            <a:off x="871920" y="4477680"/>
-            <a:ext cx="7408080" cy="1645560"/>
+            <a:off x="457200" y="3682080"/>
+            <a:ext cx="8229240" cy="1896840"/>
           </a:xfrm>
           <a:prstGeom prst="rect">
             <a:avLst/>
@@ -1663,7 +1679,7 @@
       </p:grpSpPr>
       <p:sp>
         <p:nvSpPr>
-          <p:cNvPr id="86" name="PlaceHolder 1"/>
+          <p:cNvPr id="80" name="PlaceHolder 1"/>
           <p:cNvSpPr>
             <a:spLocks noGrp="1"/>
           </p:cNvSpPr>
@@ -1673,8 +1689,8 @@
         </p:nvSpPr>
         <p:spPr>
           <a:xfrm>
-            <a:off x="457200" y="338400"/>
-            <a:ext cx="8229240" cy="1252800"/>
+            <a:off x="457200" y="273600"/>
+            <a:ext cx="8229240" cy="1145160"/>
           </a:xfrm>
           <a:prstGeom prst="rect">
             <a:avLst/>
@@ -1683,13 +1699,14 @@
         <p:txBody>
           <a:bodyPr wrap="none" lIns="0" rIns="0" tIns="0" bIns="0" anchor="ctr"/>
           <a:p>
-            <a:endParaRPr/>
-          </a:p>
-        </p:txBody>
-      </p:sp>
-      <p:sp>
-        <p:nvSpPr>
-          <p:cNvPr id="87" name="PlaceHolder 2"/>
+            <a:pPr algn="ctr"/>
+            <a:endParaRPr/>
+          </a:p>
+        </p:txBody>
+      </p:sp>
+      <p:sp>
+        <p:nvSpPr>
+          <p:cNvPr id="81" name="PlaceHolder 2"/>
           <p:cNvSpPr>
             <a:spLocks noGrp="1"/>
           </p:cNvSpPr>
@@ -1699,8 +1716,8 @@
         </p:nvSpPr>
         <p:spPr>
           <a:xfrm>
-            <a:off x="871920" y="2675520"/>
-            <a:ext cx="3615120" cy="1645560"/>
+            <a:off x="457200" y="1604520"/>
+            <a:ext cx="4015800" cy="1896840"/>
           </a:xfrm>
           <a:prstGeom prst="rect">
             <a:avLst/>
@@ -1715,7 +1732,7 @@
       </p:sp>
       <p:sp>
         <p:nvSpPr>
-          <p:cNvPr id="88" name="PlaceHolder 3"/>
+          <p:cNvPr id="82" name="PlaceHolder 3"/>
           <p:cNvSpPr>
             <a:spLocks noGrp="1"/>
           </p:cNvSpPr>
@@ -1725,8 +1742,8 @@
         </p:nvSpPr>
         <p:spPr>
           <a:xfrm>
-            <a:off x="4668120" y="2675520"/>
-            <a:ext cx="3615120" cy="1645560"/>
+            <a:off x="4674240" y="1604520"/>
+            <a:ext cx="4015800" cy="1896840"/>
           </a:xfrm>
           <a:prstGeom prst="rect">
             <a:avLst/>
@@ -1741,7 +1758,7 @@
       </p:sp>
       <p:sp>
         <p:nvSpPr>
-          <p:cNvPr id="89" name="PlaceHolder 4"/>
+          <p:cNvPr id="83" name="PlaceHolder 4"/>
           <p:cNvSpPr>
             <a:spLocks noGrp="1"/>
           </p:cNvSpPr>
@@ -1751,8 +1768,8 @@
         </p:nvSpPr>
         <p:spPr>
           <a:xfrm>
-            <a:off x="4668120" y="4477680"/>
-            <a:ext cx="3615120" cy="1645560"/>
+            <a:off x="4674240" y="3682080"/>
+            <a:ext cx="4015800" cy="1896840"/>
           </a:xfrm>
           <a:prstGeom prst="rect">
             <a:avLst/>
@@ -1767,7 +1784,7 @@
       </p:sp>
       <p:sp>
         <p:nvSpPr>
-          <p:cNvPr id="90" name="PlaceHolder 5"/>
+          <p:cNvPr id="84" name="PlaceHolder 5"/>
           <p:cNvSpPr>
             <a:spLocks noGrp="1"/>
           </p:cNvSpPr>
@@ -1777,8 +1794,8 @@
         </p:nvSpPr>
         <p:spPr>
           <a:xfrm>
-            <a:off x="871920" y="4477680"/>
-            <a:ext cx="3615120" cy="1645560"/>
+            <a:off x="457200" y="3682080"/>
+            <a:ext cx="4015800" cy="1896840"/>
           </a:xfrm>
           <a:prstGeom prst="rect">
             <a:avLst/>
@@ -1815,7 +1832,7 @@
       </p:grpSpPr>
       <p:sp>
         <p:nvSpPr>
-          <p:cNvPr id="91" name="PlaceHolder 1"/>
+          <p:cNvPr id="85" name="PlaceHolder 1"/>
           <p:cNvSpPr>
             <a:spLocks noGrp="1"/>
           </p:cNvSpPr>
@@ -1825,8 +1842,8 @@
         </p:nvSpPr>
         <p:spPr>
           <a:xfrm>
-            <a:off x="457200" y="338400"/>
-            <a:ext cx="8229240" cy="1252800"/>
+            <a:off x="457200" y="273600"/>
+            <a:ext cx="8229240" cy="1145160"/>
           </a:xfrm>
           <a:prstGeom prst="rect">
             <a:avLst/>
@@ -1835,13 +1852,14 @@
         <p:txBody>
           <a:bodyPr wrap="none" lIns="0" rIns="0" tIns="0" bIns="0" anchor="ctr"/>
           <a:p>
-            <a:endParaRPr/>
-          </a:p>
-        </p:txBody>
-      </p:sp>
-      <p:sp>
-        <p:nvSpPr>
-          <p:cNvPr id="92" name="PlaceHolder 2"/>
+            <a:pPr algn="ctr"/>
+            <a:endParaRPr/>
+          </a:p>
+        </p:txBody>
+      </p:sp>
+      <p:sp>
+        <p:nvSpPr>
+          <p:cNvPr id="86" name="PlaceHolder 2"/>
           <p:cNvSpPr>
             <a:spLocks noGrp="1"/>
           </p:cNvSpPr>
@@ -1851,8 +1869,8 @@
         </p:nvSpPr>
         <p:spPr>
           <a:xfrm>
-            <a:off x="871920" y="2675520"/>
-            <a:ext cx="7408080" cy="3450240"/>
+            <a:off x="457200" y="1604520"/>
+            <a:ext cx="8229240" cy="3977280"/>
           </a:xfrm>
           <a:prstGeom prst="rect">
             <a:avLst/>
@@ -1867,7 +1885,7 @@
       </p:sp>
       <p:sp>
         <p:nvSpPr>
-          <p:cNvPr id="93" name="PlaceHolder 3"/>
+          <p:cNvPr id="87" name="PlaceHolder 3"/>
           <p:cNvSpPr>
             <a:spLocks noGrp="1"/>
           </p:cNvSpPr>
@@ -1877,8 +1895,8 @@
         </p:nvSpPr>
         <p:spPr>
           <a:xfrm>
-            <a:off x="871920" y="2675520"/>
-            <a:ext cx="7408080" cy="3450240"/>
+            <a:off x="457200" y="1604520"/>
+            <a:ext cx="8229240" cy="3977280"/>
           </a:xfrm>
           <a:prstGeom prst="rect">
             <a:avLst/>
@@ -1893,7 +1911,7 @@
       </p:sp>
       <p:pic>
         <p:nvPicPr>
-          <p:cNvPr id="94" name="" descr=""/>
+          <p:cNvPr id="88" name="" descr=""/>
           <p:cNvPicPr/>
           <p:nvPr/>
         </p:nvPicPr>
@@ -1905,8 +1923,8 @@
         </p:blipFill>
         <p:spPr>
           <a:xfrm>
-            <a:off x="2413800" y="2675520"/>
-            <a:ext cx="4324320" cy="3450240"/>
+            <a:off x="2079000" y="1604520"/>
+            <a:ext cx="4984920" cy="3977280"/>
           </a:xfrm>
           <a:prstGeom prst="rect">
             <a:avLst/>
@@ -1918,7 +1936,7 @@
       </p:pic>
       <p:pic>
         <p:nvPicPr>
-          <p:cNvPr id="95" name="" descr=""/>
+          <p:cNvPr id="89" name="" descr=""/>
           <p:cNvPicPr/>
           <p:nvPr/>
         </p:nvPicPr>
@@ -1930,8 +1948,8 @@
         </p:blipFill>
         <p:spPr>
           <a:xfrm>
-            <a:off x="2413800" y="2675520"/>
-            <a:ext cx="4324320" cy="3450240"/>
+            <a:off x="2079000" y="1604520"/>
+            <a:ext cx="4984920" cy="3977280"/>
           </a:xfrm>
           <a:prstGeom prst="rect">
             <a:avLst/>
@@ -1965,7 +1983,7 @@
       </p:grpSpPr>
       <p:sp>
         <p:nvSpPr>
-          <p:cNvPr id="19" name="PlaceHolder 1"/>
+          <p:cNvPr id="16" name="PlaceHolder 1"/>
           <p:cNvSpPr>
             <a:spLocks noGrp="1"/>
           </p:cNvSpPr>
@@ -1975,8 +1993,8 @@
         </p:nvSpPr>
         <p:spPr>
           <a:xfrm>
-            <a:off x="457200" y="338400"/>
-            <a:ext cx="8229240" cy="1252800"/>
+            <a:off x="457200" y="273600"/>
+            <a:ext cx="8229240" cy="1145160"/>
           </a:xfrm>
           <a:prstGeom prst="rect">
             <a:avLst/>
@@ -1985,13 +2003,14 @@
         <p:txBody>
           <a:bodyPr wrap="none" lIns="0" rIns="0" tIns="0" bIns="0" anchor="ctr"/>
           <a:p>
-            <a:endParaRPr/>
-          </a:p>
-        </p:txBody>
-      </p:sp>
-      <p:sp>
-        <p:nvSpPr>
-          <p:cNvPr id="20" name="PlaceHolder 2"/>
+            <a:pPr algn="ctr"/>
+            <a:endParaRPr/>
+          </a:p>
+        </p:txBody>
+      </p:sp>
+      <p:sp>
+        <p:nvSpPr>
+          <p:cNvPr id="17" name="PlaceHolder 2"/>
           <p:cNvSpPr>
             <a:spLocks noGrp="1"/>
           </p:cNvSpPr>
@@ -2001,8 +2020,8 @@
         </p:nvSpPr>
         <p:spPr>
           <a:xfrm>
-            <a:off x="871920" y="2675520"/>
-            <a:ext cx="7408080" cy="3450240"/>
+            <a:off x="457200" y="1604520"/>
+            <a:ext cx="8229240" cy="3977280"/>
           </a:xfrm>
           <a:prstGeom prst="rect">
             <a:avLst/>
@@ -2039,7 +2058,7 @@
       </p:grpSpPr>
       <p:sp>
         <p:nvSpPr>
-          <p:cNvPr id="21" name="PlaceHolder 1"/>
+          <p:cNvPr id="18" name="PlaceHolder 1"/>
           <p:cNvSpPr>
             <a:spLocks noGrp="1"/>
           </p:cNvSpPr>
@@ -2049,8 +2068,8 @@
         </p:nvSpPr>
         <p:spPr>
           <a:xfrm>
-            <a:off x="457200" y="338400"/>
-            <a:ext cx="8229240" cy="1252800"/>
+            <a:off x="457200" y="273600"/>
+            <a:ext cx="8229240" cy="1145160"/>
           </a:xfrm>
           <a:prstGeom prst="rect">
             <a:avLst/>
@@ -2059,13 +2078,14 @@
         <p:txBody>
           <a:bodyPr wrap="none" lIns="0" rIns="0" tIns="0" bIns="0" anchor="ctr"/>
           <a:p>
-            <a:endParaRPr/>
-          </a:p>
-        </p:txBody>
-      </p:sp>
-      <p:sp>
-        <p:nvSpPr>
-          <p:cNvPr id="22" name="PlaceHolder 2"/>
+            <a:pPr algn="ctr"/>
+            <a:endParaRPr/>
+          </a:p>
+        </p:txBody>
+      </p:sp>
+      <p:sp>
+        <p:nvSpPr>
+          <p:cNvPr id="19" name="PlaceHolder 2"/>
           <p:cNvSpPr>
             <a:spLocks noGrp="1"/>
           </p:cNvSpPr>
@@ -2075,8 +2095,8 @@
         </p:nvSpPr>
         <p:spPr>
           <a:xfrm>
-            <a:off x="871920" y="2675520"/>
-            <a:ext cx="3615120" cy="3450240"/>
+            <a:off x="457200" y="1604520"/>
+            <a:ext cx="4015800" cy="3977280"/>
           </a:xfrm>
           <a:prstGeom prst="rect">
             <a:avLst/>
@@ -2091,7 +2111,7 @@
       </p:sp>
       <p:sp>
         <p:nvSpPr>
-          <p:cNvPr id="23" name="PlaceHolder 3"/>
+          <p:cNvPr id="20" name="PlaceHolder 3"/>
           <p:cNvSpPr>
             <a:spLocks noGrp="1"/>
           </p:cNvSpPr>
@@ -2101,8 +2121,8 @@
         </p:nvSpPr>
         <p:spPr>
           <a:xfrm>
-            <a:off x="4668120" y="2675520"/>
-            <a:ext cx="3615120" cy="3450240"/>
+            <a:off x="4674240" y="1604520"/>
+            <a:ext cx="4015800" cy="3977280"/>
           </a:xfrm>
           <a:prstGeom prst="rect">
             <a:avLst/>
@@ -2139,7 +2159,7 @@
       </p:grpSpPr>
       <p:sp>
         <p:nvSpPr>
-          <p:cNvPr id="24" name="PlaceHolder 1"/>
+          <p:cNvPr id="21" name="PlaceHolder 1"/>
           <p:cNvSpPr>
             <a:spLocks noGrp="1"/>
           </p:cNvSpPr>
@@ -2149,8 +2169,8 @@
         </p:nvSpPr>
         <p:spPr>
           <a:xfrm>
-            <a:off x="457200" y="338400"/>
-            <a:ext cx="8229240" cy="1252800"/>
+            <a:off x="457200" y="273600"/>
+            <a:ext cx="8229240" cy="1145160"/>
           </a:xfrm>
           <a:prstGeom prst="rect">
             <a:avLst/>
@@ -2159,6 +2179,7 @@
         <p:txBody>
           <a:bodyPr wrap="none" lIns="0" rIns="0" tIns="0" bIns="0" anchor="ctr"/>
           <a:p>
+            <a:pPr algn="ctr"/>
             <a:endParaRPr/>
           </a:p>
         </p:txBody>
@@ -2187,7 +2208,7 @@
       </p:grpSpPr>
       <p:sp>
         <p:nvSpPr>
-          <p:cNvPr id="25" name="PlaceHolder 1"/>
+          <p:cNvPr id="22" name="PlaceHolder 1"/>
           <p:cNvSpPr>
             <a:spLocks noGrp="1"/>
           </p:cNvSpPr>
@@ -2197,8 +2218,8 @@
         </p:nvSpPr>
         <p:spPr>
           <a:xfrm>
-            <a:off x="457200" y="338400"/>
-            <a:ext cx="8229240" cy="5807160"/>
+            <a:off x="457200" y="273600"/>
+            <a:ext cx="8229240" cy="5308200"/>
           </a:xfrm>
           <a:prstGeom prst="rect">
             <a:avLst/>
@@ -2236,7 +2257,7 @@
       </p:grpSpPr>
       <p:sp>
         <p:nvSpPr>
-          <p:cNvPr id="26" name="PlaceHolder 1"/>
+          <p:cNvPr id="23" name="PlaceHolder 1"/>
           <p:cNvSpPr>
             <a:spLocks noGrp="1"/>
           </p:cNvSpPr>
@@ -2246,8 +2267,8 @@
         </p:nvSpPr>
         <p:spPr>
           <a:xfrm>
-            <a:off x="457200" y="338400"/>
-            <a:ext cx="8229240" cy="1252800"/>
+            <a:off x="457200" y="273600"/>
+            <a:ext cx="8229240" cy="1145160"/>
           </a:xfrm>
           <a:prstGeom prst="rect">
             <a:avLst/>
@@ -2256,13 +2277,14 @@
         <p:txBody>
           <a:bodyPr wrap="none" lIns="0" rIns="0" tIns="0" bIns="0" anchor="ctr"/>
           <a:p>
-            <a:endParaRPr/>
-          </a:p>
-        </p:txBody>
-      </p:sp>
-      <p:sp>
-        <p:nvSpPr>
-          <p:cNvPr id="27" name="PlaceHolder 2"/>
+            <a:pPr algn="ctr"/>
+            <a:endParaRPr/>
+          </a:p>
+        </p:txBody>
+      </p:sp>
+      <p:sp>
+        <p:nvSpPr>
+          <p:cNvPr id="24" name="PlaceHolder 2"/>
           <p:cNvSpPr>
             <a:spLocks noGrp="1"/>
           </p:cNvSpPr>
@@ -2272,8 +2294,8 @@
         </p:nvSpPr>
         <p:spPr>
           <a:xfrm>
-            <a:off x="871920" y="2675520"/>
-            <a:ext cx="3615120" cy="1645560"/>
+            <a:off x="457200" y="1604520"/>
+            <a:ext cx="4015800" cy="1896840"/>
           </a:xfrm>
           <a:prstGeom prst="rect">
             <a:avLst/>
@@ -2288,7 +2310,7 @@
       </p:sp>
       <p:sp>
         <p:nvSpPr>
-          <p:cNvPr id="28" name="PlaceHolder 3"/>
+          <p:cNvPr id="25" name="PlaceHolder 3"/>
           <p:cNvSpPr>
             <a:spLocks noGrp="1"/>
           </p:cNvSpPr>
@@ -2298,8 +2320,8 @@
         </p:nvSpPr>
         <p:spPr>
           <a:xfrm>
-            <a:off x="871920" y="4477680"/>
-            <a:ext cx="3615120" cy="1645560"/>
+            <a:off x="457200" y="3682080"/>
+            <a:ext cx="4015800" cy="1896840"/>
           </a:xfrm>
           <a:prstGeom prst="rect">
             <a:avLst/>
@@ -2314,7 +2336,7 @@
       </p:sp>
       <p:sp>
         <p:nvSpPr>
-          <p:cNvPr id="29" name="PlaceHolder 4"/>
+          <p:cNvPr id="26" name="PlaceHolder 4"/>
           <p:cNvSpPr>
             <a:spLocks noGrp="1"/>
           </p:cNvSpPr>
@@ -2324,8 +2346,8 @@
         </p:nvSpPr>
         <p:spPr>
           <a:xfrm>
-            <a:off x="4668120" y="2675520"/>
-            <a:ext cx="3615120" cy="3450240"/>
+            <a:off x="4674240" y="1604520"/>
+            <a:ext cx="4015800" cy="3977280"/>
           </a:xfrm>
           <a:prstGeom prst="rect">
             <a:avLst/>
@@ -2362,7 +2384,7 @@
       </p:grpSpPr>
       <p:sp>
         <p:nvSpPr>
-          <p:cNvPr id="30" name="PlaceHolder 1"/>
+          <p:cNvPr id="27" name="PlaceHolder 1"/>
           <p:cNvSpPr>
             <a:spLocks noGrp="1"/>
           </p:cNvSpPr>
@@ -2372,8 +2394,8 @@
         </p:nvSpPr>
         <p:spPr>
           <a:xfrm>
-            <a:off x="457200" y="338400"/>
-            <a:ext cx="8229240" cy="1252800"/>
+            <a:off x="457200" y="273600"/>
+            <a:ext cx="8229240" cy="1145160"/>
           </a:xfrm>
           <a:prstGeom prst="rect">
             <a:avLst/>
@@ -2382,13 +2404,14 @@
         <p:txBody>
           <a:bodyPr wrap="none" lIns="0" rIns="0" tIns="0" bIns="0" anchor="ctr"/>
           <a:p>
-            <a:endParaRPr/>
-          </a:p>
-        </p:txBody>
-      </p:sp>
-      <p:sp>
-        <p:nvSpPr>
-          <p:cNvPr id="31" name="PlaceHolder 2"/>
+            <a:pPr algn="ctr"/>
+            <a:endParaRPr/>
+          </a:p>
+        </p:txBody>
+      </p:sp>
+      <p:sp>
+        <p:nvSpPr>
+          <p:cNvPr id="28" name="PlaceHolder 2"/>
           <p:cNvSpPr>
             <a:spLocks noGrp="1"/>
           </p:cNvSpPr>
@@ -2398,8 +2421,8 @@
         </p:nvSpPr>
         <p:spPr>
           <a:xfrm>
-            <a:off x="871920" y="2675520"/>
-            <a:ext cx="3615120" cy="3450240"/>
+            <a:off x="457200" y="1604520"/>
+            <a:ext cx="4015800" cy="3977280"/>
           </a:xfrm>
           <a:prstGeom prst="rect">
             <a:avLst/>
@@ -2414,7 +2437,7 @@
       </p:sp>
       <p:sp>
         <p:nvSpPr>
-          <p:cNvPr id="32" name="PlaceHolder 3"/>
+          <p:cNvPr id="29" name="PlaceHolder 3"/>
           <p:cNvSpPr>
             <a:spLocks noGrp="1"/>
           </p:cNvSpPr>
@@ -2424,8 +2447,8 @@
         </p:nvSpPr>
         <p:spPr>
           <a:xfrm>
-            <a:off x="4668120" y="2675520"/>
-            <a:ext cx="3615120" cy="1645560"/>
+            <a:off x="4674240" y="1604520"/>
+            <a:ext cx="4015800" cy="1896840"/>
           </a:xfrm>
           <a:prstGeom prst="rect">
             <a:avLst/>
@@ -2440,7 +2463,7 @@
       </p:sp>
       <p:sp>
         <p:nvSpPr>
-          <p:cNvPr id="33" name="PlaceHolder 4"/>
+          <p:cNvPr id="30" name="PlaceHolder 4"/>
           <p:cNvSpPr>
             <a:spLocks noGrp="1"/>
           </p:cNvSpPr>
@@ -2450,8 +2473,8 @@
         </p:nvSpPr>
         <p:spPr>
           <a:xfrm>
-            <a:off x="4668120" y="4477680"/>
-            <a:ext cx="3615120" cy="1645560"/>
+            <a:off x="4674240" y="3682080"/>
+            <a:ext cx="4015800" cy="1896840"/>
           </a:xfrm>
           <a:prstGeom prst="rect">
             <a:avLst/>
@@ -2488,7 +2511,7 @@
       </p:grpSpPr>
       <p:sp>
         <p:nvSpPr>
-          <p:cNvPr id="34" name="PlaceHolder 1"/>
+          <p:cNvPr id="31" name="PlaceHolder 1"/>
           <p:cNvSpPr>
             <a:spLocks noGrp="1"/>
           </p:cNvSpPr>
@@ -2498,8 +2521,8 @@
         </p:nvSpPr>
         <p:spPr>
           <a:xfrm>
-            <a:off x="457200" y="338400"/>
-            <a:ext cx="8229240" cy="1252800"/>
+            <a:off x="457200" y="273600"/>
+            <a:ext cx="8229240" cy="1145160"/>
           </a:xfrm>
           <a:prstGeom prst="rect">
             <a:avLst/>
@@ -2508,13 +2531,14 @@
         <p:txBody>
           <a:bodyPr wrap="none" lIns="0" rIns="0" tIns="0" bIns="0" anchor="ctr"/>
           <a:p>
-            <a:endParaRPr/>
-          </a:p>
-        </p:txBody>
-      </p:sp>
-      <p:sp>
-        <p:nvSpPr>
-          <p:cNvPr id="35" name="PlaceHolder 2"/>
+            <a:pPr algn="ctr"/>
+            <a:endParaRPr/>
+          </a:p>
+        </p:txBody>
+      </p:sp>
+      <p:sp>
+        <p:nvSpPr>
+          <p:cNvPr id="32" name="PlaceHolder 2"/>
           <p:cNvSpPr>
             <a:spLocks noGrp="1"/>
           </p:cNvSpPr>
@@ -2524,8 +2548,8 @@
         </p:nvSpPr>
         <p:spPr>
           <a:xfrm>
-            <a:off x="871920" y="2675520"/>
-            <a:ext cx="3615120" cy="1645560"/>
+            <a:off x="457200" y="1604520"/>
+            <a:ext cx="4015800" cy="1896840"/>
           </a:xfrm>
           <a:prstGeom prst="rect">
             <a:avLst/>
@@ -2540,7 +2564,7 @@
       </p:sp>
       <p:sp>
         <p:nvSpPr>
-          <p:cNvPr id="36" name="PlaceHolder 3"/>
+          <p:cNvPr id="33" name="PlaceHolder 3"/>
           <p:cNvSpPr>
             <a:spLocks noGrp="1"/>
           </p:cNvSpPr>
@@ -2550,8 +2574,8 @@
         </p:nvSpPr>
         <p:spPr>
           <a:xfrm>
-            <a:off x="4668120" y="2675520"/>
-            <a:ext cx="3615120" cy="1645560"/>
+            <a:off x="4674240" y="1604520"/>
+            <a:ext cx="4015800" cy="1896840"/>
           </a:xfrm>
           <a:prstGeom prst="rect">
             <a:avLst/>
@@ -2566,7 +2590,7 @@
       </p:sp>
       <p:sp>
         <p:nvSpPr>
-          <p:cNvPr id="37" name="PlaceHolder 4"/>
+          <p:cNvPr id="34" name="PlaceHolder 4"/>
           <p:cNvSpPr>
             <a:spLocks noGrp="1"/>
           </p:cNvSpPr>
@@ -2576,8 +2600,8 @@
         </p:nvSpPr>
         <p:spPr>
           <a:xfrm>
-            <a:off x="871920" y="4477680"/>
-            <a:ext cx="7408080" cy="1645560"/>
+            <a:off x="457200" y="3682080"/>
+            <a:ext cx="8229240" cy="1896840"/>
           </a:xfrm>
           <a:prstGeom prst="rect">
             <a:avLst/>
@@ -2628,7 +2652,7 @@
         <p:spPr>
           <a:xfrm>
             <a:off x="228600" y="228600"/>
-            <a:ext cx="8695440" cy="2468520"/>
+            <a:ext cx="8695080" cy="2468160"/>
           </a:xfrm>
           <a:prstGeom prst="roundRect">
             <a:avLst>
@@ -2660,7 +2684,7 @@
         <p:spPr>
           <a:xfrm>
             <a:off x="6047280" y="1824480"/>
-            <a:ext cx="2876040" cy="713520"/>
+            <a:ext cx="2875680" cy="713160"/>
           </a:xfrm>
           <a:prstGeom prst="rect">
             <a:avLst/>
@@ -2682,7 +2706,7 @@
         <p:spPr>
           <a:xfrm>
             <a:off x="2619360" y="1696320"/>
-            <a:ext cx="5544000" cy="849600"/>
+            <a:ext cx="5543640" cy="849240"/>
           </a:xfrm>
           <a:prstGeom prst="rect">
             <a:avLst/>
@@ -2704,7 +2728,7 @@
         <p:spPr>
           <a:xfrm>
             <a:off x="2828880" y="1708560"/>
-            <a:ext cx="5467680" cy="774000"/>
+            <a:ext cx="5467320" cy="773640"/>
           </a:xfrm>
           <a:prstGeom prst="rect">
             <a:avLst/>
@@ -2726,7 +2750,7 @@
         <p:spPr>
           <a:xfrm>
             <a:off x="5609520" y="1694880"/>
-            <a:ext cx="3307680" cy="651240"/>
+            <a:ext cx="3307320" cy="650880"/>
           </a:xfrm>
           <a:prstGeom prst="rect">
             <a:avLst/>
@@ -2748,7 +2772,7 @@
         <p:spPr>
           <a:xfrm>
             <a:off x="211680" y="1679400"/>
-            <a:ext cx="8723160" cy="1329480"/>
+            <a:ext cx="8722800" cy="1329120"/>
           </a:xfrm>
           <a:prstGeom prst="rect">
             <a:avLst/>
@@ -2770,7 +2794,7 @@
         <p:spPr>
           <a:xfrm>
             <a:off x="228600" y="228600"/>
-            <a:ext cx="8695440" cy="6034680"/>
+            <a:ext cx="8695080" cy="6034320"/>
           </a:xfrm>
           <a:prstGeom prst="roundRect">
             <a:avLst>
@@ -2802,7 +2826,7 @@
         <p:spPr>
           <a:xfrm>
             <a:off x="6054840" y="5499360"/>
-            <a:ext cx="2879640" cy="714600"/>
+            <a:ext cx="2879280" cy="714240"/>
           </a:xfrm>
           <a:prstGeom prst="rect">
             <a:avLst/>
@@ -2824,7 +2848,7 @@
         <p:spPr>
           <a:xfrm>
             <a:off x="2622240" y="5370840"/>
-            <a:ext cx="5551200" cy="851040"/>
+            <a:ext cx="5550840" cy="850680"/>
           </a:xfrm>
           <a:prstGeom prst="rect">
             <a:avLst/>
@@ -2846,7 +2870,7 @@
         <p:spPr>
           <a:xfrm>
             <a:off x="2832120" y="5383080"/>
-            <a:ext cx="5474520" cy="775080"/>
+            <a:ext cx="5474160" cy="774720"/>
           </a:xfrm>
           <a:prstGeom prst="rect">
             <a:avLst/>
@@ -2868,7 +2892,7 @@
         <p:spPr>
           <a:xfrm>
             <a:off x="5616360" y="5369760"/>
-            <a:ext cx="3312000" cy="651960"/>
+            <a:ext cx="3311640" cy="651600"/>
           </a:xfrm>
           <a:prstGeom prst="rect">
             <a:avLst/>
@@ -2890,7 +2914,7 @@
         <p:spPr>
           <a:xfrm>
             <a:off x="211680" y="5353920"/>
-            <a:ext cx="8723160" cy="1331280"/>
+            <a:ext cx="8722800" cy="1330920"/>
           </a:xfrm>
           <a:prstGeom prst="rect">
             <a:avLst/>
@@ -2915,29 +2939,19 @@
         </p:nvSpPr>
         <p:spPr>
           <a:xfrm>
-            <a:off x="685800" y="1600200"/>
-            <a:ext cx="7772040" cy="1779840"/>
-          </a:xfrm>
-          <a:prstGeom prst="rect">
-            <a:avLst/>
-          </a:prstGeom>
-        </p:spPr>
-        <p:txBody>
-          <a:bodyPr anchor="b"/>
-          <a:p>
-            <a:pPr>
-              <a:lnSpc>
-                <a:spcPct val="100000"/>
-              </a:lnSpc>
-            </a:pPr>
-            <a:r>
-              <a:rPr lang="en-US" sz="4400">
-                <a:solidFill>
-                  <a:srgbClr val="ffffff"/>
-                </a:solidFill>
-                <a:latin typeface="Candara"/>
-              </a:rPr>
-              <a:t>Click to edit the title text formatClick to edit Master title style</a:t>
+            <a:off x="457200" y="338400"/>
+            <a:ext cx="8228880" cy="1252440"/>
+          </a:xfrm>
+          <a:prstGeom prst="rect">
+            <a:avLst/>
+          </a:prstGeom>
+        </p:spPr>
+        <p:txBody>
+          <a:bodyPr wrap="none" lIns="0" rIns="0" tIns="0" bIns="0" anchor="ctr"/>
+          <a:p>
+            <a:r>
+              <a:rPr lang="en-US"/>
+              <a:t>Click to edit the title text format</a:t>
             </a:r>
             <a:endParaRPr/>
           </a:p>
@@ -2946,112 +2960,6 @@
       <p:sp>
         <p:nvSpPr>
           <p:cNvPr id="13" name="PlaceHolder 14"/>
-          <p:cNvSpPr>
-            <a:spLocks noGrp="1"/>
-          </p:cNvSpPr>
-          <p:nvPr>
-            <p:ph type="dt"/>
-          </p:nvPr>
-        </p:nvSpPr>
-        <p:spPr>
-          <a:xfrm>
-            <a:off x="5163840" y="6250320"/>
-            <a:ext cx="3786480" cy="364680"/>
-          </a:xfrm>
-          <a:prstGeom prst="rect">
-            <a:avLst/>
-          </a:prstGeom>
-        </p:spPr>
-        <p:txBody>
-          <a:bodyPr anchor="ctr"/>
-          <a:p>
-            <a:pPr algn="r">
-              <a:lnSpc>
-                <a:spcPct val="100000"/>
-              </a:lnSpc>
-            </a:pPr>
-            <a:r>
-              <a:rPr lang="en-US" sz="1000">
-                <a:solidFill>
-                  <a:srgbClr val="073e87"/>
-                </a:solidFill>
-                <a:latin typeface="Candara"/>
-              </a:rPr>
-              <a:t>5/15/14</a:t>
-            </a:r>
-            <a:endParaRPr/>
-          </a:p>
-        </p:txBody>
-      </p:sp>
-      <p:sp>
-        <p:nvSpPr>
-          <p:cNvPr id="14" name="PlaceHolder 15"/>
-          <p:cNvSpPr>
-            <a:spLocks noGrp="1"/>
-          </p:cNvSpPr>
-          <p:nvPr>
-            <p:ph type="ftr"/>
-          </p:nvPr>
-        </p:nvSpPr>
-        <p:spPr>
-          <a:xfrm>
-            <a:off x="193680" y="6250320"/>
-            <a:ext cx="3786480" cy="364680"/>
-          </a:xfrm>
-          <a:prstGeom prst="rect">
-            <a:avLst/>
-          </a:prstGeom>
-        </p:spPr>
-        <p:txBody>
-          <a:bodyPr anchor="ctr"/>
-          <a:p>
-            <a:endParaRPr/>
-          </a:p>
-        </p:txBody>
-      </p:sp>
-      <p:sp>
-        <p:nvSpPr>
-          <p:cNvPr id="15" name="PlaceHolder 16"/>
-          <p:cNvSpPr>
-            <a:spLocks noGrp="1"/>
-          </p:cNvSpPr>
-          <p:nvPr>
-            <p:ph type="sldNum"/>
-          </p:nvPr>
-        </p:nvSpPr>
-        <p:spPr>
-          <a:xfrm>
-            <a:off x="3990960" y="6250320"/>
-            <a:ext cx="1161360" cy="364680"/>
-          </a:xfrm>
-          <a:prstGeom prst="rect">
-            <a:avLst/>
-          </a:prstGeom>
-        </p:spPr>
-        <p:txBody>
-          <a:bodyPr anchor="ctr"/>
-          <a:p>
-            <a:pPr algn="ctr">
-              <a:lnSpc>
-                <a:spcPct val="100000"/>
-              </a:lnSpc>
-            </a:pPr>
-            <a:fld id="{3682F772-B272-4D91-90B8-89EDCB3C8034}" type="slidenum">
-              <a:rPr lang="en-US" sz="1000">
-                <a:solidFill>
-                  <a:srgbClr val="073e87"/>
-                </a:solidFill>
-                <a:latin typeface="Candara"/>
-              </a:rPr>
-              <a:t>&lt;number&gt;</a:t>
-            </a:fld>
-            <a:endParaRPr/>
-          </a:p>
-        </p:txBody>
-      </p:sp>
-      <p:sp>
-        <p:nvSpPr>
-          <p:cNvPr id="16" name="PlaceHolder 17"/>
           <p:cNvSpPr>
             <a:spLocks noGrp="1"/>
           </p:cNvSpPr>
@@ -3202,14 +3110,14 @@
       </p:grpSpPr>
       <p:sp>
         <p:nvSpPr>
-          <p:cNvPr id="51" name="CustomShape 1"/>
+          <p:cNvPr id="48" name="CustomShape 1"/>
           <p:cNvSpPr/>
           <p:nvPr/>
         </p:nvSpPr>
         <p:spPr>
           <a:xfrm>
             <a:off x="228600" y="228600"/>
-            <a:ext cx="8695440" cy="2468520"/>
+            <a:ext cx="8695080" cy="2468160"/>
           </a:xfrm>
           <a:prstGeom prst="roundRect">
             <a:avLst>
@@ -3234,14 +3142,14 @@
       </p:sp>
       <p:sp>
         <p:nvSpPr>
-          <p:cNvPr id="52" name="CustomShape 2"/>
+          <p:cNvPr id="49" name="CustomShape 2"/>
           <p:cNvSpPr/>
           <p:nvPr/>
         </p:nvSpPr>
         <p:spPr>
           <a:xfrm>
             <a:off x="6047280" y="1824480"/>
-            <a:ext cx="2876040" cy="713520"/>
+            <a:ext cx="2875680" cy="713160"/>
           </a:xfrm>
           <a:prstGeom prst="rect">
             <a:avLst/>
@@ -3256,14 +3164,14 @@
       </p:sp>
       <p:sp>
         <p:nvSpPr>
-          <p:cNvPr id="53" name="CustomShape 3"/>
+          <p:cNvPr id="50" name="CustomShape 3"/>
           <p:cNvSpPr/>
           <p:nvPr/>
         </p:nvSpPr>
         <p:spPr>
           <a:xfrm>
             <a:off x="2619360" y="1696320"/>
-            <a:ext cx="5544000" cy="849600"/>
+            <a:ext cx="5543640" cy="849240"/>
           </a:xfrm>
           <a:prstGeom prst="rect">
             <a:avLst/>
@@ -3278,14 +3186,14 @@
       </p:sp>
       <p:sp>
         <p:nvSpPr>
-          <p:cNvPr id="54" name="CustomShape 4"/>
+          <p:cNvPr id="51" name="CustomShape 4"/>
           <p:cNvSpPr/>
           <p:nvPr/>
         </p:nvSpPr>
         <p:spPr>
           <a:xfrm>
             <a:off x="2828880" y="1708560"/>
-            <a:ext cx="5467680" cy="774000"/>
+            <a:ext cx="5467320" cy="773640"/>
           </a:xfrm>
           <a:prstGeom prst="rect">
             <a:avLst/>
@@ -3300,14 +3208,14 @@
       </p:sp>
       <p:sp>
         <p:nvSpPr>
-          <p:cNvPr id="55" name="CustomShape 5"/>
+          <p:cNvPr id="52" name="CustomShape 5"/>
           <p:cNvSpPr/>
           <p:nvPr/>
         </p:nvSpPr>
         <p:spPr>
           <a:xfrm>
             <a:off x="5609520" y="1694880"/>
-            <a:ext cx="3307680" cy="651240"/>
+            <a:ext cx="3307320" cy="650880"/>
           </a:xfrm>
           <a:prstGeom prst="rect">
             <a:avLst/>
@@ -3322,14 +3230,14 @@
       </p:sp>
       <p:sp>
         <p:nvSpPr>
-          <p:cNvPr id="56" name="CustomShape 6"/>
+          <p:cNvPr id="53" name="CustomShape 6"/>
           <p:cNvSpPr/>
           <p:nvPr/>
         </p:nvSpPr>
         <p:spPr>
           <a:xfrm>
             <a:off x="211680" y="1679400"/>
-            <a:ext cx="8723160" cy="1329480"/>
+            <a:ext cx="8722800" cy="1329120"/>
           </a:xfrm>
           <a:prstGeom prst="rect">
             <a:avLst/>
@@ -3344,7 +3252,38 @@
       </p:sp>
       <p:sp>
         <p:nvSpPr>
-          <p:cNvPr id="57" name="PlaceHolder 7"/>
+          <p:cNvPr id="54" name="PlaceHolder 7"/>
+          <p:cNvSpPr>
+            <a:spLocks noGrp="1"/>
+          </p:cNvSpPr>
+          <p:nvPr>
+            <p:ph type="title"/>
+          </p:nvPr>
+        </p:nvSpPr>
+        <p:spPr>
+          <a:xfrm>
+            <a:off x="457200" y="273600"/>
+            <a:ext cx="8229240" cy="1144800"/>
+          </a:xfrm>
+          <a:prstGeom prst="rect">
+            <a:avLst/>
+          </a:prstGeom>
+        </p:spPr>
+        <p:txBody>
+          <a:bodyPr wrap="none" lIns="0" rIns="0" tIns="0" bIns="0" anchor="ctr"/>
+          <a:p>
+            <a:pPr algn="ctr"/>
+            <a:r>
+              <a:rPr lang="en-US"/>
+              <a:t>Click to edit the title text format</a:t>
+            </a:r>
+            <a:endParaRPr/>
+          </a:p>
+        </p:txBody>
+      </p:sp>
+      <p:sp>
+        <p:nvSpPr>
+          <p:cNvPr id="55" name="PlaceHolder 8"/>
           <p:cNvSpPr>
             <a:spLocks noGrp="1"/>
           </p:cNvSpPr>
@@ -3354,15 +3293,15 @@
         </p:nvSpPr>
         <p:spPr>
           <a:xfrm>
-            <a:off x="871920" y="2675520"/>
-            <a:ext cx="7408080" cy="3450240"/>
-          </a:xfrm>
-          <a:prstGeom prst="rect">
-            <a:avLst/>
-          </a:prstGeom>
-        </p:spPr>
-        <p:txBody>
-          <a:bodyPr/>
+            <a:off x="457200" y="1604520"/>
+            <a:ext cx="8229240" cy="3977280"/>
+          </a:xfrm>
+          <a:prstGeom prst="rect">
+            <a:avLst/>
+          </a:prstGeom>
+        </p:spPr>
+        <p:txBody>
+          <a:bodyPr wrap="none" lIns="0" rIns="0" tIns="0" bIns="0"/>
           <a:p>
             <a:pPr>
               <a:buSzPct val="25000"/>
@@ -3370,12 +3309,7 @@
               <a:buChar char=""/>
             </a:pPr>
             <a:r>
-              <a:rPr lang="en-US" sz="2400">
-                <a:solidFill>
-                  <a:srgbClr val="073e87"/>
-                </a:solidFill>
-                <a:latin typeface="Candara"/>
-              </a:rPr>
+              <a:rPr lang="en-US"/>
               <a:t>Click to edit the outline text format</a:t>
             </a:r>
             <a:endParaRPr/>
@@ -3387,12 +3321,7 @@
               <a:buChar char=""/>
             </a:pPr>
             <a:r>
-              <a:rPr lang="en-US" sz="2400">
-                <a:solidFill>
-                  <a:srgbClr val="073e87"/>
-                </a:solidFill>
-                <a:latin typeface="Candara"/>
-              </a:rPr>
+              <a:rPr lang="en-US"/>
               <a:t>Second Outline Level</a:t>
             </a:r>
             <a:endParaRPr/>
@@ -3404,12 +3333,7 @@
               <a:buChar char=""/>
             </a:pPr>
             <a:r>
-              <a:rPr lang="en-US" sz="2400">
-                <a:solidFill>
-                  <a:srgbClr val="073e87"/>
-                </a:solidFill>
-                <a:latin typeface="Candara"/>
-              </a:rPr>
+              <a:rPr lang="en-US"/>
               <a:t>Third Outline Level</a:t>
             </a:r>
             <a:endParaRPr/>
@@ -3421,12 +3345,7 @@
               <a:buChar char=""/>
             </a:pPr>
             <a:r>
-              <a:rPr lang="en-US" sz="2400">
-                <a:solidFill>
-                  <a:srgbClr val="073e87"/>
-                </a:solidFill>
-                <a:latin typeface="Candara"/>
-              </a:rPr>
+              <a:rPr lang="en-US"/>
               <a:t>Fourth Outline Level</a:t>
             </a:r>
             <a:endParaRPr/>
@@ -3438,12 +3357,7 @@
               <a:buChar char=""/>
             </a:pPr>
             <a:r>
-              <a:rPr lang="en-US" sz="2400">
-                <a:solidFill>
-                  <a:srgbClr val="073e87"/>
-                </a:solidFill>
-                <a:latin typeface="Candara"/>
-              </a:rPr>
+              <a:rPr lang="en-US"/>
               <a:t>Fifth Outline Level</a:t>
             </a:r>
             <a:endParaRPr/>
@@ -3455,254 +3369,20 @@
               <a:buChar char=""/>
             </a:pPr>
             <a:r>
-              <a:rPr lang="en-US" sz="2400">
-                <a:solidFill>
-                  <a:srgbClr val="073e87"/>
-                </a:solidFill>
-                <a:latin typeface="Candara"/>
-              </a:rPr>
+              <a:rPr lang="en-US"/>
               <a:t>Sixth Outline Level</a:t>
             </a:r>
             <a:endParaRPr/>
           </a:p>
           <a:p>
-            <a:pPr>
-              <a:lnSpc>
-                <a:spcPct val="100000"/>
-              </a:lnSpc>
-              <a:buFont typeface="Symbol"/>
-              <a:buChar char=""/>
+            <a:pPr lvl="6">
+              <a:buSzPct val="25000"/>
+              <a:buFont typeface="StarSymbol"/>
+              <a:buChar char=""/>
             </a:pPr>
             <a:r>
-              <a:rPr lang="en-US" sz="2400">
-                <a:solidFill>
-                  <a:srgbClr val="073e87"/>
-                </a:solidFill>
-                <a:latin typeface="Candara"/>
-              </a:rPr>
-              <a:t>Seventh Outline LevelClick to edit Master text styles</a:t>
-            </a:r>
-            <a:endParaRPr/>
-          </a:p>
-          <a:p>
-            <a:pPr lvl="1">
-              <a:lnSpc>
-                <a:spcPct val="100000"/>
-              </a:lnSpc>
-              <a:buFont typeface="Symbol"/>
-              <a:buChar char=""/>
-            </a:pPr>
-            <a:r>
-              <a:rPr lang="en-US" sz="2200">
-                <a:solidFill>
-                  <a:srgbClr val="073e87"/>
-                </a:solidFill>
-                <a:latin typeface="Candara"/>
-              </a:rPr>
-              <a:t>Second level</a:t>
-            </a:r>
-            <a:endParaRPr/>
-          </a:p>
-          <a:p>
-            <a:pPr lvl="2">
-              <a:lnSpc>
-                <a:spcPct val="100000"/>
-              </a:lnSpc>
-              <a:buFont typeface="Symbol"/>
-              <a:buChar char=""/>
-            </a:pPr>
-            <a:r>
-              <a:rPr lang="en-US" sz="2000">
-                <a:solidFill>
-                  <a:srgbClr val="073e87"/>
-                </a:solidFill>
-                <a:latin typeface="Candara"/>
-              </a:rPr>
-              <a:t>Third level</a:t>
-            </a:r>
-            <a:endParaRPr/>
-          </a:p>
-          <a:p>
-            <a:pPr lvl="3">
-              <a:lnSpc>
-                <a:spcPct val="100000"/>
-              </a:lnSpc>
-              <a:buFont typeface="Symbol"/>
-              <a:buChar char=""/>
-            </a:pPr>
-            <a:r>
-              <a:rPr lang="en-US">
-                <a:solidFill>
-                  <a:srgbClr val="073e87"/>
-                </a:solidFill>
-                <a:latin typeface="Candara"/>
-              </a:rPr>
-              <a:t>Fourth level</a:t>
-            </a:r>
-            <a:endParaRPr/>
-          </a:p>
-          <a:p>
-            <a:pPr lvl="4">
-              <a:lnSpc>
-                <a:spcPct val="100000"/>
-              </a:lnSpc>
-              <a:buFont typeface="Symbol"/>
-              <a:buChar char=""/>
-            </a:pPr>
-            <a:r>
-              <a:rPr lang="en-US" sz="1600">
-                <a:solidFill>
-                  <a:srgbClr val="073e87"/>
-                </a:solidFill>
-                <a:latin typeface="Candara"/>
-              </a:rPr>
-              <a:t>Fifth level</a:t>
-            </a:r>
-            <a:endParaRPr/>
-          </a:p>
-        </p:txBody>
-      </p:sp>
-      <p:sp>
-        <p:nvSpPr>
-          <p:cNvPr id="58" name="PlaceHolder 8"/>
-          <p:cNvSpPr>
-            <a:spLocks noGrp="1"/>
-          </p:cNvSpPr>
-          <p:nvPr>
-            <p:ph type="dt"/>
-          </p:nvPr>
-        </p:nvSpPr>
-        <p:spPr>
-          <a:xfrm>
-            <a:off x="5163840" y="6250320"/>
-            <a:ext cx="3786480" cy="364680"/>
-          </a:xfrm>
-          <a:prstGeom prst="rect">
-            <a:avLst/>
-          </a:prstGeom>
-        </p:spPr>
-        <p:txBody>
-          <a:bodyPr anchor="ctr"/>
-          <a:p>
-            <a:pPr algn="r">
-              <a:lnSpc>
-                <a:spcPct val="100000"/>
-              </a:lnSpc>
-            </a:pPr>
-            <a:r>
-              <a:rPr lang="en-US" sz="1000">
-                <a:solidFill>
-                  <a:srgbClr val="073e87"/>
-                </a:solidFill>
-                <a:latin typeface="Candara"/>
-              </a:rPr>
-              <a:t>5/15/14</a:t>
-            </a:r>
-            <a:endParaRPr/>
-          </a:p>
-        </p:txBody>
-      </p:sp>
-      <p:sp>
-        <p:nvSpPr>
-          <p:cNvPr id="59" name="PlaceHolder 9"/>
-          <p:cNvSpPr>
-            <a:spLocks noGrp="1"/>
-          </p:cNvSpPr>
-          <p:nvPr>
-            <p:ph type="ftr"/>
-          </p:nvPr>
-        </p:nvSpPr>
-        <p:spPr>
-          <a:xfrm>
-            <a:off x="193680" y="6250320"/>
-            <a:ext cx="3786480" cy="364680"/>
-          </a:xfrm>
-          <a:prstGeom prst="rect">
-            <a:avLst/>
-          </a:prstGeom>
-        </p:spPr>
-        <p:txBody>
-          <a:bodyPr anchor="ctr"/>
-          <a:p>
-            <a:endParaRPr/>
-          </a:p>
-        </p:txBody>
-      </p:sp>
-      <p:sp>
-        <p:nvSpPr>
-          <p:cNvPr id="60" name="PlaceHolder 10"/>
-          <p:cNvSpPr>
-            <a:spLocks noGrp="1"/>
-          </p:cNvSpPr>
-          <p:nvPr>
-            <p:ph type="sldNum"/>
-          </p:nvPr>
-        </p:nvSpPr>
-        <p:spPr>
-          <a:xfrm>
-            <a:off x="3990960" y="6250320"/>
-            <a:ext cx="1161360" cy="364680"/>
-          </a:xfrm>
-          <a:prstGeom prst="rect">
-            <a:avLst/>
-          </a:prstGeom>
-        </p:spPr>
-        <p:txBody>
-          <a:bodyPr anchor="ctr"/>
-          <a:p>
-            <a:pPr algn="ctr">
-              <a:lnSpc>
-                <a:spcPct val="100000"/>
-              </a:lnSpc>
-            </a:pPr>
-            <a:fld id="{4AB8996D-AC5D-4DFA-A316-EFBEE1C0D21E}" type="slidenum">
-              <a:rPr lang="en-US" sz="1000">
-                <a:solidFill>
-                  <a:srgbClr val="073e87"/>
-                </a:solidFill>
-                <a:latin typeface="Candara"/>
-              </a:rPr>
-              <a:t>&lt;number&gt;</a:t>
-            </a:fld>
-            <a:endParaRPr/>
-          </a:p>
-        </p:txBody>
-      </p:sp>
-      <p:sp>
-        <p:nvSpPr>
-          <p:cNvPr id="61" name="PlaceHolder 11"/>
-          <p:cNvSpPr>
-            <a:spLocks noGrp="1"/>
-          </p:cNvSpPr>
-          <p:nvPr>
-            <p:ph type="title"/>
-          </p:nvPr>
-        </p:nvSpPr>
-        <p:spPr>
-          <a:xfrm>
-            <a:off x="457200" y="338400"/>
-            <a:ext cx="8229240" cy="1252440"/>
-          </a:xfrm>
-          <a:prstGeom prst="rect">
-            <a:avLst/>
-          </a:prstGeom>
-        </p:spPr>
-        <p:txBody>
-          <a:bodyPr anchor="ctr"/>
-          <a:p>
-            <a:pPr algn="ctr">
-              <a:lnSpc>
-                <a:spcPct val="100000"/>
-              </a:lnSpc>
-            </a:pPr>
-            <a:r>
-              <a:rPr lang="en-US" sz="4400">
-                <a:solidFill>
-                  <a:srgbClr val="ffffff"/>
-                </a:solidFill>
-                <a:latin typeface="Candara"/>
-              </a:rPr>
-              <a:t>Click to edit the title text formatClick to edit Master title style</a:t>
+              <a:rPr lang="en-US"/>
+              <a:t>Seventh Outline Level</a:t>
             </a:r>
             <a:endParaRPr/>
           </a:p>
@@ -3747,27 +3427,26 @@
       </p:grpSpPr>
       <p:sp>
         <p:nvSpPr>
-          <p:cNvPr id="101" name="TextShape 1"/>
-          <p:cNvSpPr txBox="1"/>
+          <p:cNvPr id="95" name="CustomShape 1"/>
+          <p:cNvSpPr/>
           <p:nvPr/>
         </p:nvSpPr>
         <p:spPr>
           <a:xfrm>
             <a:off x="685800" y="1600200"/>
-            <a:ext cx="7772040" cy="1779840"/>
-          </a:xfrm>
-          <a:prstGeom prst="rect">
-            <a:avLst/>
-          </a:prstGeom>
-        </p:spPr>
-        <p:txBody>
-          <a:bodyPr anchor="b"/>
-          <a:p>
-            <a:pPr>
-              <a:lnSpc>
-                <a:spcPct val="100000"/>
-              </a:lnSpc>
-            </a:pPr>
+            <a:ext cx="7771680" cy="1779480"/>
+          </a:xfrm>
+          <a:prstGeom prst="rect">
+            <a:avLst/>
+          </a:prstGeom>
+          <a:noFill/>
+          <a:ln>
+            <a:noFill/>
+          </a:ln>
+        </p:spPr>
+        <p:txBody>
+          <a:bodyPr lIns="90000" rIns="90000" tIns="45000" bIns="45000" anchor="b"/>
+          <a:p>
             <a:r>
               <a:rPr lang="en-US" sz="4400">
                 <a:solidFill>
@@ -3777,16 +3456,14 @@
               </a:rPr>
               <a:t>Software Engineering</a:t>
             </a:r>
-            <a:r>
-              <a:rPr lang="en-US" sz="4400">
-                <a:solidFill>
-                  <a:srgbClr val="ffffff"/>
-                </a:solidFill>
-                <a:latin typeface="Candara"/>
-              </a:rPr>
-              <a:t>
-</a:t>
-            </a:r>
+            <a:endParaRPr/>
+          </a:p>
+          <a:p>
+            <a:pPr>
+              <a:lnSpc>
+                <a:spcPct val="100000"/>
+              </a:lnSpc>
+            </a:pPr>
             <a:r>
               <a:rPr lang="en-US" sz="4400">
                 <a:solidFill>
@@ -3802,21 +3479,25 @@
       </p:sp>
       <p:sp>
         <p:nvSpPr>
-          <p:cNvPr id="102" name="TextShape 2"/>
-          <p:cNvSpPr txBox="1"/>
+          <p:cNvPr id="96" name="CustomShape 2"/>
+          <p:cNvSpPr/>
           <p:nvPr/>
         </p:nvSpPr>
         <p:spPr>
           <a:xfrm>
             <a:off x="1371600" y="3556080"/>
-            <a:ext cx="6400440" cy="1472760"/>
-          </a:xfrm>
-          <a:prstGeom prst="rect">
-            <a:avLst/>
-          </a:prstGeom>
-        </p:spPr>
-        <p:txBody>
-          <a:bodyPr/>
+            <a:ext cx="6400080" cy="1472400"/>
+          </a:xfrm>
+          <a:prstGeom prst="rect">
+            <a:avLst/>
+          </a:prstGeom>
+          <a:noFill/>
+          <a:ln>
+            <a:noFill/>
+          </a:ln>
+        </p:spPr>
+        <p:txBody>
+          <a:bodyPr lIns="90000" rIns="90000" tIns="45000" bIns="45000"/>
           <a:p>
             <a:pPr algn="ctr">
               <a:lnSpc>
@@ -3887,21 +3568,25 @@
       </p:grpSpPr>
       <p:sp>
         <p:nvSpPr>
-          <p:cNvPr id="120" name="TextShape 1"/>
-          <p:cNvSpPr txBox="1"/>
+          <p:cNvPr id="114" name="CustomShape 1"/>
+          <p:cNvSpPr/>
           <p:nvPr/>
         </p:nvSpPr>
         <p:spPr>
           <a:xfrm>
             <a:off x="685800" y="457200"/>
-            <a:ext cx="8229240" cy="1252440"/>
-          </a:xfrm>
-          <a:prstGeom prst="rect">
-            <a:avLst/>
-          </a:prstGeom>
-        </p:spPr>
-        <p:txBody>
-          <a:bodyPr anchor="ctr"/>
+            <a:ext cx="8228880" cy="1252080"/>
+          </a:xfrm>
+          <a:prstGeom prst="rect">
+            <a:avLst/>
+          </a:prstGeom>
+          <a:noFill/>
+          <a:ln>
+            <a:noFill/>
+          </a:ln>
+        </p:spPr>
+        <p:txBody>
+          <a:bodyPr lIns="90000" rIns="90000" tIns="45000" bIns="45000" anchor="ctr"/>
           <a:p>
             <a:pPr algn="ctr">
               <a:lnSpc>
@@ -3923,7 +3608,7 @@
       </p:sp>
       <p:pic>
         <p:nvPicPr>
-          <p:cNvPr id="121" name="" descr=""/>
+          <p:cNvPr id="115" name="" descr=""/>
           <p:cNvPicPr/>
           <p:nvPr/>
         </p:nvPicPr>
@@ -3936,7 +3621,7 @@
         <p:spPr>
           <a:xfrm>
             <a:off x="360" y="1534680"/>
-            <a:ext cx="9143640" cy="5140440"/>
+            <a:ext cx="9143280" cy="5140080"/>
           </a:xfrm>
           <a:prstGeom prst="rect">
             <a:avLst/>
@@ -3997,26 +3682,33 @@
       </p:grpSpPr>
       <p:sp>
         <p:nvSpPr>
-          <p:cNvPr id="122" name="TextShape 1"/>
-          <p:cNvSpPr txBox="1"/>
+          <p:cNvPr id="116" name="CustomShape 1"/>
+          <p:cNvSpPr/>
           <p:nvPr/>
         </p:nvSpPr>
         <p:spPr>
           <a:xfrm>
             <a:off x="822960" y="1737360"/>
-            <a:ext cx="7408080" cy="3450240"/>
-          </a:xfrm>
-          <a:prstGeom prst="rect">
-            <a:avLst/>
-          </a:prstGeom>
-        </p:spPr>
-        <p:txBody>
-          <a:bodyPr/>
+            <a:ext cx="7407720" cy="3449880"/>
+          </a:xfrm>
+          <a:prstGeom prst="rect">
+            <a:avLst/>
+          </a:prstGeom>
+          <a:noFill/>
+          <a:ln>
+            <a:noFill/>
+          </a:ln>
+        </p:spPr>
+        <p:txBody>
+          <a:bodyPr lIns="90000" rIns="90000" tIns="45000" bIns="45000"/>
           <a:p>
             <a:pPr>
+              <a:lnSpc>
+                <a:spcPct val="100000"/>
+              </a:lnSpc>
               <a:buSzPct val="25000"/>
               <a:buFont typeface="StarSymbol"/>
-              <a:buChar char=""/>
+              <a:buChar char="l"/>
             </a:pPr>
             <a:r>
               <a:rPr lang="en-US"/>
@@ -4026,9 +3718,12 @@
           </a:p>
           <a:p>
             <a:pPr>
+              <a:lnSpc>
+                <a:spcPct val="100000"/>
+              </a:lnSpc>
               <a:buSzPct val="25000"/>
               <a:buFont typeface="StarSymbol"/>
-              <a:buChar char=""/>
+              <a:buChar char="l"/>
             </a:pPr>
             <a:r>
               <a:rPr lang="en-US"/>
@@ -4038,9 +3733,12 @@
           </a:p>
           <a:p>
             <a:pPr>
+              <a:lnSpc>
+                <a:spcPct val="100000"/>
+              </a:lnSpc>
               <a:buSzPct val="25000"/>
               <a:buFont typeface="StarSymbol"/>
-              <a:buChar char=""/>
+              <a:buChar char="l"/>
             </a:pPr>
             <a:r>
               <a:rPr lang="en-US"/>
@@ -4050,9 +3748,12 @@
           </a:p>
           <a:p>
             <a:pPr>
+              <a:lnSpc>
+                <a:spcPct val="100000"/>
+              </a:lnSpc>
               <a:buSzPct val="25000"/>
               <a:buFont typeface="StarSymbol"/>
-              <a:buChar char=""/>
+              <a:buChar char="l"/>
             </a:pPr>
             <a:r>
               <a:rPr lang="en-US"/>
@@ -4064,21 +3765,25 @@
       </p:sp>
       <p:sp>
         <p:nvSpPr>
-          <p:cNvPr id="123" name="TextShape 2"/>
-          <p:cNvSpPr txBox="1"/>
+          <p:cNvPr id="117" name="CustomShape 2"/>
+          <p:cNvSpPr/>
           <p:nvPr/>
         </p:nvSpPr>
         <p:spPr>
           <a:xfrm>
             <a:off x="457200" y="338400"/>
-            <a:ext cx="8229240" cy="1252440"/>
-          </a:xfrm>
-          <a:prstGeom prst="rect">
-            <a:avLst/>
-          </a:prstGeom>
-        </p:spPr>
-        <p:txBody>
-          <a:bodyPr anchor="ctr"/>
+            <a:ext cx="8228880" cy="1252080"/>
+          </a:xfrm>
+          <a:prstGeom prst="rect">
+            <a:avLst/>
+          </a:prstGeom>
+          <a:noFill/>
+          <a:ln>
+            <a:noFill/>
+          </a:ln>
+        </p:spPr>
+        <p:txBody>
+          <a:bodyPr lIns="90000" rIns="90000" tIns="45000" bIns="45000" anchor="ctr"/>
           <a:p>
             <a:pPr algn="ctr">
               <a:lnSpc>
@@ -4148,21 +3853,25 @@
       </p:grpSpPr>
       <p:sp>
         <p:nvSpPr>
-          <p:cNvPr id="124" name="TextShape 1"/>
-          <p:cNvSpPr txBox="1"/>
+          <p:cNvPr id="118" name="CustomShape 1"/>
+          <p:cNvSpPr/>
           <p:nvPr/>
         </p:nvSpPr>
         <p:spPr>
           <a:xfrm>
             <a:off x="457200" y="338400"/>
-            <a:ext cx="8229240" cy="1252440"/>
-          </a:xfrm>
-          <a:prstGeom prst="rect">
-            <a:avLst/>
-          </a:prstGeom>
-        </p:spPr>
-        <p:txBody>
-          <a:bodyPr anchor="ctr"/>
+            <a:ext cx="8228880" cy="1252080"/>
+          </a:xfrm>
+          <a:prstGeom prst="rect">
+            <a:avLst/>
+          </a:prstGeom>
+          <a:noFill/>
+          <a:ln>
+            <a:noFill/>
+          </a:ln>
+        </p:spPr>
+        <p:txBody>
+          <a:bodyPr lIns="90000" rIns="90000" tIns="45000" bIns="45000" anchor="ctr"/>
           <a:p>
             <a:pPr algn="ctr">
               <a:lnSpc>
@@ -4183,7 +3892,7 @@
       </p:sp>
       <p:pic>
         <p:nvPicPr>
-          <p:cNvPr id="125" name="" descr=""/>
+          <p:cNvPr id="119" name="" descr=""/>
           <p:cNvPicPr/>
           <p:nvPr/>
         </p:nvPicPr>
@@ -4196,7 +3905,7 @@
         <p:spPr>
           <a:xfrm>
             <a:off x="1258920" y="1852920"/>
-            <a:ext cx="7062120" cy="4547880"/>
+            <a:ext cx="7061760" cy="4547520"/>
           </a:xfrm>
           <a:prstGeom prst="rect">
             <a:avLst/>
@@ -4257,21 +3966,25 @@
       </p:grpSpPr>
       <p:sp>
         <p:nvSpPr>
-          <p:cNvPr id="126" name="TextShape 1"/>
-          <p:cNvSpPr txBox="1"/>
+          <p:cNvPr id="120" name="CustomShape 1"/>
+          <p:cNvSpPr/>
           <p:nvPr/>
         </p:nvSpPr>
         <p:spPr>
           <a:xfrm>
             <a:off x="457200" y="338400"/>
-            <a:ext cx="8229240" cy="1252440"/>
-          </a:xfrm>
-          <a:prstGeom prst="rect">
-            <a:avLst/>
-          </a:prstGeom>
-        </p:spPr>
-        <p:txBody>
-          <a:bodyPr anchor="ctr"/>
+            <a:ext cx="8228880" cy="1252080"/>
+          </a:xfrm>
+          <a:prstGeom prst="rect">
+            <a:avLst/>
+          </a:prstGeom>
+          <a:noFill/>
+          <a:ln>
+            <a:noFill/>
+          </a:ln>
+        </p:spPr>
+        <p:txBody>
+          <a:bodyPr lIns="90000" rIns="90000" tIns="45000" bIns="45000" anchor="ctr"/>
           <a:p>
             <a:pPr algn="ctr">
               <a:lnSpc>
@@ -4292,7 +4005,7 @@
       </p:sp>
       <p:pic>
         <p:nvPicPr>
-          <p:cNvPr id="127" name="" descr=""/>
+          <p:cNvPr id="121" name="" descr=""/>
           <p:cNvPicPr/>
           <p:nvPr/>
         </p:nvPicPr>
@@ -4305,7 +4018,7 @@
         <p:spPr>
           <a:xfrm>
             <a:off x="1005840" y="1828800"/>
-            <a:ext cx="7498080" cy="4480560"/>
+            <a:ext cx="7497720" cy="4480200"/>
           </a:xfrm>
           <a:prstGeom prst="rect">
             <a:avLst/>
@@ -4366,21 +4079,25 @@
       </p:grpSpPr>
       <p:sp>
         <p:nvSpPr>
-          <p:cNvPr id="128" name="TextShape 1"/>
-          <p:cNvSpPr txBox="1"/>
+          <p:cNvPr id="122" name="CustomShape 1"/>
+          <p:cNvSpPr/>
           <p:nvPr/>
         </p:nvSpPr>
         <p:spPr>
           <a:xfrm>
             <a:off x="457200" y="338400"/>
-            <a:ext cx="8229240" cy="1252440"/>
-          </a:xfrm>
-          <a:prstGeom prst="rect">
-            <a:avLst/>
-          </a:prstGeom>
-        </p:spPr>
-        <p:txBody>
-          <a:bodyPr anchor="ctr"/>
+            <a:ext cx="8228880" cy="1252080"/>
+          </a:xfrm>
+          <a:prstGeom prst="rect">
+            <a:avLst/>
+          </a:prstGeom>
+          <a:noFill/>
+          <a:ln>
+            <a:noFill/>
+          </a:ln>
+        </p:spPr>
+        <p:txBody>
+          <a:bodyPr lIns="90000" rIns="90000" tIns="45000" bIns="45000" anchor="ctr"/>
           <a:p>
             <a:pPr algn="ctr">
               <a:lnSpc>
@@ -4401,7 +4118,7 @@
       </p:sp>
       <p:pic>
         <p:nvPicPr>
-          <p:cNvPr id="129" name="" descr=""/>
+          <p:cNvPr id="123" name="" descr=""/>
           <p:cNvPicPr/>
           <p:nvPr/>
         </p:nvPicPr>
@@ -4414,7 +4131,7 @@
         <p:spPr>
           <a:xfrm>
             <a:off x="1258920" y="1852920"/>
-            <a:ext cx="6625800" cy="3724920"/>
+            <a:ext cx="6625440" cy="3724560"/>
           </a:xfrm>
           <a:prstGeom prst="rect">
             <a:avLst/>
@@ -4475,21 +4192,25 @@
       </p:grpSpPr>
       <p:sp>
         <p:nvSpPr>
-          <p:cNvPr id="130" name="TextShape 1"/>
-          <p:cNvSpPr txBox="1"/>
+          <p:cNvPr id="124" name="CustomShape 1"/>
+          <p:cNvSpPr/>
           <p:nvPr/>
         </p:nvSpPr>
         <p:spPr>
           <a:xfrm>
             <a:off x="457200" y="338400"/>
-            <a:ext cx="8229240" cy="1252440"/>
-          </a:xfrm>
-          <a:prstGeom prst="rect">
-            <a:avLst/>
-          </a:prstGeom>
-        </p:spPr>
-        <p:txBody>
-          <a:bodyPr anchor="ctr"/>
+            <a:ext cx="8228880" cy="1252080"/>
+          </a:xfrm>
+          <a:prstGeom prst="rect">
+            <a:avLst/>
+          </a:prstGeom>
+          <a:noFill/>
+          <a:ln>
+            <a:noFill/>
+          </a:ln>
+        </p:spPr>
+        <p:txBody>
+          <a:bodyPr lIns="90000" rIns="90000" tIns="45000" bIns="45000" anchor="ctr"/>
           <a:p>
             <a:pPr algn="ctr">
               <a:lnSpc>
@@ -4510,7 +4231,7 @@
       </p:sp>
       <p:pic>
         <p:nvPicPr>
-          <p:cNvPr id="131" name="" descr=""/>
+          <p:cNvPr id="125" name="" descr=""/>
           <p:cNvPicPr/>
           <p:nvPr/>
         </p:nvPicPr>
@@ -4523,7 +4244,7 @@
         <p:spPr>
           <a:xfrm>
             <a:off x="640080" y="1682280"/>
-            <a:ext cx="7863840" cy="4627080"/>
+            <a:ext cx="7863480" cy="4626720"/>
           </a:xfrm>
           <a:prstGeom prst="rect">
             <a:avLst/>
@@ -4584,21 +4305,25 @@
       </p:grpSpPr>
       <p:sp>
         <p:nvSpPr>
-          <p:cNvPr id="132" name="TextShape 1"/>
-          <p:cNvSpPr txBox="1"/>
+          <p:cNvPr id="126" name="CustomShape 1"/>
+          <p:cNvSpPr/>
           <p:nvPr/>
         </p:nvSpPr>
         <p:spPr>
           <a:xfrm>
             <a:off x="457200" y="338400"/>
-            <a:ext cx="8229240" cy="1252440"/>
-          </a:xfrm>
-          <a:prstGeom prst="rect">
-            <a:avLst/>
-          </a:prstGeom>
-        </p:spPr>
-        <p:txBody>
-          <a:bodyPr anchor="ctr"/>
+            <a:ext cx="8228880" cy="1252080"/>
+          </a:xfrm>
+          <a:prstGeom prst="rect">
+            <a:avLst/>
+          </a:prstGeom>
+          <a:noFill/>
+          <a:ln>
+            <a:noFill/>
+          </a:ln>
+        </p:spPr>
+        <p:txBody>
+          <a:bodyPr lIns="90000" rIns="90000" tIns="45000" bIns="45000" anchor="ctr"/>
           <a:p>
             <a:pPr algn="ctr">
               <a:lnSpc>
@@ -4619,7 +4344,7 @@
       </p:sp>
       <p:pic>
         <p:nvPicPr>
-          <p:cNvPr id="133" name="" descr=""/>
+          <p:cNvPr id="127" name="" descr=""/>
           <p:cNvPicPr/>
           <p:nvPr/>
         </p:nvPicPr>
@@ -4632,7 +4357,7 @@
         <p:spPr>
           <a:xfrm>
             <a:off x="155880" y="1554480"/>
-            <a:ext cx="8838720" cy="5535720"/>
+            <a:ext cx="8838360" cy="5535360"/>
           </a:xfrm>
           <a:prstGeom prst="rect">
             <a:avLst/>
@@ -4693,21 +4418,25 @@
       </p:grpSpPr>
       <p:sp>
         <p:nvSpPr>
-          <p:cNvPr id="134" name="TextShape 1"/>
-          <p:cNvSpPr txBox="1"/>
+          <p:cNvPr id="128" name="CustomShape 1"/>
+          <p:cNvSpPr/>
           <p:nvPr/>
         </p:nvSpPr>
         <p:spPr>
           <a:xfrm>
             <a:off x="457200" y="338400"/>
-            <a:ext cx="8229240" cy="1252440"/>
-          </a:xfrm>
-          <a:prstGeom prst="rect">
-            <a:avLst/>
-          </a:prstGeom>
-        </p:spPr>
-        <p:txBody>
-          <a:bodyPr anchor="ctr"/>
+            <a:ext cx="8228880" cy="1252080"/>
+          </a:xfrm>
+          <a:prstGeom prst="rect">
+            <a:avLst/>
+          </a:prstGeom>
+          <a:noFill/>
+          <a:ln>
+            <a:noFill/>
+          </a:ln>
+        </p:spPr>
+        <p:txBody>
+          <a:bodyPr lIns="90000" rIns="90000" tIns="45000" bIns="45000" anchor="ctr"/>
           <a:p>
             <a:pPr algn="ctr">
               <a:lnSpc>
@@ -4728,7 +4457,7 @@
       </p:sp>
       <p:pic>
         <p:nvPicPr>
-          <p:cNvPr id="135" name="" descr=""/>
+          <p:cNvPr id="129" name="" descr=""/>
           <p:cNvPicPr/>
           <p:nvPr/>
         </p:nvPicPr>
@@ -4741,7 +4470,7 @@
         <p:spPr>
           <a:xfrm>
             <a:off x="3240" y="1489320"/>
-            <a:ext cx="9143640" cy="4896720"/>
+            <a:ext cx="9143280" cy="4896360"/>
           </a:xfrm>
           <a:prstGeom prst="rect">
             <a:avLst/>
@@ -4802,21 +4531,25 @@
       </p:grpSpPr>
       <p:sp>
         <p:nvSpPr>
-          <p:cNvPr id="136" name="TextShape 1"/>
-          <p:cNvSpPr txBox="1"/>
+          <p:cNvPr id="130" name="CustomShape 1"/>
+          <p:cNvSpPr/>
           <p:nvPr/>
         </p:nvSpPr>
         <p:spPr>
           <a:xfrm>
             <a:off x="457200" y="338400"/>
-            <a:ext cx="8229240" cy="1252440"/>
-          </a:xfrm>
-          <a:prstGeom prst="rect">
-            <a:avLst/>
-          </a:prstGeom>
-        </p:spPr>
-        <p:txBody>
-          <a:bodyPr anchor="ctr"/>
+            <a:ext cx="8228880" cy="1252080"/>
+          </a:xfrm>
+          <a:prstGeom prst="rect">
+            <a:avLst/>
+          </a:prstGeom>
+          <a:noFill/>
+          <a:ln>
+            <a:noFill/>
+          </a:ln>
+        </p:spPr>
+        <p:txBody>
+          <a:bodyPr lIns="90000" rIns="90000" tIns="45000" bIns="45000" anchor="ctr"/>
           <a:p>
             <a:pPr algn="ctr">
               <a:lnSpc>
@@ -4837,7 +4570,7 @@
       </p:sp>
       <p:pic>
         <p:nvPicPr>
-          <p:cNvPr id="137" name="" descr=""/>
+          <p:cNvPr id="131" name="" descr=""/>
           <p:cNvPicPr/>
           <p:nvPr/>
         </p:nvPicPr>
@@ -4850,7 +4583,7 @@
         <p:spPr>
           <a:xfrm>
             <a:off x="1097280" y="2339640"/>
-            <a:ext cx="6981480" cy="3695400"/>
+            <a:ext cx="6981120" cy="3695040"/>
           </a:xfrm>
           <a:prstGeom prst="rect">
             <a:avLst/>
@@ -4911,21 +4644,25 @@
       </p:grpSpPr>
       <p:sp>
         <p:nvSpPr>
-          <p:cNvPr id="138" name="TextShape 1"/>
-          <p:cNvSpPr txBox="1"/>
+          <p:cNvPr id="132" name="CustomShape 1"/>
+          <p:cNvSpPr/>
           <p:nvPr/>
         </p:nvSpPr>
         <p:spPr>
           <a:xfrm>
             <a:off x="457200" y="338400"/>
-            <a:ext cx="8229240" cy="1252440"/>
-          </a:xfrm>
-          <a:prstGeom prst="rect">
-            <a:avLst/>
-          </a:prstGeom>
-        </p:spPr>
-        <p:txBody>
-          <a:bodyPr anchor="ctr"/>
+            <a:ext cx="8228880" cy="1252080"/>
+          </a:xfrm>
+          <a:prstGeom prst="rect">
+            <a:avLst/>
+          </a:prstGeom>
+          <a:noFill/>
+          <a:ln>
+            <a:noFill/>
+          </a:ln>
+        </p:spPr>
+        <p:txBody>
+          <a:bodyPr lIns="90000" rIns="90000" tIns="45000" bIns="45000" anchor="ctr"/>
           <a:p>
             <a:pPr algn="ctr">
               <a:lnSpc>
@@ -4946,7 +4683,7 @@
       </p:sp>
       <p:pic>
         <p:nvPicPr>
-          <p:cNvPr id="139" name="" descr=""/>
+          <p:cNvPr id="133" name="" descr=""/>
           <p:cNvPicPr/>
           <p:nvPr/>
         </p:nvPicPr>
@@ -4959,7 +4696,7 @@
         <p:spPr>
           <a:xfrm>
             <a:off x="3240" y="1794240"/>
-            <a:ext cx="9143640" cy="4286520"/>
+            <a:ext cx="9143280" cy="4286160"/>
           </a:xfrm>
           <a:prstGeom prst="rect">
             <a:avLst/>
@@ -5020,21 +4757,25 @@
       </p:grpSpPr>
       <p:sp>
         <p:nvSpPr>
-          <p:cNvPr id="103" name="TextShape 1"/>
-          <p:cNvSpPr txBox="1"/>
+          <p:cNvPr id="97" name="CustomShape 1"/>
+          <p:cNvSpPr/>
           <p:nvPr/>
         </p:nvSpPr>
         <p:spPr>
           <a:xfrm>
             <a:off x="871920" y="2675520"/>
-            <a:ext cx="7408080" cy="3450240"/>
-          </a:xfrm>
-          <a:prstGeom prst="rect">
-            <a:avLst/>
-          </a:prstGeom>
-        </p:spPr>
-        <p:txBody>
-          <a:bodyPr/>
+            <a:ext cx="7407720" cy="3449880"/>
+          </a:xfrm>
+          <a:prstGeom prst="rect">
+            <a:avLst/>
+          </a:prstGeom>
+          <a:noFill/>
+          <a:ln>
+            <a:noFill/>
+          </a:ln>
+        </p:spPr>
+        <p:txBody>
+          <a:bodyPr lIns="90000" rIns="90000" tIns="45000" bIns="45000"/>
           <a:p>
             <a:pPr>
               <a:lnSpc>
@@ -5134,21 +4875,25 @@
       </p:sp>
       <p:sp>
         <p:nvSpPr>
-          <p:cNvPr id="104" name="TextShape 2"/>
-          <p:cNvSpPr txBox="1"/>
+          <p:cNvPr id="98" name="CustomShape 2"/>
+          <p:cNvSpPr/>
           <p:nvPr/>
         </p:nvSpPr>
         <p:spPr>
           <a:xfrm>
             <a:off x="457200" y="338400"/>
-            <a:ext cx="8229240" cy="1252440"/>
-          </a:xfrm>
-          <a:prstGeom prst="rect">
-            <a:avLst/>
-          </a:prstGeom>
-        </p:spPr>
-        <p:txBody>
-          <a:bodyPr anchor="ctr"/>
+            <a:ext cx="8228880" cy="1252080"/>
+          </a:xfrm>
+          <a:prstGeom prst="rect">
+            <a:avLst/>
+          </a:prstGeom>
+          <a:noFill/>
+          <a:ln>
+            <a:noFill/>
+          </a:ln>
+        </p:spPr>
+        <p:txBody>
+          <a:bodyPr lIns="90000" rIns="90000" tIns="45000" bIns="45000" anchor="ctr"/>
           <a:p>
             <a:pPr algn="ctr">
               <a:lnSpc>
@@ -5219,21 +4964,25 @@
       </p:grpSpPr>
       <p:sp>
         <p:nvSpPr>
-          <p:cNvPr id="140" name="TextShape 1"/>
-          <p:cNvSpPr txBox="1"/>
+          <p:cNvPr id="134" name="CustomShape 1"/>
+          <p:cNvSpPr/>
           <p:nvPr/>
         </p:nvSpPr>
         <p:spPr>
           <a:xfrm>
             <a:off x="457200" y="338400"/>
-            <a:ext cx="8229240" cy="1252440"/>
-          </a:xfrm>
-          <a:prstGeom prst="rect">
-            <a:avLst/>
-          </a:prstGeom>
-        </p:spPr>
-        <p:txBody>
-          <a:bodyPr anchor="ctr"/>
+            <a:ext cx="8228880" cy="1252080"/>
+          </a:xfrm>
+          <a:prstGeom prst="rect">
+            <a:avLst/>
+          </a:prstGeom>
+          <a:noFill/>
+          <a:ln>
+            <a:noFill/>
+          </a:ln>
+        </p:spPr>
+        <p:txBody>
+          <a:bodyPr lIns="90000" rIns="90000" tIns="45000" bIns="45000" anchor="ctr"/>
           <a:p>
             <a:pPr algn="ctr">
               <a:lnSpc>
@@ -5254,7 +5003,7 @@
       </p:sp>
       <p:pic>
         <p:nvPicPr>
-          <p:cNvPr id="141" name="" descr=""/>
+          <p:cNvPr id="135" name="" descr=""/>
           <p:cNvPicPr/>
           <p:nvPr/>
         </p:nvPicPr>
@@ -5267,7 +5016,7 @@
         <p:spPr>
           <a:xfrm>
             <a:off x="1415880" y="1280160"/>
-            <a:ext cx="6447960" cy="5465880"/>
+            <a:ext cx="6447600" cy="5465520"/>
           </a:xfrm>
           <a:prstGeom prst="rect">
             <a:avLst/>
@@ -5328,21 +5077,25 @@
       </p:grpSpPr>
       <p:sp>
         <p:nvSpPr>
-          <p:cNvPr id="142" name="TextShape 1"/>
-          <p:cNvSpPr txBox="1"/>
+          <p:cNvPr id="136" name="CustomShape 1"/>
+          <p:cNvSpPr/>
           <p:nvPr/>
         </p:nvSpPr>
         <p:spPr>
           <a:xfrm>
             <a:off x="457200" y="338400"/>
-            <a:ext cx="8229240" cy="1252440"/>
-          </a:xfrm>
-          <a:prstGeom prst="rect">
-            <a:avLst/>
-          </a:prstGeom>
-        </p:spPr>
-        <p:txBody>
-          <a:bodyPr anchor="ctr"/>
+            <a:ext cx="8228880" cy="1252080"/>
+          </a:xfrm>
+          <a:prstGeom prst="rect">
+            <a:avLst/>
+          </a:prstGeom>
+          <a:noFill/>
+          <a:ln>
+            <a:noFill/>
+          </a:ln>
+        </p:spPr>
+        <p:txBody>
+          <a:bodyPr lIns="90000" rIns="90000" tIns="45000" bIns="45000" anchor="ctr"/>
           <a:p>
             <a:pPr algn="ctr">
               <a:lnSpc>
@@ -5363,7 +5116,7 @@
       </p:sp>
       <p:pic>
         <p:nvPicPr>
-          <p:cNvPr id="143" name="" descr=""/>
+          <p:cNvPr id="137" name="" descr=""/>
           <p:cNvPicPr/>
           <p:nvPr/>
         </p:nvPicPr>
@@ -5376,7 +5129,7 @@
         <p:spPr>
           <a:xfrm>
             <a:off x="3240" y="1979280"/>
-            <a:ext cx="9143640" cy="4330080"/>
+            <a:ext cx="9143280" cy="4329720"/>
           </a:xfrm>
           <a:prstGeom prst="rect">
             <a:avLst/>
@@ -5437,21 +5190,25 @@
       </p:grpSpPr>
       <p:sp>
         <p:nvSpPr>
-          <p:cNvPr id="144" name="TextShape 1"/>
-          <p:cNvSpPr txBox="1"/>
+          <p:cNvPr id="138" name="CustomShape 1"/>
+          <p:cNvSpPr/>
           <p:nvPr/>
         </p:nvSpPr>
         <p:spPr>
           <a:xfrm>
             <a:off x="457200" y="338400"/>
-            <a:ext cx="8229240" cy="1252440"/>
-          </a:xfrm>
-          <a:prstGeom prst="rect">
-            <a:avLst/>
-          </a:prstGeom>
-        </p:spPr>
-        <p:txBody>
-          <a:bodyPr anchor="ctr"/>
+            <a:ext cx="8228880" cy="1252080"/>
+          </a:xfrm>
+          <a:prstGeom prst="rect">
+            <a:avLst/>
+          </a:prstGeom>
+          <a:noFill/>
+          <a:ln>
+            <a:noFill/>
+          </a:ln>
+        </p:spPr>
+        <p:txBody>
+          <a:bodyPr lIns="90000" rIns="90000" tIns="45000" bIns="45000" anchor="ctr"/>
           <a:p>
             <a:pPr algn="ctr">
               <a:lnSpc>
@@ -5465,6 +5222,32 @@
                 </a:solidFill>
               </a:rPr>
               <a:t>Demo</a:t>
+            </a:r>
+            <a:endParaRPr/>
+          </a:p>
+        </p:txBody>
+      </p:sp>
+      <p:sp>
+        <p:nvSpPr>
+          <p:cNvPr id="139" name="TextShape 2"/>
+          <p:cNvSpPr txBox="1"/>
+          <p:nvPr/>
+        </p:nvSpPr>
+        <p:spPr>
+          <a:xfrm>
+            <a:off x="2651760" y="2194560"/>
+            <a:ext cx="4846320" cy="1040760"/>
+          </a:xfrm>
+          <a:prstGeom prst="rect">
+            <a:avLst/>
+          </a:prstGeom>
+        </p:spPr>
+        <p:txBody>
+          <a:bodyPr wrap="none" lIns="90000" rIns="90000" tIns="45000" bIns="45000"/>
+          <a:p>
+            <a:r>
+              <a:rPr lang="en-US" sz="2400"/>
+              <a:t>http://bluebee-uet.com/index.php</a:t>
             </a:r>
             <a:endParaRPr/>
           </a:p>
@@ -5521,21 +5304,25 @@
       </p:grpSpPr>
       <p:sp>
         <p:nvSpPr>
-          <p:cNvPr id="145" name="TextShape 1"/>
-          <p:cNvSpPr txBox="1"/>
+          <p:cNvPr id="140" name="CustomShape 1"/>
+          <p:cNvSpPr/>
           <p:nvPr/>
         </p:nvSpPr>
         <p:spPr>
           <a:xfrm>
             <a:off x="457200" y="338400"/>
-            <a:ext cx="8229240" cy="1252440"/>
-          </a:xfrm>
-          <a:prstGeom prst="rect">
-            <a:avLst/>
-          </a:prstGeom>
-        </p:spPr>
-        <p:txBody>
-          <a:bodyPr anchor="ctr"/>
+            <a:ext cx="8228880" cy="1252080"/>
+          </a:xfrm>
+          <a:prstGeom prst="rect">
+            <a:avLst/>
+          </a:prstGeom>
+          <a:noFill/>
+          <a:ln>
+            <a:noFill/>
+          </a:ln>
+        </p:spPr>
+        <p:txBody>
+          <a:bodyPr lIns="90000" rIns="90000" tIns="45000" bIns="45000" anchor="ctr"/>
           <a:p>
             <a:pPr algn="ctr">
               <a:lnSpc>
@@ -5605,21 +5392,25 @@
       </p:grpSpPr>
       <p:sp>
         <p:nvSpPr>
-          <p:cNvPr id="146" name="TextShape 1"/>
-          <p:cNvSpPr txBox="1"/>
+          <p:cNvPr id="141" name="CustomShape 1"/>
+          <p:cNvSpPr/>
           <p:nvPr/>
         </p:nvSpPr>
         <p:spPr>
           <a:xfrm>
             <a:off x="457200" y="338400"/>
-            <a:ext cx="8229240" cy="1252440"/>
-          </a:xfrm>
-          <a:prstGeom prst="rect">
-            <a:avLst/>
-          </a:prstGeom>
-        </p:spPr>
-        <p:txBody>
-          <a:bodyPr anchor="ctr"/>
+            <a:ext cx="8228880" cy="1252080"/>
+          </a:xfrm>
+          <a:prstGeom prst="rect">
+            <a:avLst/>
+          </a:prstGeom>
+          <a:noFill/>
+          <a:ln>
+            <a:noFill/>
+          </a:ln>
+        </p:spPr>
+        <p:txBody>
+          <a:bodyPr lIns="90000" rIns="90000" tIns="45000" bIns="45000" anchor="ctr"/>
           <a:p>
             <a:pPr algn="ctr">
               <a:lnSpc>
@@ -5689,21 +5480,25 @@
       </p:grpSpPr>
       <p:sp>
         <p:nvSpPr>
-          <p:cNvPr id="105" name="TextShape 1"/>
-          <p:cNvSpPr txBox="1"/>
+          <p:cNvPr id="99" name="CustomShape 1"/>
+          <p:cNvSpPr/>
           <p:nvPr/>
         </p:nvSpPr>
         <p:spPr>
           <a:xfrm>
             <a:off x="778320" y="1986480"/>
-            <a:ext cx="7408080" cy="3450240"/>
-          </a:xfrm>
-          <a:prstGeom prst="rect">
-            <a:avLst/>
-          </a:prstGeom>
-        </p:spPr>
-        <p:txBody>
-          <a:bodyPr/>
+            <a:ext cx="7407720" cy="3449880"/>
+          </a:xfrm>
+          <a:prstGeom prst="rect">
+            <a:avLst/>
+          </a:prstGeom>
+          <a:noFill/>
+          <a:ln>
+            <a:noFill/>
+          </a:ln>
+        </p:spPr>
+        <p:txBody>
+          <a:bodyPr lIns="90000" rIns="90000" tIns="45000" bIns="45000"/>
           <a:p>
             <a:pPr>
               <a:lnSpc>
@@ -5904,21 +5699,25 @@
       </p:sp>
       <p:sp>
         <p:nvSpPr>
-          <p:cNvPr id="106" name="TextShape 2"/>
-          <p:cNvSpPr txBox="1"/>
+          <p:cNvPr id="100" name="CustomShape 2"/>
+          <p:cNvSpPr/>
           <p:nvPr/>
         </p:nvSpPr>
         <p:spPr>
           <a:xfrm>
             <a:off x="457200" y="338400"/>
-            <a:ext cx="8229240" cy="1252440"/>
-          </a:xfrm>
-          <a:prstGeom prst="rect">
-            <a:avLst/>
-          </a:prstGeom>
-        </p:spPr>
-        <p:txBody>
-          <a:bodyPr anchor="ctr"/>
+            <a:ext cx="8228880" cy="1252080"/>
+          </a:xfrm>
+          <a:prstGeom prst="rect">
+            <a:avLst/>
+          </a:prstGeom>
+          <a:noFill/>
+          <a:ln>
+            <a:noFill/>
+          </a:ln>
+        </p:spPr>
+        <p:txBody>
+          <a:bodyPr lIns="90000" rIns="90000" tIns="45000" bIns="45000" anchor="ctr"/>
           <a:p>
             <a:pPr algn="ctr">
               <a:lnSpc>
@@ -5989,21 +5788,25 @@
       </p:grpSpPr>
       <p:sp>
         <p:nvSpPr>
-          <p:cNvPr id="107" name="TextShape 1"/>
-          <p:cNvSpPr txBox="1"/>
+          <p:cNvPr id="101" name="CustomShape 1"/>
+          <p:cNvSpPr/>
           <p:nvPr/>
         </p:nvSpPr>
         <p:spPr>
           <a:xfrm>
             <a:off x="914400" y="2493360"/>
-            <a:ext cx="7408080" cy="3450240"/>
-          </a:xfrm>
-          <a:prstGeom prst="rect">
-            <a:avLst/>
-          </a:prstGeom>
-        </p:spPr>
-        <p:txBody>
-          <a:bodyPr/>
+            <a:ext cx="7407720" cy="3449880"/>
+          </a:xfrm>
+          <a:prstGeom prst="rect">
+            <a:avLst/>
+          </a:prstGeom>
+          <a:noFill/>
+          <a:ln>
+            <a:noFill/>
+          </a:ln>
+        </p:spPr>
+        <p:txBody>
+          <a:bodyPr lIns="90000" rIns="90000" tIns="45000" bIns="45000"/>
           <a:p>
             <a:pPr>
               <a:lnSpc>
@@ -6084,21 +5887,25 @@
       </p:sp>
       <p:sp>
         <p:nvSpPr>
-          <p:cNvPr id="108" name="TextShape 2"/>
-          <p:cNvSpPr txBox="1"/>
+          <p:cNvPr id="102" name="CustomShape 2"/>
+          <p:cNvSpPr/>
           <p:nvPr/>
         </p:nvSpPr>
         <p:spPr>
           <a:xfrm>
             <a:off x="457200" y="338400"/>
-            <a:ext cx="8229240" cy="1252440"/>
-          </a:xfrm>
-          <a:prstGeom prst="rect">
-            <a:avLst/>
-          </a:prstGeom>
-        </p:spPr>
-        <p:txBody>
-          <a:bodyPr anchor="ctr"/>
+            <a:ext cx="8228880" cy="1252080"/>
+          </a:xfrm>
+          <a:prstGeom prst="rect">
+            <a:avLst/>
+          </a:prstGeom>
+          <a:noFill/>
+          <a:ln>
+            <a:noFill/>
+          </a:ln>
+        </p:spPr>
+        <p:txBody>
+          <a:bodyPr lIns="90000" rIns="90000" tIns="45000" bIns="45000" anchor="ctr"/>
           <a:p>
             <a:pPr algn="ctr">
               <a:lnSpc>
@@ -6169,21 +5976,25 @@
       </p:grpSpPr>
       <p:sp>
         <p:nvSpPr>
-          <p:cNvPr id="109" name="TextShape 1"/>
-          <p:cNvSpPr txBox="1"/>
+          <p:cNvPr id="103" name="CustomShape 1"/>
+          <p:cNvSpPr/>
           <p:nvPr/>
         </p:nvSpPr>
         <p:spPr>
           <a:xfrm>
             <a:off x="871920" y="2675520"/>
-            <a:ext cx="7408080" cy="3450240"/>
-          </a:xfrm>
-          <a:prstGeom prst="rect">
-            <a:avLst/>
-          </a:prstGeom>
-        </p:spPr>
-        <p:txBody>
-          <a:bodyPr/>
+            <a:ext cx="7407720" cy="3449880"/>
+          </a:xfrm>
+          <a:prstGeom prst="rect">
+            <a:avLst/>
+          </a:prstGeom>
+          <a:noFill/>
+          <a:ln>
+            <a:noFill/>
+          </a:ln>
+        </p:spPr>
+        <p:txBody>
+          <a:bodyPr lIns="90000" rIns="90000" tIns="45000" bIns="45000"/>
           <a:p>
             <a:pPr>
               <a:lnSpc>
@@ -6299,21 +6110,25 @@
       </p:sp>
       <p:sp>
         <p:nvSpPr>
-          <p:cNvPr id="110" name="TextShape 2"/>
-          <p:cNvSpPr txBox="1"/>
+          <p:cNvPr id="104" name="CustomShape 2"/>
+          <p:cNvSpPr/>
           <p:nvPr/>
         </p:nvSpPr>
         <p:spPr>
           <a:xfrm>
             <a:off x="457200" y="338400"/>
-            <a:ext cx="8229240" cy="1252440"/>
-          </a:xfrm>
-          <a:prstGeom prst="rect">
-            <a:avLst/>
-          </a:prstGeom>
-        </p:spPr>
-        <p:txBody>
-          <a:bodyPr anchor="ctr"/>
+            <a:ext cx="8228880" cy="1252080"/>
+          </a:xfrm>
+          <a:prstGeom prst="rect">
+            <a:avLst/>
+          </a:prstGeom>
+          <a:noFill/>
+          <a:ln>
+            <a:noFill/>
+          </a:ln>
+        </p:spPr>
+        <p:txBody>
+          <a:bodyPr lIns="90000" rIns="90000" tIns="45000" bIns="45000" anchor="ctr"/>
           <a:p>
             <a:pPr algn="ctr">
               <a:lnSpc>
@@ -6393,31 +6208,25 @@
       </p:grpSpPr>
       <p:sp>
         <p:nvSpPr>
-          <p:cNvPr id="111" name="TextShape 1"/>
-          <p:cNvSpPr txBox="1"/>
+          <p:cNvPr id="105" name="CustomShape 1"/>
+          <p:cNvSpPr/>
           <p:nvPr/>
         </p:nvSpPr>
         <p:spPr>
           <a:xfrm>
             <a:off x="871920" y="2675520"/>
-            <a:ext cx="7408080" cy="3450240"/>
-          </a:xfrm>
-          <a:prstGeom prst="rect">
-            <a:avLst/>
-          </a:prstGeom>
-        </p:spPr>
-        <p:txBody>
-          <a:bodyPr/>
-          <a:p>
-            <a:pPr>
-              <a:lnSpc>
-                <a:spcPct val="100000"/>
-              </a:lnSpc>
-              <a:buFont typeface="Symbol"/>
-              <a:buChar char=""/>
-            </a:pPr>
-            <a:endParaRPr/>
-          </a:p>
+            <a:ext cx="7407720" cy="3449880"/>
+          </a:xfrm>
+          <a:prstGeom prst="rect">
+            <a:avLst/>
+          </a:prstGeom>
+          <a:noFill/>
+          <a:ln>
+            <a:noFill/>
+          </a:ln>
+        </p:spPr>
+        <p:txBody>
+          <a:bodyPr lIns="90000" rIns="90000" tIns="45000" bIns="45000"/>
           <a:p>
             <a:pPr>
               <a:lnSpc>
@@ -6426,25 +6235,37 @@
             </a:pPr>
             <a:endParaRPr/>
           </a:p>
-        </p:txBody>
-      </p:sp>
-      <p:sp>
-        <p:nvSpPr>
-          <p:cNvPr id="112" name="TextShape 2"/>
-          <p:cNvSpPr txBox="1"/>
+          <a:p>
+            <a:pPr>
+              <a:lnSpc>
+                <a:spcPct val="100000"/>
+              </a:lnSpc>
+            </a:pPr>
+            <a:endParaRPr/>
+          </a:p>
+        </p:txBody>
+      </p:sp>
+      <p:sp>
+        <p:nvSpPr>
+          <p:cNvPr id="106" name="CustomShape 2"/>
+          <p:cNvSpPr/>
           <p:nvPr/>
         </p:nvSpPr>
         <p:spPr>
           <a:xfrm>
             <a:off x="457200" y="338400"/>
-            <a:ext cx="8229240" cy="1252440"/>
-          </a:xfrm>
-          <a:prstGeom prst="rect">
-            <a:avLst/>
-          </a:prstGeom>
-        </p:spPr>
-        <p:txBody>
-          <a:bodyPr anchor="ctr"/>
+            <a:ext cx="8228880" cy="1252080"/>
+          </a:xfrm>
+          <a:prstGeom prst="rect">
+            <a:avLst/>
+          </a:prstGeom>
+          <a:noFill/>
+          <a:ln>
+            <a:noFill/>
+          </a:ln>
+        </p:spPr>
+        <p:txBody>
+          <a:bodyPr lIns="90000" rIns="90000" tIns="45000" bIns="45000" anchor="ctr"/>
           <a:p>
             <a:pPr algn="ctr">
               <a:lnSpc>
@@ -6466,7 +6287,7 @@
       </p:sp>
       <p:pic>
         <p:nvPicPr>
-          <p:cNvPr id="113" name="" descr=""/>
+          <p:cNvPr id="107" name="" descr=""/>
           <p:cNvPicPr/>
           <p:nvPr/>
         </p:nvPicPr>
@@ -6478,8 +6299,8 @@
         </p:blipFill>
         <p:spPr>
           <a:xfrm rot="3600">
-            <a:off x="88560" y="1417320"/>
-            <a:ext cx="8865360" cy="5217120"/>
+            <a:off x="88560" y="1416960"/>
+            <a:ext cx="8865000" cy="5216760"/>
           </a:xfrm>
           <a:prstGeom prst="rect">
             <a:avLst/>
@@ -6540,27 +6361,26 @@
       </p:grpSpPr>
       <p:sp>
         <p:nvSpPr>
-          <p:cNvPr id="114" name="TextShape 1"/>
-          <p:cNvSpPr txBox="1"/>
+          <p:cNvPr id="108" name="CustomShape 1"/>
+          <p:cNvSpPr/>
           <p:nvPr/>
         </p:nvSpPr>
         <p:spPr>
           <a:xfrm>
             <a:off x="457200" y="304920"/>
-            <a:ext cx="8229240" cy="1252440"/>
-          </a:xfrm>
-          <a:prstGeom prst="rect">
-            <a:avLst/>
-          </a:prstGeom>
-        </p:spPr>
-        <p:txBody>
-          <a:bodyPr anchor="ctr"/>
-          <a:p>
-            <a:pPr algn="ctr">
-              <a:lnSpc>
-                <a:spcPct val="100000"/>
-              </a:lnSpc>
-            </a:pPr>
+            <a:ext cx="8228880" cy="1252080"/>
+          </a:xfrm>
+          <a:prstGeom prst="rect">
+            <a:avLst/>
+          </a:prstGeom>
+          <a:noFill/>
+          <a:ln>
+            <a:noFill/>
+          </a:ln>
+        </p:spPr>
+        <p:txBody>
+          <a:bodyPr lIns="90000" rIns="90000" tIns="45000" bIns="45000" anchor="ctr"/>
+          <a:p>
             <a:r>
               <a:rPr lang="en-US" sz="4400">
                 <a:solidFill>
@@ -6570,23 +6390,21 @@
               </a:rPr>
               <a:t>Github</a:t>
             </a:r>
-            <a:r>
-              <a:rPr lang="en-US" sz="4400">
-                <a:solidFill>
-                  <a:srgbClr val="ffffff"/>
-                </a:solidFill>
-                <a:latin typeface="Candara"/>
-              </a:rPr>
-              <a:t>
-</a:t>
-            </a:r>
+            <a:endParaRPr/>
+          </a:p>
+          <a:p>
+            <a:pPr algn="ctr">
+              <a:lnSpc>
+                <a:spcPct val="100000"/>
+              </a:lnSpc>
+            </a:pPr>
             <a:endParaRPr/>
           </a:p>
         </p:txBody>
       </p:sp>
       <p:pic>
         <p:nvPicPr>
-          <p:cNvPr id="115" name="" descr=""/>
+          <p:cNvPr id="109" name="" descr=""/>
           <p:cNvPicPr/>
           <p:nvPr/>
         </p:nvPicPr>
@@ -6599,7 +6417,7 @@
         <p:spPr>
           <a:xfrm>
             <a:off x="535680" y="1280160"/>
-            <a:ext cx="8062200" cy="5120640"/>
+            <a:ext cx="8061840" cy="5120280"/>
           </a:xfrm>
           <a:prstGeom prst="rect">
             <a:avLst/>
@@ -6660,21 +6478,25 @@
       </p:grpSpPr>
       <p:sp>
         <p:nvSpPr>
-          <p:cNvPr id="116" name="TextShape 1"/>
-          <p:cNvSpPr txBox="1"/>
+          <p:cNvPr id="110" name="CustomShape 1"/>
+          <p:cNvSpPr/>
           <p:nvPr/>
         </p:nvSpPr>
         <p:spPr>
           <a:xfrm>
             <a:off x="457200" y="338400"/>
-            <a:ext cx="8229240" cy="1252440"/>
-          </a:xfrm>
-          <a:prstGeom prst="rect">
-            <a:avLst/>
-          </a:prstGeom>
-        </p:spPr>
-        <p:txBody>
-          <a:bodyPr anchor="ctr"/>
+            <a:ext cx="8228880" cy="1252080"/>
+          </a:xfrm>
+          <a:prstGeom prst="rect">
+            <a:avLst/>
+          </a:prstGeom>
+          <a:noFill/>
+          <a:ln>
+            <a:noFill/>
+          </a:ln>
+        </p:spPr>
+        <p:txBody>
+          <a:bodyPr lIns="90000" rIns="90000" tIns="45000" bIns="45000" anchor="ctr"/>
           <a:p>
             <a:pPr algn="ctr">
               <a:lnSpc>
@@ -6696,7 +6518,7 @@
       </p:sp>
       <p:pic>
         <p:nvPicPr>
-          <p:cNvPr id="117" name="" descr=""/>
+          <p:cNvPr id="111" name="" descr=""/>
           <p:cNvPicPr/>
           <p:nvPr/>
         </p:nvPicPr>
@@ -6709,7 +6531,7 @@
         <p:spPr>
           <a:xfrm>
             <a:off x="274320" y="1645920"/>
-            <a:ext cx="8772840" cy="4525200"/>
+            <a:ext cx="8772480" cy="4524840"/>
           </a:xfrm>
           <a:prstGeom prst="rect">
             <a:avLst/>
@@ -6770,21 +6592,25 @@
       </p:grpSpPr>
       <p:sp>
         <p:nvSpPr>
-          <p:cNvPr id="118" name="TextShape 1"/>
-          <p:cNvSpPr txBox="1"/>
+          <p:cNvPr id="112" name="CustomShape 1"/>
+          <p:cNvSpPr/>
           <p:nvPr/>
         </p:nvSpPr>
         <p:spPr>
           <a:xfrm>
             <a:off x="457200" y="338400"/>
-            <a:ext cx="8229240" cy="1252440"/>
-          </a:xfrm>
-          <a:prstGeom prst="rect">
-            <a:avLst/>
-          </a:prstGeom>
-        </p:spPr>
-        <p:txBody>
-          <a:bodyPr anchor="ctr"/>
+            <a:ext cx="8228880" cy="1252080"/>
+          </a:xfrm>
+          <a:prstGeom prst="rect">
+            <a:avLst/>
+          </a:prstGeom>
+          <a:noFill/>
+          <a:ln>
+            <a:noFill/>
+          </a:ln>
+        </p:spPr>
+        <p:txBody>
+          <a:bodyPr lIns="90000" rIns="90000" tIns="45000" bIns="45000" anchor="ctr"/>
           <a:p>
             <a:pPr algn="ctr">
               <a:lnSpc>
@@ -6806,7 +6632,7 @@
       </p:sp>
       <p:pic>
         <p:nvPicPr>
-          <p:cNvPr id="119" name="" descr=""/>
+          <p:cNvPr id="113" name="" descr=""/>
           <p:cNvPicPr/>
           <p:nvPr/>
         </p:nvPicPr>
@@ -6819,7 +6645,7 @@
         <p:spPr>
           <a:xfrm>
             <a:off x="360" y="1443240"/>
-            <a:ext cx="9143640" cy="5140440"/>
+            <a:ext cx="9143280" cy="5140080"/>
           </a:xfrm>
           <a:prstGeom prst="rect">
             <a:avLst/>

--- a/Slide Report/Software Engineering Project.pptx
+++ b/Slide Report/Software Engineering Project.pptx
@@ -1,46 +1,424 @@
 
 <file path=ppt/presentation.xml><?xml version="1.0" encoding="utf-8"?>
-<p:presentation xmlns:a="http://schemas.openxmlformats.org/drawingml/2006/main" xmlns:p="http://schemas.openxmlformats.org/presentationml/2006/main" xmlns:r="http://schemas.openxmlformats.org/officeDocument/2006/relationships">
+<p:presentation xmlns:a="http://schemas.openxmlformats.org/drawingml/2006/main" xmlns:r="http://schemas.openxmlformats.org/officeDocument/2006/relationships" xmlns:p="http://schemas.openxmlformats.org/presentationml/2006/main">
   <p:sldMasterIdLst>
-    <p:sldMasterId id="2147483648" r:id="rId2"/>
-    <p:sldMasterId id="2147483661" r:id="rId3"/>
+    <p:sldMasterId id="2147483648" r:id="rId1"/>
+    <p:sldMasterId id="2147483661" r:id="rId2"/>
   </p:sldMasterIdLst>
   <p:notesMasterIdLst>
-    <p:notesMasterId r:id="rId4"/>
+    <p:notesMasterId r:id="rId28"/>
   </p:notesMasterIdLst>
   <p:sldIdLst>
-    <p:sldId id="256" r:id="rId5"/>
-    <p:sldId id="257" r:id="rId6"/>
-    <p:sldId id="258" r:id="rId7"/>
-    <p:sldId id="259" r:id="rId8"/>
-    <p:sldId id="260" r:id="rId9"/>
-    <p:sldId id="261" r:id="rId10"/>
-    <p:sldId id="262" r:id="rId11"/>
-    <p:sldId id="263" r:id="rId12"/>
-    <p:sldId id="264" r:id="rId13"/>
-    <p:sldId id="265" r:id="rId14"/>
-    <p:sldId id="266" r:id="rId15"/>
-    <p:sldId id="267" r:id="rId16"/>
-    <p:sldId id="268" r:id="rId17"/>
-    <p:sldId id="269" r:id="rId18"/>
-    <p:sldId id="270" r:id="rId19"/>
-    <p:sldId id="271" r:id="rId20"/>
-    <p:sldId id="272" r:id="rId21"/>
-    <p:sldId id="273" r:id="rId22"/>
-    <p:sldId id="274" r:id="rId23"/>
-    <p:sldId id="275" r:id="rId24"/>
-    <p:sldId id="276" r:id="rId25"/>
-    <p:sldId id="277" r:id="rId26"/>
-    <p:sldId id="278" r:id="rId27"/>
-    <p:sldId id="279" r:id="rId28"/>
+    <p:sldId id="256" r:id="rId3"/>
+    <p:sldId id="257" r:id="rId4"/>
+    <p:sldId id="258" r:id="rId5"/>
+    <p:sldId id="259" r:id="rId6"/>
+    <p:sldId id="260" r:id="rId7"/>
+    <p:sldId id="261" r:id="rId8"/>
+    <p:sldId id="262" r:id="rId9"/>
+    <p:sldId id="280" r:id="rId10"/>
+    <p:sldId id="263" r:id="rId11"/>
+    <p:sldId id="264" r:id="rId12"/>
+    <p:sldId id="265" r:id="rId13"/>
+    <p:sldId id="266" r:id="rId14"/>
+    <p:sldId id="267" r:id="rId15"/>
+    <p:sldId id="268" r:id="rId16"/>
+    <p:sldId id="269" r:id="rId17"/>
+    <p:sldId id="270" r:id="rId18"/>
+    <p:sldId id="271" r:id="rId19"/>
+    <p:sldId id="272" r:id="rId20"/>
+    <p:sldId id="273" r:id="rId21"/>
+    <p:sldId id="274" r:id="rId22"/>
+    <p:sldId id="275" r:id="rId23"/>
+    <p:sldId id="276" r:id="rId24"/>
+    <p:sldId id="277" r:id="rId25"/>
+    <p:sldId id="278" r:id="rId26"/>
+    <p:sldId id="279" r:id="rId27"/>
   </p:sldIdLst>
-  <p:sldSz cx="9144000" cy="6858000"/>
+  <p:sldSz cx="9144000" cy="6858000" type="screen4x3"/>
   <p:notesSz cx="6858000" cy="9144000"/>
+  <p:defaultTextStyle>
+    <a:defPPr>
+      <a:defRPr lang="vi-VN"/>
+    </a:defPPr>
+    <a:lvl1pPr marL="0" algn="l" defTabSz="914400" rtl="0" eaLnBrk="1" latinLnBrk="0" hangingPunct="1">
+      <a:defRPr sz="1800" kern="1200">
+        <a:solidFill>
+          <a:schemeClr val="tx1"/>
+        </a:solidFill>
+        <a:latin typeface="+mn-lt"/>
+        <a:ea typeface="+mn-ea"/>
+        <a:cs typeface="+mn-cs"/>
+      </a:defRPr>
+    </a:lvl1pPr>
+    <a:lvl2pPr marL="457200" algn="l" defTabSz="914400" rtl="0" eaLnBrk="1" latinLnBrk="0" hangingPunct="1">
+      <a:defRPr sz="1800" kern="1200">
+        <a:solidFill>
+          <a:schemeClr val="tx1"/>
+        </a:solidFill>
+        <a:latin typeface="+mn-lt"/>
+        <a:ea typeface="+mn-ea"/>
+        <a:cs typeface="+mn-cs"/>
+      </a:defRPr>
+    </a:lvl2pPr>
+    <a:lvl3pPr marL="914400" algn="l" defTabSz="914400" rtl="0" eaLnBrk="1" latinLnBrk="0" hangingPunct="1">
+      <a:defRPr sz="1800" kern="1200">
+        <a:solidFill>
+          <a:schemeClr val="tx1"/>
+        </a:solidFill>
+        <a:latin typeface="+mn-lt"/>
+        <a:ea typeface="+mn-ea"/>
+        <a:cs typeface="+mn-cs"/>
+      </a:defRPr>
+    </a:lvl3pPr>
+    <a:lvl4pPr marL="1371600" algn="l" defTabSz="914400" rtl="0" eaLnBrk="1" latinLnBrk="0" hangingPunct="1">
+      <a:defRPr sz="1800" kern="1200">
+        <a:solidFill>
+          <a:schemeClr val="tx1"/>
+        </a:solidFill>
+        <a:latin typeface="+mn-lt"/>
+        <a:ea typeface="+mn-ea"/>
+        <a:cs typeface="+mn-cs"/>
+      </a:defRPr>
+    </a:lvl4pPr>
+    <a:lvl5pPr marL="1828800" algn="l" defTabSz="914400" rtl="0" eaLnBrk="1" latinLnBrk="0" hangingPunct="1">
+      <a:defRPr sz="1800" kern="1200">
+        <a:solidFill>
+          <a:schemeClr val="tx1"/>
+        </a:solidFill>
+        <a:latin typeface="+mn-lt"/>
+        <a:ea typeface="+mn-ea"/>
+        <a:cs typeface="+mn-cs"/>
+      </a:defRPr>
+    </a:lvl5pPr>
+    <a:lvl6pPr marL="2286000" algn="l" defTabSz="914400" rtl="0" eaLnBrk="1" latinLnBrk="0" hangingPunct="1">
+      <a:defRPr sz="1800" kern="1200">
+        <a:solidFill>
+          <a:schemeClr val="tx1"/>
+        </a:solidFill>
+        <a:latin typeface="+mn-lt"/>
+        <a:ea typeface="+mn-ea"/>
+        <a:cs typeface="+mn-cs"/>
+      </a:defRPr>
+    </a:lvl6pPr>
+    <a:lvl7pPr marL="2743200" algn="l" defTabSz="914400" rtl="0" eaLnBrk="1" latinLnBrk="0" hangingPunct="1">
+      <a:defRPr sz="1800" kern="1200">
+        <a:solidFill>
+          <a:schemeClr val="tx1"/>
+        </a:solidFill>
+        <a:latin typeface="+mn-lt"/>
+        <a:ea typeface="+mn-ea"/>
+        <a:cs typeface="+mn-cs"/>
+      </a:defRPr>
+    </a:lvl7pPr>
+    <a:lvl8pPr marL="3200400" algn="l" defTabSz="914400" rtl="0" eaLnBrk="1" latinLnBrk="0" hangingPunct="1">
+      <a:defRPr sz="1800" kern="1200">
+        <a:solidFill>
+          <a:schemeClr val="tx1"/>
+        </a:solidFill>
+        <a:latin typeface="+mn-lt"/>
+        <a:ea typeface="+mn-ea"/>
+        <a:cs typeface="+mn-cs"/>
+      </a:defRPr>
+    </a:lvl8pPr>
+    <a:lvl9pPr marL="3657600" algn="l" defTabSz="914400" rtl="0" eaLnBrk="1" latinLnBrk="0" hangingPunct="1">
+      <a:defRPr sz="1800" kern="1200">
+        <a:solidFill>
+          <a:schemeClr val="tx1"/>
+        </a:solidFill>
+        <a:latin typeface="+mn-lt"/>
+        <a:ea typeface="+mn-ea"/>
+        <a:cs typeface="+mn-cs"/>
+      </a:defRPr>
+    </a:lvl9pPr>
+  </p:defaultTextStyle>
 </p:presentation>
 </file>
 
 <file path=ppt/notesMasters/notesMaster1.xml><?xml version="1.0" encoding="utf-8"?>
-<p:notesMaster xmlns:a="http://schemas.openxmlformats.org/drawingml/2006/main" xmlns:p="http://schemas.openxmlformats.org/presentationml/2006/main" xmlns:r="http://schemas.openxmlformats.org/officeDocument/2006/relationships">
+<p:notesMaster xmlns:a="http://schemas.openxmlformats.org/drawingml/2006/main" xmlns:r="http://schemas.openxmlformats.org/officeDocument/2006/relationships" xmlns:p="http://schemas.openxmlformats.org/presentationml/2006/main">
+  <p:cSld>
+    <p:bg>
+      <p:bgRef idx="1001">
+        <a:schemeClr val="bg1"/>
+      </p:bgRef>
+    </p:bg>
+    <p:spTree>
+      <p:nvGrpSpPr>
+        <p:cNvPr id="1" name=""/>
+        <p:cNvGrpSpPr/>
+        <p:nvPr/>
+      </p:nvGrpSpPr>
+      <p:grpSpPr>
+        <a:xfrm>
+          <a:off x="0" y="0"/>
+          <a:ext cx="0" cy="0"/>
+          <a:chOff x="0" y="0"/>
+          <a:chExt cx="0" cy="0"/>
+        </a:xfrm>
+      </p:grpSpPr>
+      <p:sp>
+        <p:nvSpPr>
+          <p:cNvPr id="90" name="PlaceHolder 1"/>
+          <p:cNvSpPr>
+            <a:spLocks noGrp="1"/>
+          </p:cNvSpPr>
+          <p:nvPr>
+            <p:ph type="body"/>
+          </p:nvPr>
+        </p:nvSpPr>
+        <p:spPr>
+          <a:xfrm>
+            <a:off x="777240" y="4777560"/>
+            <a:ext cx="6217560" cy="4525920"/>
+          </a:xfrm>
+          <a:prstGeom prst="rect">
+            <a:avLst/>
+          </a:prstGeom>
+        </p:spPr>
+        <p:txBody>
+          <a:bodyPr wrap="none" lIns="0" tIns="0" rIns="0" bIns="0"/>
+          <a:lstStyle/>
+          <a:p>
+            <a:r>
+              <a:rPr lang="en-US"/>
+              <a:t>Click to edit the notes format</a:t>
+            </a:r>
+            <a:endParaRPr/>
+          </a:p>
+        </p:txBody>
+      </p:sp>
+      <p:sp>
+        <p:nvSpPr>
+          <p:cNvPr id="91" name="PlaceHolder 2"/>
+          <p:cNvSpPr>
+            <a:spLocks noGrp="1"/>
+          </p:cNvSpPr>
+          <p:nvPr>
+            <p:ph type="hdr"/>
+          </p:nvPr>
+        </p:nvSpPr>
+        <p:spPr>
+          <a:xfrm>
+            <a:off x="0" y="0"/>
+            <a:ext cx="3372840" cy="502560"/>
+          </a:xfrm>
+          <a:prstGeom prst="rect">
+            <a:avLst/>
+          </a:prstGeom>
+        </p:spPr>
+        <p:txBody>
+          <a:bodyPr wrap="none" lIns="0" tIns="0" rIns="0" bIns="0"/>
+          <a:lstStyle/>
+          <a:p>
+            <a:r>
+              <a:rPr lang="en-US"/>
+              <a:t>&lt;header&gt;</a:t>
+            </a:r>
+            <a:endParaRPr/>
+          </a:p>
+        </p:txBody>
+      </p:sp>
+      <p:sp>
+        <p:nvSpPr>
+          <p:cNvPr id="92" name="PlaceHolder 3"/>
+          <p:cNvSpPr>
+            <a:spLocks noGrp="1"/>
+          </p:cNvSpPr>
+          <p:nvPr>
+            <p:ph type="dt"/>
+          </p:nvPr>
+        </p:nvSpPr>
+        <p:spPr>
+          <a:xfrm>
+            <a:off x="4399200" y="0"/>
+            <a:ext cx="3372840" cy="502560"/>
+          </a:xfrm>
+          <a:prstGeom prst="rect">
+            <a:avLst/>
+          </a:prstGeom>
+        </p:spPr>
+        <p:txBody>
+          <a:bodyPr wrap="none" lIns="0" tIns="0" rIns="0" bIns="0"/>
+          <a:lstStyle/>
+          <a:p>
+            <a:pPr algn="r"/>
+            <a:r>
+              <a:rPr lang="en-US"/>
+              <a:t>&lt;date/time&gt;</a:t>
+            </a:r>
+            <a:endParaRPr/>
+          </a:p>
+        </p:txBody>
+      </p:sp>
+      <p:sp>
+        <p:nvSpPr>
+          <p:cNvPr id="93" name="PlaceHolder 4"/>
+          <p:cNvSpPr>
+            <a:spLocks noGrp="1"/>
+          </p:cNvSpPr>
+          <p:nvPr>
+            <p:ph type="ftr"/>
+          </p:nvPr>
+        </p:nvSpPr>
+        <p:spPr>
+          <a:xfrm>
+            <a:off x="0" y="9555480"/>
+            <a:ext cx="3372840" cy="502560"/>
+          </a:xfrm>
+          <a:prstGeom prst="rect">
+            <a:avLst/>
+          </a:prstGeom>
+        </p:spPr>
+        <p:txBody>
+          <a:bodyPr wrap="none" lIns="0" tIns="0" rIns="0" bIns="0" anchor="b"/>
+          <a:lstStyle/>
+          <a:p>
+            <a:r>
+              <a:rPr lang="en-US"/>
+              <a:t>&lt;footer&gt;</a:t>
+            </a:r>
+            <a:endParaRPr/>
+          </a:p>
+        </p:txBody>
+      </p:sp>
+      <p:sp>
+        <p:nvSpPr>
+          <p:cNvPr id="94" name="PlaceHolder 5"/>
+          <p:cNvSpPr>
+            <a:spLocks noGrp="1"/>
+          </p:cNvSpPr>
+          <p:nvPr>
+            <p:ph type="sldNum"/>
+          </p:nvPr>
+        </p:nvSpPr>
+        <p:spPr>
+          <a:xfrm>
+            <a:off x="4399200" y="9555480"/>
+            <a:ext cx="3372840" cy="502560"/>
+          </a:xfrm>
+          <a:prstGeom prst="rect">
+            <a:avLst/>
+          </a:prstGeom>
+        </p:spPr>
+        <p:txBody>
+          <a:bodyPr wrap="none" lIns="0" tIns="0" rIns="0" bIns="0" anchor="b"/>
+          <a:lstStyle/>
+          <a:p>
+            <a:pPr algn="r"/>
+            <a:fld id="{5F79C1BD-3008-4F88-A4D3-CAE9D9694974}" type="slidenum">
+              <a:rPr lang="en-US"/>
+              <a:t>‹#›</a:t>
+            </a:fld>
+            <a:endParaRPr/>
+          </a:p>
+        </p:txBody>
+      </p:sp>
+    </p:spTree>
+    <p:extLst>
+      <p:ext uri="{BB962C8B-B14F-4D97-AF65-F5344CB8AC3E}">
+        <p14:creationId xmlns:p14="http://schemas.microsoft.com/office/powerpoint/2010/main" val="502386911"/>
+      </p:ext>
+    </p:extLst>
+  </p:cSld>
+  <p:clrMap bg1="lt1" tx1="dk1" bg2="lt2" tx2="dk2" accent1="accent1" accent2="accent2" accent3="accent3" accent4="accent4" accent5="accent5" accent6="accent6" hlink="hlink" folHlink="folHlink"/>
+  <p:notesStyle>
+    <a:lvl1pPr marL="0" algn="l" defTabSz="914400" rtl="0" eaLnBrk="1" latinLnBrk="0" hangingPunct="1">
+      <a:defRPr sz="1200" kern="1200">
+        <a:solidFill>
+          <a:schemeClr val="tx1"/>
+        </a:solidFill>
+        <a:latin typeface="+mn-lt"/>
+        <a:ea typeface="+mn-ea"/>
+        <a:cs typeface="+mn-cs"/>
+      </a:defRPr>
+    </a:lvl1pPr>
+    <a:lvl2pPr marL="457200" algn="l" defTabSz="914400" rtl="0" eaLnBrk="1" latinLnBrk="0" hangingPunct="1">
+      <a:defRPr sz="1200" kern="1200">
+        <a:solidFill>
+          <a:schemeClr val="tx1"/>
+        </a:solidFill>
+        <a:latin typeface="+mn-lt"/>
+        <a:ea typeface="+mn-ea"/>
+        <a:cs typeface="+mn-cs"/>
+      </a:defRPr>
+    </a:lvl2pPr>
+    <a:lvl3pPr marL="914400" algn="l" defTabSz="914400" rtl="0" eaLnBrk="1" latinLnBrk="0" hangingPunct="1">
+      <a:defRPr sz="1200" kern="1200">
+        <a:solidFill>
+          <a:schemeClr val="tx1"/>
+        </a:solidFill>
+        <a:latin typeface="+mn-lt"/>
+        <a:ea typeface="+mn-ea"/>
+        <a:cs typeface="+mn-cs"/>
+      </a:defRPr>
+    </a:lvl3pPr>
+    <a:lvl4pPr marL="1371600" algn="l" defTabSz="914400" rtl="0" eaLnBrk="1" latinLnBrk="0" hangingPunct="1">
+      <a:defRPr sz="1200" kern="1200">
+        <a:solidFill>
+          <a:schemeClr val="tx1"/>
+        </a:solidFill>
+        <a:latin typeface="+mn-lt"/>
+        <a:ea typeface="+mn-ea"/>
+        <a:cs typeface="+mn-cs"/>
+      </a:defRPr>
+    </a:lvl4pPr>
+    <a:lvl5pPr marL="1828800" algn="l" defTabSz="914400" rtl="0" eaLnBrk="1" latinLnBrk="0" hangingPunct="1">
+      <a:defRPr sz="1200" kern="1200">
+        <a:solidFill>
+          <a:schemeClr val="tx1"/>
+        </a:solidFill>
+        <a:latin typeface="+mn-lt"/>
+        <a:ea typeface="+mn-ea"/>
+        <a:cs typeface="+mn-cs"/>
+      </a:defRPr>
+    </a:lvl5pPr>
+    <a:lvl6pPr marL="2286000" algn="l" defTabSz="914400" rtl="0" eaLnBrk="1" latinLnBrk="0" hangingPunct="1">
+      <a:defRPr sz="1200" kern="1200">
+        <a:solidFill>
+          <a:schemeClr val="tx1"/>
+        </a:solidFill>
+        <a:latin typeface="+mn-lt"/>
+        <a:ea typeface="+mn-ea"/>
+        <a:cs typeface="+mn-cs"/>
+      </a:defRPr>
+    </a:lvl6pPr>
+    <a:lvl7pPr marL="2743200" algn="l" defTabSz="914400" rtl="0" eaLnBrk="1" latinLnBrk="0" hangingPunct="1">
+      <a:defRPr sz="1200" kern="1200">
+        <a:solidFill>
+          <a:schemeClr val="tx1"/>
+        </a:solidFill>
+        <a:latin typeface="+mn-lt"/>
+        <a:ea typeface="+mn-ea"/>
+        <a:cs typeface="+mn-cs"/>
+      </a:defRPr>
+    </a:lvl7pPr>
+    <a:lvl8pPr marL="3200400" algn="l" defTabSz="914400" rtl="0" eaLnBrk="1" latinLnBrk="0" hangingPunct="1">
+      <a:defRPr sz="1200" kern="1200">
+        <a:solidFill>
+          <a:schemeClr val="tx1"/>
+        </a:solidFill>
+        <a:latin typeface="+mn-lt"/>
+        <a:ea typeface="+mn-ea"/>
+        <a:cs typeface="+mn-cs"/>
+      </a:defRPr>
+    </a:lvl8pPr>
+    <a:lvl9pPr marL="3657600" algn="l" defTabSz="914400" rtl="0" eaLnBrk="1" latinLnBrk="0" hangingPunct="1">
+      <a:defRPr sz="1200" kern="1200">
+        <a:solidFill>
+          <a:schemeClr val="tx1"/>
+        </a:solidFill>
+        <a:latin typeface="+mn-lt"/>
+        <a:ea typeface="+mn-ea"/>
+        <a:cs typeface="+mn-cs"/>
+      </a:defRPr>
+    </a:lvl9pPr>
+  </p:notesStyle>
+</p:notesMaster>
+</file>
+
+<file path=ppt/notesSlides/notesSlide1.xml><?xml version="1.0" encoding="utf-8"?>
+<p:notes xmlns:a="http://schemas.openxmlformats.org/drawingml/2006/main" xmlns:r="http://schemas.openxmlformats.org/officeDocument/2006/relationships" xmlns:p="http://schemas.openxmlformats.org/presentationml/2006/main">
   <p:cSld>
     <p:spTree>
       <p:nvGrpSpPr>
@@ -58,181 +436,6 @@
       </p:grpSpPr>
       <p:sp>
         <p:nvSpPr>
-          <p:cNvPr id="90" name="PlaceHolder 1"/>
-          <p:cNvSpPr>
-            <a:spLocks noGrp="1"/>
-          </p:cNvSpPr>
-          <p:nvPr>
-            <p:ph type="body"/>
-          </p:nvPr>
-        </p:nvSpPr>
-        <p:spPr>
-          <a:xfrm>
-            <a:off x="777240" y="4777560"/>
-            <a:ext cx="6217560" cy="4525920"/>
-          </a:xfrm>
-          <a:prstGeom prst="rect">
-            <a:avLst/>
-          </a:prstGeom>
-        </p:spPr>
-        <p:txBody>
-          <a:bodyPr wrap="none" lIns="0" rIns="0" tIns="0" bIns="0"/>
-          <a:p>
-            <a:r>
-              <a:rPr lang="en-US"/>
-              <a:t>Click to edit the notes format</a:t>
-            </a:r>
-            <a:endParaRPr/>
-          </a:p>
-        </p:txBody>
-      </p:sp>
-      <p:sp>
-        <p:nvSpPr>
-          <p:cNvPr id="91" name="PlaceHolder 2"/>
-          <p:cNvSpPr>
-            <a:spLocks noGrp="1"/>
-          </p:cNvSpPr>
-          <p:nvPr>
-            <p:ph type="hdr"/>
-          </p:nvPr>
-        </p:nvSpPr>
-        <p:spPr>
-          <a:xfrm>
-            <a:off x="0" y="0"/>
-            <a:ext cx="3372840" cy="502560"/>
-          </a:xfrm>
-          <a:prstGeom prst="rect">
-            <a:avLst/>
-          </a:prstGeom>
-        </p:spPr>
-        <p:txBody>
-          <a:bodyPr wrap="none" lIns="0" rIns="0" tIns="0" bIns="0"/>
-          <a:p>
-            <a:r>
-              <a:rPr lang="en-US"/>
-              <a:t>&lt;header&gt;</a:t>
-            </a:r>
-            <a:endParaRPr/>
-          </a:p>
-        </p:txBody>
-      </p:sp>
-      <p:sp>
-        <p:nvSpPr>
-          <p:cNvPr id="92" name="PlaceHolder 3"/>
-          <p:cNvSpPr>
-            <a:spLocks noGrp="1"/>
-          </p:cNvSpPr>
-          <p:nvPr>
-            <p:ph type="dt"/>
-          </p:nvPr>
-        </p:nvSpPr>
-        <p:spPr>
-          <a:xfrm>
-            <a:off x="4399200" y="0"/>
-            <a:ext cx="3372840" cy="502560"/>
-          </a:xfrm>
-          <a:prstGeom prst="rect">
-            <a:avLst/>
-          </a:prstGeom>
-        </p:spPr>
-        <p:txBody>
-          <a:bodyPr wrap="none" lIns="0" rIns="0" tIns="0" bIns="0"/>
-          <a:p>
-            <a:pPr algn="r"/>
-            <a:r>
-              <a:rPr lang="en-US"/>
-              <a:t>&lt;date/time&gt;</a:t>
-            </a:r>
-            <a:endParaRPr/>
-          </a:p>
-        </p:txBody>
-      </p:sp>
-      <p:sp>
-        <p:nvSpPr>
-          <p:cNvPr id="93" name="PlaceHolder 4"/>
-          <p:cNvSpPr>
-            <a:spLocks noGrp="1"/>
-          </p:cNvSpPr>
-          <p:nvPr>
-            <p:ph type="ftr"/>
-          </p:nvPr>
-        </p:nvSpPr>
-        <p:spPr>
-          <a:xfrm>
-            <a:off x="0" y="9555480"/>
-            <a:ext cx="3372840" cy="502560"/>
-          </a:xfrm>
-          <a:prstGeom prst="rect">
-            <a:avLst/>
-          </a:prstGeom>
-        </p:spPr>
-        <p:txBody>
-          <a:bodyPr wrap="none" lIns="0" rIns="0" tIns="0" bIns="0" anchor="b"/>
-          <a:p>
-            <a:r>
-              <a:rPr lang="en-US"/>
-              <a:t>&lt;footer&gt;</a:t>
-            </a:r>
-            <a:endParaRPr/>
-          </a:p>
-        </p:txBody>
-      </p:sp>
-      <p:sp>
-        <p:nvSpPr>
-          <p:cNvPr id="94" name="PlaceHolder 5"/>
-          <p:cNvSpPr>
-            <a:spLocks noGrp="1"/>
-          </p:cNvSpPr>
-          <p:nvPr>
-            <p:ph type="sldNum"/>
-          </p:nvPr>
-        </p:nvSpPr>
-        <p:spPr>
-          <a:xfrm>
-            <a:off x="4399200" y="9555480"/>
-            <a:ext cx="3372840" cy="502560"/>
-          </a:xfrm>
-          <a:prstGeom prst="rect">
-            <a:avLst/>
-          </a:prstGeom>
-        </p:spPr>
-        <p:txBody>
-          <a:bodyPr wrap="none" lIns="0" rIns="0" tIns="0" bIns="0" anchor="b"/>
-          <a:p>
-            <a:pPr algn="r"/>
-            <a:fld id="{5F79C1BD-3008-4F88-A4D3-CAE9D9694974}" type="slidenum">
-              <a:rPr lang="en-US"/>
-              <a:t>&lt;number&gt;</a:t>
-            </a:fld>
-            <a:endParaRPr/>
-          </a:p>
-        </p:txBody>
-      </p:sp>
-    </p:spTree>
-  </p:cSld>
-  <p:clrMap bg1="lt1" bg2="lt2" tx1="dk1" tx2="dk2" accent1="accent1" accent2="accent2" accent3="accent3" accent4="accent4" accent5="accent5" accent6="accent6" hlink="hlink" folHlink="folHlink"/>
-</p:notesMaster>
-</file>
-
-<file path=ppt/notesSlides/notesSlide7.xml><?xml version="1.0" encoding="utf-8"?>
-<p:notes xmlns:a="http://schemas.openxmlformats.org/drawingml/2006/main" xmlns:p="http://schemas.openxmlformats.org/presentationml/2006/main" xmlns:r="http://schemas.openxmlformats.org/officeDocument/2006/relationships">
-  <p:cSld>
-    <p:spTree>
-      <p:nvGrpSpPr>
-        <p:cNvPr id="1" name=""/>
-        <p:cNvGrpSpPr/>
-        <p:nvPr/>
-      </p:nvGrpSpPr>
-      <p:grpSpPr>
-        <a:xfrm>
-          <a:off x="0" y="0"/>
-          <a:ext cx="0" cy="0"/>
-          <a:chOff x="0" y="0"/>
-          <a:chExt cx="0" cy="0"/>
-        </a:xfrm>
-      </p:grpSpPr>
-      <p:sp>
-        <p:nvSpPr>
           <p:cNvPr id="142" name="PlaceHolder 1"/>
           <p:cNvSpPr>
             <a:spLocks noGrp="1"/>
@@ -251,7 +454,8 @@
           </a:prstGeom>
         </p:spPr>
         <p:txBody>
-          <a:bodyPr lIns="0" rIns="0" tIns="0" bIns="0"/>
+          <a:bodyPr lIns="0" tIns="0" rIns="0" bIns="0"/>
+          <a:lstStyle/>
           <a:p>
             <a:endParaRPr/>
           </a:p>
@@ -277,7 +481,8 @@
           </a:ln>
         </p:spPr>
         <p:txBody>
-          <a:bodyPr lIns="90000" rIns="90000" tIns="45000" bIns="45000" anchor="b"/>
+          <a:bodyPr lIns="90000" tIns="45000" rIns="90000" bIns="45000" anchor="b"/>
+          <a:lstStyle/>
           <a:p>
             <a:pPr algn="r">
               <a:lnSpc>
@@ -292,19 +497,27 @@
                 <a:latin typeface="+mn-lt"/>
                 <a:ea typeface="+mn-ea"/>
               </a:rPr>
-              <a:t>&lt;number&gt;</a:t>
+              <a:t>7</a:t>
             </a:fld>
             <a:endParaRPr/>
           </a:p>
         </p:txBody>
       </p:sp>
     </p:spTree>
+    <p:extLst>
+      <p:ext uri="{BB962C8B-B14F-4D97-AF65-F5344CB8AC3E}">
+        <p14:creationId xmlns:p14="http://schemas.microsoft.com/office/powerpoint/2010/main" val="2826960770"/>
+      </p:ext>
+    </p:extLst>
   </p:cSld>
+  <p:clrMapOvr>
+    <a:masterClrMapping/>
+  </p:clrMapOvr>
 </p:notes>
 </file>
 
 <file path=ppt/slideLayouts/slideLayout1.xml><?xml version="1.0" encoding="utf-8"?>
-<p:sldLayout xmlns:a="http://schemas.openxmlformats.org/drawingml/2006/main" xmlns:p="http://schemas.openxmlformats.org/presentationml/2006/main" xmlns:r="http://schemas.openxmlformats.org/officeDocument/2006/relationships" type="blank" preserve="1">
+<p:sldLayout xmlns:a="http://schemas.openxmlformats.org/drawingml/2006/main" xmlns:r="http://schemas.openxmlformats.org/officeDocument/2006/relationships" xmlns:p="http://schemas.openxmlformats.org/presentationml/2006/main" type="blank" preserve="1">
   <p:cSld name="Blank Slide">
     <p:spTree>
       <p:nvGrpSpPr>
@@ -322,11 +535,14 @@
       </p:grpSpPr>
     </p:spTree>
   </p:cSld>
+  <p:clrMapOvr>
+    <a:masterClrMapping/>
+  </p:clrMapOvr>
 </p:sldLayout>
 </file>
 
 <file path=ppt/slideLayouts/slideLayout10.xml><?xml version="1.0" encoding="utf-8"?>
-<p:sldLayout xmlns:a="http://schemas.openxmlformats.org/drawingml/2006/main" xmlns:p="http://schemas.openxmlformats.org/presentationml/2006/main" xmlns:r="http://schemas.openxmlformats.org/officeDocument/2006/relationships" type="objOverTx" preserve="1">
+<p:sldLayout xmlns:a="http://schemas.openxmlformats.org/drawingml/2006/main" xmlns:r="http://schemas.openxmlformats.org/officeDocument/2006/relationships" xmlns:p="http://schemas.openxmlformats.org/presentationml/2006/main" type="objOverTx" preserve="1">
   <p:cSld name="Title, Content over Content">
     <p:spTree>
       <p:nvGrpSpPr>
@@ -362,7 +578,8 @@
           </a:prstGeom>
         </p:spPr>
         <p:txBody>
-          <a:bodyPr wrap="none" lIns="0" rIns="0" tIns="0" bIns="0" anchor="ctr"/>
+          <a:bodyPr wrap="none" lIns="0" tIns="0" rIns="0" bIns="0" anchor="ctr"/>
+          <a:lstStyle/>
           <a:p>
             <a:pPr algn="ctr"/>
             <a:endParaRPr/>
@@ -389,7 +606,8 @@
           </a:prstGeom>
         </p:spPr>
         <p:txBody>
-          <a:bodyPr wrap="none" lIns="0" rIns="0" tIns="0" bIns="0"/>
+          <a:bodyPr wrap="none" lIns="0" tIns="0" rIns="0" bIns="0"/>
+          <a:lstStyle/>
           <a:p>
             <a:endParaRPr/>
           </a:p>
@@ -415,7 +633,8 @@
           </a:prstGeom>
         </p:spPr>
         <p:txBody>
-          <a:bodyPr wrap="none" lIns="0" rIns="0" tIns="0" bIns="0"/>
+          <a:bodyPr wrap="none" lIns="0" tIns="0" rIns="0" bIns="0"/>
+          <a:lstStyle/>
           <a:p>
             <a:endParaRPr/>
           </a:p>
@@ -423,11 +642,14 @@
       </p:sp>
     </p:spTree>
   </p:cSld>
+  <p:clrMapOvr>
+    <a:masterClrMapping/>
+  </p:clrMapOvr>
 </p:sldLayout>
 </file>
 
 <file path=ppt/slideLayouts/slideLayout11.xml><?xml version="1.0" encoding="utf-8"?>
-<p:sldLayout xmlns:a="http://schemas.openxmlformats.org/drawingml/2006/main" xmlns:p="http://schemas.openxmlformats.org/presentationml/2006/main" xmlns:r="http://schemas.openxmlformats.org/officeDocument/2006/relationships" type="fourObj" preserve="1">
+<p:sldLayout xmlns:a="http://schemas.openxmlformats.org/drawingml/2006/main" xmlns:r="http://schemas.openxmlformats.org/officeDocument/2006/relationships" xmlns:p="http://schemas.openxmlformats.org/presentationml/2006/main" type="fourObj" preserve="1">
   <p:cSld name="Title, 4 Content">
     <p:spTree>
       <p:nvGrpSpPr>
@@ -463,7 +685,8 @@
           </a:prstGeom>
         </p:spPr>
         <p:txBody>
-          <a:bodyPr wrap="none" lIns="0" rIns="0" tIns="0" bIns="0" anchor="ctr"/>
+          <a:bodyPr wrap="none" lIns="0" tIns="0" rIns="0" bIns="0" anchor="ctr"/>
+          <a:lstStyle/>
           <a:p>
             <a:pPr algn="ctr"/>
             <a:endParaRPr/>
@@ -490,7 +713,8 @@
           </a:prstGeom>
         </p:spPr>
         <p:txBody>
-          <a:bodyPr wrap="none" lIns="0" rIns="0" tIns="0" bIns="0"/>
+          <a:bodyPr wrap="none" lIns="0" tIns="0" rIns="0" bIns="0"/>
+          <a:lstStyle/>
           <a:p>
             <a:endParaRPr/>
           </a:p>
@@ -516,7 +740,8 @@
           </a:prstGeom>
         </p:spPr>
         <p:txBody>
-          <a:bodyPr wrap="none" lIns="0" rIns="0" tIns="0" bIns="0"/>
+          <a:bodyPr wrap="none" lIns="0" tIns="0" rIns="0" bIns="0"/>
+          <a:lstStyle/>
           <a:p>
             <a:endParaRPr/>
           </a:p>
@@ -542,7 +767,8 @@
           </a:prstGeom>
         </p:spPr>
         <p:txBody>
-          <a:bodyPr wrap="none" lIns="0" rIns="0" tIns="0" bIns="0"/>
+          <a:bodyPr wrap="none" lIns="0" tIns="0" rIns="0" bIns="0"/>
+          <a:lstStyle/>
           <a:p>
             <a:endParaRPr/>
           </a:p>
@@ -568,7 +794,8 @@
           </a:prstGeom>
         </p:spPr>
         <p:txBody>
-          <a:bodyPr wrap="none" lIns="0" rIns="0" tIns="0" bIns="0"/>
+          <a:bodyPr wrap="none" lIns="0" tIns="0" rIns="0" bIns="0"/>
+          <a:lstStyle/>
           <a:p>
             <a:endParaRPr/>
           </a:p>
@@ -576,11 +803,14 @@
       </p:sp>
     </p:spTree>
   </p:cSld>
+  <p:clrMapOvr>
+    <a:masterClrMapping/>
+  </p:clrMapOvr>
 </p:sldLayout>
 </file>
 
 <file path=ppt/slideLayouts/slideLayout12.xml><?xml version="1.0" encoding="utf-8"?>
-<p:sldLayout xmlns:a="http://schemas.openxmlformats.org/drawingml/2006/main" xmlns:p="http://schemas.openxmlformats.org/presentationml/2006/main" xmlns:r="http://schemas.openxmlformats.org/officeDocument/2006/relationships" type="blank" preserve="1">
+<p:sldLayout xmlns:a="http://schemas.openxmlformats.org/drawingml/2006/main" xmlns:r="http://schemas.openxmlformats.org/officeDocument/2006/relationships" xmlns:p="http://schemas.openxmlformats.org/presentationml/2006/main" type="blank" preserve="1">
   <p:cSld name="Title, 6 Content">
     <p:spTree>
       <p:nvGrpSpPr>
@@ -616,7 +846,8 @@
           </a:prstGeom>
         </p:spPr>
         <p:txBody>
-          <a:bodyPr wrap="none" lIns="0" rIns="0" tIns="0" bIns="0" anchor="ctr"/>
+          <a:bodyPr wrap="none" lIns="0" tIns="0" rIns="0" bIns="0" anchor="ctr"/>
+          <a:lstStyle/>
           <a:p>
             <a:pPr algn="ctr"/>
             <a:endParaRPr/>
@@ -643,7 +874,8 @@
           </a:prstGeom>
         </p:spPr>
         <p:txBody>
-          <a:bodyPr wrap="none" lIns="0" rIns="0" tIns="0" bIns="0"/>
+          <a:bodyPr wrap="none" lIns="0" tIns="0" rIns="0" bIns="0"/>
+          <a:lstStyle/>
           <a:p>
             <a:endParaRPr/>
           </a:p>
@@ -669,7 +901,8 @@
           </a:prstGeom>
         </p:spPr>
         <p:txBody>
-          <a:bodyPr wrap="none" lIns="0" rIns="0" tIns="0" bIns="0"/>
+          <a:bodyPr wrap="none" lIns="0" tIns="0" rIns="0" bIns="0"/>
+          <a:lstStyle/>
           <a:p>
             <a:endParaRPr/>
           </a:p>
@@ -677,7 +910,7 @@
       </p:sp>
       <p:pic>
         <p:nvPicPr>
-          <p:cNvPr id="46" name="" descr=""/>
+          <p:cNvPr id="46" name="Picture 45"/>
           <p:cNvPicPr/>
           <p:nvPr/>
         </p:nvPicPr>
@@ -702,12 +935,12 @@
       </p:pic>
       <p:pic>
         <p:nvPicPr>
-          <p:cNvPr id="47" name="" descr=""/>
+          <p:cNvPr id="47" name="Picture 46"/>
           <p:cNvPicPr/>
           <p:nvPr/>
         </p:nvPicPr>
         <p:blipFill>
-          <a:blip r:embed="rId3"/>
+          <a:blip r:embed="rId2"/>
           <a:stretch>
             <a:fillRect/>
           </a:stretch>
@@ -727,11 +960,14 @@
       </p:pic>
     </p:spTree>
   </p:cSld>
+  <p:clrMapOvr>
+    <a:masterClrMapping/>
+  </p:clrMapOvr>
 </p:sldLayout>
 </file>
 
 <file path=ppt/slideLayouts/slideLayout13.xml><?xml version="1.0" encoding="utf-8"?>
-<p:sldLayout xmlns:a="http://schemas.openxmlformats.org/drawingml/2006/main" xmlns:p="http://schemas.openxmlformats.org/presentationml/2006/main" xmlns:r="http://schemas.openxmlformats.org/officeDocument/2006/relationships" type="blank" preserve="1">
+<p:sldLayout xmlns:a="http://schemas.openxmlformats.org/drawingml/2006/main" xmlns:r="http://schemas.openxmlformats.org/officeDocument/2006/relationships" xmlns:p="http://schemas.openxmlformats.org/presentationml/2006/main" type="blank" preserve="1">
   <p:cSld name="Blank Slide">
     <p:spTree>
       <p:nvGrpSpPr>
@@ -749,11 +985,14 @@
       </p:grpSpPr>
     </p:spTree>
   </p:cSld>
+  <p:clrMapOvr>
+    <a:masterClrMapping/>
+  </p:clrMapOvr>
 </p:sldLayout>
 </file>
 
 <file path=ppt/slideLayouts/slideLayout14.xml><?xml version="1.0" encoding="utf-8"?>
-<p:sldLayout xmlns:a="http://schemas.openxmlformats.org/drawingml/2006/main" xmlns:p="http://schemas.openxmlformats.org/presentationml/2006/main" xmlns:r="http://schemas.openxmlformats.org/officeDocument/2006/relationships" type="tx" preserve="1">
+<p:sldLayout xmlns:a="http://schemas.openxmlformats.org/drawingml/2006/main" xmlns:r="http://schemas.openxmlformats.org/officeDocument/2006/relationships" xmlns:p="http://schemas.openxmlformats.org/presentationml/2006/main" type="tx" preserve="1">
   <p:cSld name="Title Slide">
     <p:spTree>
       <p:nvGrpSpPr>
@@ -789,7 +1028,8 @@
           </a:prstGeom>
         </p:spPr>
         <p:txBody>
-          <a:bodyPr wrap="none" lIns="0" rIns="0" tIns="0" bIns="0" anchor="ctr"/>
+          <a:bodyPr wrap="none" lIns="0" tIns="0" rIns="0" bIns="0" anchor="ctr"/>
+          <a:lstStyle/>
           <a:p>
             <a:pPr algn="ctr"/>
             <a:endParaRPr/>
@@ -816,7 +1056,8 @@
           </a:prstGeom>
         </p:spPr>
         <p:txBody>
-          <a:bodyPr wrap="none" lIns="0" rIns="0" tIns="0" bIns="0" anchor="ctr"/>
+          <a:bodyPr wrap="none" lIns="0" tIns="0" rIns="0" bIns="0" anchor="ctr"/>
+          <a:lstStyle/>
           <a:p>
             <a:pPr algn="ctr"/>
             <a:endParaRPr/>
@@ -825,11 +1066,14 @@
       </p:sp>
     </p:spTree>
   </p:cSld>
+  <p:clrMapOvr>
+    <a:masterClrMapping/>
+  </p:clrMapOvr>
 </p:sldLayout>
 </file>
 
 <file path=ppt/slideLayouts/slideLayout15.xml><?xml version="1.0" encoding="utf-8"?>
-<p:sldLayout xmlns:a="http://schemas.openxmlformats.org/drawingml/2006/main" xmlns:p="http://schemas.openxmlformats.org/presentationml/2006/main" xmlns:r="http://schemas.openxmlformats.org/officeDocument/2006/relationships" type="obj" preserve="1">
+<p:sldLayout xmlns:a="http://schemas.openxmlformats.org/drawingml/2006/main" xmlns:r="http://schemas.openxmlformats.org/officeDocument/2006/relationships" xmlns:p="http://schemas.openxmlformats.org/presentationml/2006/main" type="obj" preserve="1">
   <p:cSld name="Title, Content">
     <p:spTree>
       <p:nvGrpSpPr>
@@ -865,7 +1109,8 @@
           </a:prstGeom>
         </p:spPr>
         <p:txBody>
-          <a:bodyPr wrap="none" lIns="0" rIns="0" tIns="0" bIns="0" anchor="ctr"/>
+          <a:bodyPr wrap="none" lIns="0" tIns="0" rIns="0" bIns="0" anchor="ctr"/>
+          <a:lstStyle/>
           <a:p>
             <a:pPr algn="ctr"/>
             <a:endParaRPr/>
@@ -892,7 +1137,8 @@
           </a:prstGeom>
         </p:spPr>
         <p:txBody>
-          <a:bodyPr wrap="none" lIns="0" rIns="0" tIns="0" bIns="0"/>
+          <a:bodyPr wrap="none" lIns="0" tIns="0" rIns="0" bIns="0"/>
+          <a:lstStyle/>
           <a:p>
             <a:endParaRPr/>
           </a:p>
@@ -900,11 +1146,14 @@
       </p:sp>
     </p:spTree>
   </p:cSld>
+  <p:clrMapOvr>
+    <a:masterClrMapping/>
+  </p:clrMapOvr>
 </p:sldLayout>
 </file>
 
 <file path=ppt/slideLayouts/slideLayout16.xml><?xml version="1.0" encoding="utf-8"?>
-<p:sldLayout xmlns:a="http://schemas.openxmlformats.org/drawingml/2006/main" xmlns:p="http://schemas.openxmlformats.org/presentationml/2006/main" xmlns:r="http://schemas.openxmlformats.org/officeDocument/2006/relationships" type="twoObj" preserve="1">
+<p:sldLayout xmlns:a="http://schemas.openxmlformats.org/drawingml/2006/main" xmlns:r="http://schemas.openxmlformats.org/officeDocument/2006/relationships" xmlns:p="http://schemas.openxmlformats.org/presentationml/2006/main" type="twoObj" preserve="1">
   <p:cSld name="Title, 2 Content">
     <p:spTree>
       <p:nvGrpSpPr>
@@ -940,7 +1189,8 @@
           </a:prstGeom>
         </p:spPr>
         <p:txBody>
-          <a:bodyPr wrap="none" lIns="0" rIns="0" tIns="0" bIns="0" anchor="ctr"/>
+          <a:bodyPr wrap="none" lIns="0" tIns="0" rIns="0" bIns="0" anchor="ctr"/>
+          <a:lstStyle/>
           <a:p>
             <a:pPr algn="ctr"/>
             <a:endParaRPr/>
@@ -967,7 +1217,8 @@
           </a:prstGeom>
         </p:spPr>
         <p:txBody>
-          <a:bodyPr wrap="none" lIns="0" rIns="0" tIns="0" bIns="0"/>
+          <a:bodyPr wrap="none" lIns="0" tIns="0" rIns="0" bIns="0"/>
+          <a:lstStyle/>
           <a:p>
             <a:endParaRPr/>
           </a:p>
@@ -993,7 +1244,8 @@
           </a:prstGeom>
         </p:spPr>
         <p:txBody>
-          <a:bodyPr wrap="none" lIns="0" rIns="0" tIns="0" bIns="0"/>
+          <a:bodyPr wrap="none" lIns="0" tIns="0" rIns="0" bIns="0"/>
+          <a:lstStyle/>
           <a:p>
             <a:endParaRPr/>
           </a:p>
@@ -1001,11 +1253,14 @@
       </p:sp>
     </p:spTree>
   </p:cSld>
+  <p:clrMapOvr>
+    <a:masterClrMapping/>
+  </p:clrMapOvr>
 </p:sldLayout>
 </file>
 
 <file path=ppt/slideLayouts/slideLayout17.xml><?xml version="1.0" encoding="utf-8"?>
-<p:sldLayout xmlns:a="http://schemas.openxmlformats.org/drawingml/2006/main" xmlns:p="http://schemas.openxmlformats.org/presentationml/2006/main" xmlns:r="http://schemas.openxmlformats.org/officeDocument/2006/relationships" type="titleOnly" preserve="1">
+<p:sldLayout xmlns:a="http://schemas.openxmlformats.org/drawingml/2006/main" xmlns:r="http://schemas.openxmlformats.org/officeDocument/2006/relationships" xmlns:p="http://schemas.openxmlformats.org/presentationml/2006/main" type="titleOnly" preserve="1">
   <p:cSld name="Title Only">
     <p:spTree>
       <p:nvGrpSpPr>
@@ -1041,7 +1296,8 @@
           </a:prstGeom>
         </p:spPr>
         <p:txBody>
-          <a:bodyPr wrap="none" lIns="0" rIns="0" tIns="0" bIns="0" anchor="ctr"/>
+          <a:bodyPr wrap="none" lIns="0" tIns="0" rIns="0" bIns="0" anchor="ctr"/>
+          <a:lstStyle/>
           <a:p>
             <a:pPr algn="ctr"/>
             <a:endParaRPr/>
@@ -1050,11 +1306,14 @@
       </p:sp>
     </p:spTree>
   </p:cSld>
+  <p:clrMapOvr>
+    <a:masterClrMapping/>
+  </p:clrMapOvr>
 </p:sldLayout>
 </file>
 
 <file path=ppt/slideLayouts/slideLayout18.xml><?xml version="1.0" encoding="utf-8"?>
-<p:sldLayout xmlns:a="http://schemas.openxmlformats.org/drawingml/2006/main" xmlns:p="http://schemas.openxmlformats.org/presentationml/2006/main" xmlns:r="http://schemas.openxmlformats.org/officeDocument/2006/relationships" type="objOnly" preserve="1">
+<p:sldLayout xmlns:a="http://schemas.openxmlformats.org/drawingml/2006/main" xmlns:r="http://schemas.openxmlformats.org/officeDocument/2006/relationships" xmlns:p="http://schemas.openxmlformats.org/presentationml/2006/main" type="objOnly" preserve="1">
   <p:cSld name="Centered Text">
     <p:spTree>
       <p:nvGrpSpPr>
@@ -1090,7 +1349,8 @@
           </a:prstGeom>
         </p:spPr>
         <p:txBody>
-          <a:bodyPr wrap="none" lIns="0" rIns="0" tIns="0" bIns="0" anchor="ctr"/>
+          <a:bodyPr wrap="none" lIns="0" tIns="0" rIns="0" bIns="0" anchor="ctr"/>
+          <a:lstStyle/>
           <a:p>
             <a:pPr algn="ctr"/>
             <a:endParaRPr/>
@@ -1099,11 +1359,14 @@
       </p:sp>
     </p:spTree>
   </p:cSld>
+  <p:clrMapOvr>
+    <a:masterClrMapping/>
+  </p:clrMapOvr>
 </p:sldLayout>
 </file>
 
 <file path=ppt/slideLayouts/slideLayout19.xml><?xml version="1.0" encoding="utf-8"?>
-<p:sldLayout xmlns:a="http://schemas.openxmlformats.org/drawingml/2006/main" xmlns:p="http://schemas.openxmlformats.org/presentationml/2006/main" xmlns:r="http://schemas.openxmlformats.org/officeDocument/2006/relationships" type="twoObjAndObj" preserve="1">
+<p:sldLayout xmlns:a="http://schemas.openxmlformats.org/drawingml/2006/main" xmlns:r="http://schemas.openxmlformats.org/officeDocument/2006/relationships" xmlns:p="http://schemas.openxmlformats.org/presentationml/2006/main" type="twoObjAndObj" preserve="1">
   <p:cSld name="Title, 2 Content and Content">
     <p:spTree>
       <p:nvGrpSpPr>
@@ -1139,7 +1402,8 @@
           </a:prstGeom>
         </p:spPr>
         <p:txBody>
-          <a:bodyPr wrap="none" lIns="0" rIns="0" tIns="0" bIns="0" anchor="ctr"/>
+          <a:bodyPr wrap="none" lIns="0" tIns="0" rIns="0" bIns="0" anchor="ctr"/>
+          <a:lstStyle/>
           <a:p>
             <a:pPr algn="ctr"/>
             <a:endParaRPr/>
@@ -1166,7 +1430,8 @@
           </a:prstGeom>
         </p:spPr>
         <p:txBody>
-          <a:bodyPr wrap="none" lIns="0" rIns="0" tIns="0" bIns="0"/>
+          <a:bodyPr wrap="none" lIns="0" tIns="0" rIns="0" bIns="0"/>
+          <a:lstStyle/>
           <a:p>
             <a:endParaRPr/>
           </a:p>
@@ -1192,7 +1457,8 @@
           </a:prstGeom>
         </p:spPr>
         <p:txBody>
-          <a:bodyPr wrap="none" lIns="0" rIns="0" tIns="0" bIns="0"/>
+          <a:bodyPr wrap="none" lIns="0" tIns="0" rIns="0" bIns="0"/>
+          <a:lstStyle/>
           <a:p>
             <a:endParaRPr/>
           </a:p>
@@ -1218,7 +1484,8 @@
           </a:prstGeom>
         </p:spPr>
         <p:txBody>
-          <a:bodyPr wrap="none" lIns="0" rIns="0" tIns="0" bIns="0"/>
+          <a:bodyPr wrap="none" lIns="0" tIns="0" rIns="0" bIns="0"/>
+          <a:lstStyle/>
           <a:p>
             <a:endParaRPr/>
           </a:p>
@@ -1226,11 +1493,14 @@
       </p:sp>
     </p:spTree>
   </p:cSld>
+  <p:clrMapOvr>
+    <a:masterClrMapping/>
+  </p:clrMapOvr>
 </p:sldLayout>
 </file>
 
 <file path=ppt/slideLayouts/slideLayout2.xml><?xml version="1.0" encoding="utf-8"?>
-<p:sldLayout xmlns:a="http://schemas.openxmlformats.org/drawingml/2006/main" xmlns:p="http://schemas.openxmlformats.org/presentationml/2006/main" xmlns:r="http://schemas.openxmlformats.org/officeDocument/2006/relationships" type="tx" preserve="1">
+<p:sldLayout xmlns:a="http://schemas.openxmlformats.org/drawingml/2006/main" xmlns:r="http://schemas.openxmlformats.org/officeDocument/2006/relationships" xmlns:p="http://schemas.openxmlformats.org/presentationml/2006/main" type="tx" preserve="1">
   <p:cSld name="Title Slide">
     <p:spTree>
       <p:nvGrpSpPr>
@@ -1266,7 +1536,8 @@
           </a:prstGeom>
         </p:spPr>
         <p:txBody>
-          <a:bodyPr wrap="none" lIns="0" rIns="0" tIns="0" bIns="0" anchor="ctr"/>
+          <a:bodyPr wrap="none" lIns="0" tIns="0" rIns="0" bIns="0" anchor="ctr"/>
+          <a:lstStyle/>
           <a:p>
             <a:pPr algn="ctr"/>
             <a:endParaRPr/>
@@ -1293,7 +1564,8 @@
           </a:prstGeom>
         </p:spPr>
         <p:txBody>
-          <a:bodyPr wrap="none" lIns="0" rIns="0" tIns="0" bIns="0" anchor="ctr"/>
+          <a:bodyPr wrap="none" lIns="0" tIns="0" rIns="0" bIns="0" anchor="ctr"/>
+          <a:lstStyle/>
           <a:p>
             <a:pPr algn="ctr"/>
             <a:endParaRPr/>
@@ -1302,11 +1574,14 @@
       </p:sp>
     </p:spTree>
   </p:cSld>
+  <p:clrMapOvr>
+    <a:masterClrMapping/>
+  </p:clrMapOvr>
 </p:sldLayout>
 </file>
 
 <file path=ppt/slideLayouts/slideLayout20.xml><?xml version="1.0" encoding="utf-8"?>
-<p:sldLayout xmlns:a="http://schemas.openxmlformats.org/drawingml/2006/main" xmlns:p="http://schemas.openxmlformats.org/presentationml/2006/main" xmlns:r="http://schemas.openxmlformats.org/officeDocument/2006/relationships" type="objAndTwoObj" preserve="1">
+<p:sldLayout xmlns:a="http://schemas.openxmlformats.org/drawingml/2006/main" xmlns:r="http://schemas.openxmlformats.org/officeDocument/2006/relationships" xmlns:p="http://schemas.openxmlformats.org/presentationml/2006/main" type="objAndTwoObj" preserve="1">
   <p:cSld name="Title Content and 2 Content">
     <p:spTree>
       <p:nvGrpSpPr>
@@ -1342,7 +1617,8 @@
           </a:prstGeom>
         </p:spPr>
         <p:txBody>
-          <a:bodyPr wrap="none" lIns="0" rIns="0" tIns="0" bIns="0" anchor="ctr"/>
+          <a:bodyPr wrap="none" lIns="0" tIns="0" rIns="0" bIns="0" anchor="ctr"/>
+          <a:lstStyle/>
           <a:p>
             <a:pPr algn="ctr"/>
             <a:endParaRPr/>
@@ -1369,7 +1645,8 @@
           </a:prstGeom>
         </p:spPr>
         <p:txBody>
-          <a:bodyPr wrap="none" lIns="0" rIns="0" tIns="0" bIns="0"/>
+          <a:bodyPr wrap="none" lIns="0" tIns="0" rIns="0" bIns="0"/>
+          <a:lstStyle/>
           <a:p>
             <a:endParaRPr/>
           </a:p>
@@ -1395,7 +1672,8 @@
           </a:prstGeom>
         </p:spPr>
         <p:txBody>
-          <a:bodyPr wrap="none" lIns="0" rIns="0" tIns="0" bIns="0"/>
+          <a:bodyPr wrap="none" lIns="0" tIns="0" rIns="0" bIns="0"/>
+          <a:lstStyle/>
           <a:p>
             <a:endParaRPr/>
           </a:p>
@@ -1421,7 +1699,8 @@
           </a:prstGeom>
         </p:spPr>
         <p:txBody>
-          <a:bodyPr wrap="none" lIns="0" rIns="0" tIns="0" bIns="0"/>
+          <a:bodyPr wrap="none" lIns="0" tIns="0" rIns="0" bIns="0"/>
+          <a:lstStyle/>
           <a:p>
             <a:endParaRPr/>
           </a:p>
@@ -1429,11 +1708,14 @@
       </p:sp>
     </p:spTree>
   </p:cSld>
+  <p:clrMapOvr>
+    <a:masterClrMapping/>
+  </p:clrMapOvr>
 </p:sldLayout>
 </file>
 
 <file path=ppt/slideLayouts/slideLayout21.xml><?xml version="1.0" encoding="utf-8"?>
-<p:sldLayout xmlns:a="http://schemas.openxmlformats.org/drawingml/2006/main" xmlns:p="http://schemas.openxmlformats.org/presentationml/2006/main" xmlns:r="http://schemas.openxmlformats.org/officeDocument/2006/relationships" type="twoObjOverTx" preserve="1">
+<p:sldLayout xmlns:a="http://schemas.openxmlformats.org/drawingml/2006/main" xmlns:r="http://schemas.openxmlformats.org/officeDocument/2006/relationships" xmlns:p="http://schemas.openxmlformats.org/presentationml/2006/main" type="twoObjOverTx" preserve="1">
   <p:cSld name="Title, 2 Content over Content">
     <p:spTree>
       <p:nvGrpSpPr>
@@ -1469,7 +1751,8 @@
           </a:prstGeom>
         </p:spPr>
         <p:txBody>
-          <a:bodyPr wrap="none" lIns="0" rIns="0" tIns="0" bIns="0" anchor="ctr"/>
+          <a:bodyPr wrap="none" lIns="0" tIns="0" rIns="0" bIns="0" anchor="ctr"/>
+          <a:lstStyle/>
           <a:p>
             <a:pPr algn="ctr"/>
             <a:endParaRPr/>
@@ -1496,7 +1779,8 @@
           </a:prstGeom>
         </p:spPr>
         <p:txBody>
-          <a:bodyPr wrap="none" lIns="0" rIns="0" tIns="0" bIns="0"/>
+          <a:bodyPr wrap="none" lIns="0" tIns="0" rIns="0" bIns="0"/>
+          <a:lstStyle/>
           <a:p>
             <a:endParaRPr/>
           </a:p>
@@ -1522,7 +1806,8 @@
           </a:prstGeom>
         </p:spPr>
         <p:txBody>
-          <a:bodyPr wrap="none" lIns="0" rIns="0" tIns="0" bIns="0"/>
+          <a:bodyPr wrap="none" lIns="0" tIns="0" rIns="0" bIns="0"/>
+          <a:lstStyle/>
           <a:p>
             <a:endParaRPr/>
           </a:p>
@@ -1548,7 +1833,8 @@
           </a:prstGeom>
         </p:spPr>
         <p:txBody>
-          <a:bodyPr wrap="none" lIns="0" rIns="0" tIns="0" bIns="0"/>
+          <a:bodyPr wrap="none" lIns="0" tIns="0" rIns="0" bIns="0"/>
+          <a:lstStyle/>
           <a:p>
             <a:endParaRPr/>
           </a:p>
@@ -1556,11 +1842,14 @@
       </p:sp>
     </p:spTree>
   </p:cSld>
+  <p:clrMapOvr>
+    <a:masterClrMapping/>
+  </p:clrMapOvr>
 </p:sldLayout>
 </file>
 
 <file path=ppt/slideLayouts/slideLayout22.xml><?xml version="1.0" encoding="utf-8"?>
-<p:sldLayout xmlns:a="http://schemas.openxmlformats.org/drawingml/2006/main" xmlns:p="http://schemas.openxmlformats.org/presentationml/2006/main" xmlns:r="http://schemas.openxmlformats.org/officeDocument/2006/relationships" type="objOverTx" preserve="1">
+<p:sldLayout xmlns:a="http://schemas.openxmlformats.org/drawingml/2006/main" xmlns:r="http://schemas.openxmlformats.org/officeDocument/2006/relationships" xmlns:p="http://schemas.openxmlformats.org/presentationml/2006/main" type="objOverTx" preserve="1">
   <p:cSld name="Title, Content over Content">
     <p:spTree>
       <p:nvGrpSpPr>
@@ -1596,7 +1885,8 @@
           </a:prstGeom>
         </p:spPr>
         <p:txBody>
-          <a:bodyPr wrap="none" lIns="0" rIns="0" tIns="0" bIns="0" anchor="ctr"/>
+          <a:bodyPr wrap="none" lIns="0" tIns="0" rIns="0" bIns="0" anchor="ctr"/>
+          <a:lstStyle/>
           <a:p>
             <a:pPr algn="ctr"/>
             <a:endParaRPr/>
@@ -1623,7 +1913,8 @@
           </a:prstGeom>
         </p:spPr>
         <p:txBody>
-          <a:bodyPr wrap="none" lIns="0" rIns="0" tIns="0" bIns="0"/>
+          <a:bodyPr wrap="none" lIns="0" tIns="0" rIns="0" bIns="0"/>
+          <a:lstStyle/>
           <a:p>
             <a:endParaRPr/>
           </a:p>
@@ -1649,7 +1940,8 @@
           </a:prstGeom>
         </p:spPr>
         <p:txBody>
-          <a:bodyPr wrap="none" lIns="0" rIns="0" tIns="0" bIns="0"/>
+          <a:bodyPr wrap="none" lIns="0" tIns="0" rIns="0" bIns="0"/>
+          <a:lstStyle/>
           <a:p>
             <a:endParaRPr/>
           </a:p>
@@ -1657,11 +1949,14 @@
       </p:sp>
     </p:spTree>
   </p:cSld>
+  <p:clrMapOvr>
+    <a:masterClrMapping/>
+  </p:clrMapOvr>
 </p:sldLayout>
 </file>
 
 <file path=ppt/slideLayouts/slideLayout23.xml><?xml version="1.0" encoding="utf-8"?>
-<p:sldLayout xmlns:a="http://schemas.openxmlformats.org/drawingml/2006/main" xmlns:p="http://schemas.openxmlformats.org/presentationml/2006/main" xmlns:r="http://schemas.openxmlformats.org/officeDocument/2006/relationships" type="fourObj" preserve="1">
+<p:sldLayout xmlns:a="http://schemas.openxmlformats.org/drawingml/2006/main" xmlns:r="http://schemas.openxmlformats.org/officeDocument/2006/relationships" xmlns:p="http://schemas.openxmlformats.org/presentationml/2006/main" type="fourObj" preserve="1">
   <p:cSld name="Title, 4 Content">
     <p:spTree>
       <p:nvGrpSpPr>
@@ -1697,7 +1992,8 @@
           </a:prstGeom>
         </p:spPr>
         <p:txBody>
-          <a:bodyPr wrap="none" lIns="0" rIns="0" tIns="0" bIns="0" anchor="ctr"/>
+          <a:bodyPr wrap="none" lIns="0" tIns="0" rIns="0" bIns="0" anchor="ctr"/>
+          <a:lstStyle/>
           <a:p>
             <a:pPr algn="ctr"/>
             <a:endParaRPr/>
@@ -1724,7 +2020,8 @@
           </a:prstGeom>
         </p:spPr>
         <p:txBody>
-          <a:bodyPr wrap="none" lIns="0" rIns="0" tIns="0" bIns="0"/>
+          <a:bodyPr wrap="none" lIns="0" tIns="0" rIns="0" bIns="0"/>
+          <a:lstStyle/>
           <a:p>
             <a:endParaRPr/>
           </a:p>
@@ -1750,7 +2047,8 @@
           </a:prstGeom>
         </p:spPr>
         <p:txBody>
-          <a:bodyPr wrap="none" lIns="0" rIns="0" tIns="0" bIns="0"/>
+          <a:bodyPr wrap="none" lIns="0" tIns="0" rIns="0" bIns="0"/>
+          <a:lstStyle/>
           <a:p>
             <a:endParaRPr/>
           </a:p>
@@ -1776,7 +2074,8 @@
           </a:prstGeom>
         </p:spPr>
         <p:txBody>
-          <a:bodyPr wrap="none" lIns="0" rIns="0" tIns="0" bIns="0"/>
+          <a:bodyPr wrap="none" lIns="0" tIns="0" rIns="0" bIns="0"/>
+          <a:lstStyle/>
           <a:p>
             <a:endParaRPr/>
           </a:p>
@@ -1802,7 +2101,8 @@
           </a:prstGeom>
         </p:spPr>
         <p:txBody>
-          <a:bodyPr wrap="none" lIns="0" rIns="0" tIns="0" bIns="0"/>
+          <a:bodyPr wrap="none" lIns="0" tIns="0" rIns="0" bIns="0"/>
+          <a:lstStyle/>
           <a:p>
             <a:endParaRPr/>
           </a:p>
@@ -1810,11 +2110,14 @@
       </p:sp>
     </p:spTree>
   </p:cSld>
+  <p:clrMapOvr>
+    <a:masterClrMapping/>
+  </p:clrMapOvr>
 </p:sldLayout>
 </file>
 
 <file path=ppt/slideLayouts/slideLayout24.xml><?xml version="1.0" encoding="utf-8"?>
-<p:sldLayout xmlns:a="http://schemas.openxmlformats.org/drawingml/2006/main" xmlns:p="http://schemas.openxmlformats.org/presentationml/2006/main" xmlns:r="http://schemas.openxmlformats.org/officeDocument/2006/relationships" type="blank" preserve="1">
+<p:sldLayout xmlns:a="http://schemas.openxmlformats.org/drawingml/2006/main" xmlns:r="http://schemas.openxmlformats.org/officeDocument/2006/relationships" xmlns:p="http://schemas.openxmlformats.org/presentationml/2006/main" type="blank" preserve="1">
   <p:cSld name="Title, 6 Content">
     <p:spTree>
       <p:nvGrpSpPr>
@@ -1850,7 +2153,8 @@
           </a:prstGeom>
         </p:spPr>
         <p:txBody>
-          <a:bodyPr wrap="none" lIns="0" rIns="0" tIns="0" bIns="0" anchor="ctr"/>
+          <a:bodyPr wrap="none" lIns="0" tIns="0" rIns="0" bIns="0" anchor="ctr"/>
+          <a:lstStyle/>
           <a:p>
             <a:pPr algn="ctr"/>
             <a:endParaRPr/>
@@ -1877,7 +2181,8 @@
           </a:prstGeom>
         </p:spPr>
         <p:txBody>
-          <a:bodyPr wrap="none" lIns="0" rIns="0" tIns="0" bIns="0"/>
+          <a:bodyPr wrap="none" lIns="0" tIns="0" rIns="0" bIns="0"/>
+          <a:lstStyle/>
           <a:p>
             <a:endParaRPr/>
           </a:p>
@@ -1903,7 +2208,8 @@
           </a:prstGeom>
         </p:spPr>
         <p:txBody>
-          <a:bodyPr wrap="none" lIns="0" rIns="0" tIns="0" bIns="0"/>
+          <a:bodyPr wrap="none" lIns="0" tIns="0" rIns="0" bIns="0"/>
+          <a:lstStyle/>
           <a:p>
             <a:endParaRPr/>
           </a:p>
@@ -1911,7 +2217,7 @@
       </p:sp>
       <p:pic>
         <p:nvPicPr>
-          <p:cNvPr id="88" name="" descr=""/>
+          <p:cNvPr id="88" name="Picture 87"/>
           <p:cNvPicPr/>
           <p:nvPr/>
         </p:nvPicPr>
@@ -1936,12 +2242,12 @@
       </p:pic>
       <p:pic>
         <p:nvPicPr>
-          <p:cNvPr id="89" name="" descr=""/>
+          <p:cNvPr id="89" name="Picture 88"/>
           <p:cNvPicPr/>
           <p:nvPr/>
         </p:nvPicPr>
         <p:blipFill>
-          <a:blip r:embed="rId3"/>
+          <a:blip r:embed="rId2"/>
           <a:stretch>
             <a:fillRect/>
           </a:stretch>
@@ -1961,11 +2267,14 @@
       </p:pic>
     </p:spTree>
   </p:cSld>
+  <p:clrMapOvr>
+    <a:masterClrMapping/>
+  </p:clrMapOvr>
 </p:sldLayout>
 </file>
 
 <file path=ppt/slideLayouts/slideLayout3.xml><?xml version="1.0" encoding="utf-8"?>
-<p:sldLayout xmlns:a="http://schemas.openxmlformats.org/drawingml/2006/main" xmlns:p="http://schemas.openxmlformats.org/presentationml/2006/main" xmlns:r="http://schemas.openxmlformats.org/officeDocument/2006/relationships" type="obj" preserve="1">
+<p:sldLayout xmlns:a="http://schemas.openxmlformats.org/drawingml/2006/main" xmlns:r="http://schemas.openxmlformats.org/officeDocument/2006/relationships" xmlns:p="http://schemas.openxmlformats.org/presentationml/2006/main" type="obj" preserve="1">
   <p:cSld name="Title, Content">
     <p:spTree>
       <p:nvGrpSpPr>
@@ -2001,7 +2310,8 @@
           </a:prstGeom>
         </p:spPr>
         <p:txBody>
-          <a:bodyPr wrap="none" lIns="0" rIns="0" tIns="0" bIns="0" anchor="ctr"/>
+          <a:bodyPr wrap="none" lIns="0" tIns="0" rIns="0" bIns="0" anchor="ctr"/>
+          <a:lstStyle/>
           <a:p>
             <a:pPr algn="ctr"/>
             <a:endParaRPr/>
@@ -2028,7 +2338,8 @@
           </a:prstGeom>
         </p:spPr>
         <p:txBody>
-          <a:bodyPr wrap="none" lIns="0" rIns="0" tIns="0" bIns="0"/>
+          <a:bodyPr wrap="none" lIns="0" tIns="0" rIns="0" bIns="0"/>
+          <a:lstStyle/>
           <a:p>
             <a:endParaRPr/>
           </a:p>
@@ -2036,11 +2347,14 @@
       </p:sp>
     </p:spTree>
   </p:cSld>
+  <p:clrMapOvr>
+    <a:masterClrMapping/>
+  </p:clrMapOvr>
 </p:sldLayout>
 </file>
 
 <file path=ppt/slideLayouts/slideLayout4.xml><?xml version="1.0" encoding="utf-8"?>
-<p:sldLayout xmlns:a="http://schemas.openxmlformats.org/drawingml/2006/main" xmlns:p="http://schemas.openxmlformats.org/presentationml/2006/main" xmlns:r="http://schemas.openxmlformats.org/officeDocument/2006/relationships" type="twoObj" preserve="1">
+<p:sldLayout xmlns:a="http://schemas.openxmlformats.org/drawingml/2006/main" xmlns:r="http://schemas.openxmlformats.org/officeDocument/2006/relationships" xmlns:p="http://schemas.openxmlformats.org/presentationml/2006/main" type="twoObj" preserve="1">
   <p:cSld name="Title, 2 Content">
     <p:spTree>
       <p:nvGrpSpPr>
@@ -2076,7 +2390,8 @@
           </a:prstGeom>
         </p:spPr>
         <p:txBody>
-          <a:bodyPr wrap="none" lIns="0" rIns="0" tIns="0" bIns="0" anchor="ctr"/>
+          <a:bodyPr wrap="none" lIns="0" tIns="0" rIns="0" bIns="0" anchor="ctr"/>
+          <a:lstStyle/>
           <a:p>
             <a:pPr algn="ctr"/>
             <a:endParaRPr/>
@@ -2103,7 +2418,8 @@
           </a:prstGeom>
         </p:spPr>
         <p:txBody>
-          <a:bodyPr wrap="none" lIns="0" rIns="0" tIns="0" bIns="0"/>
+          <a:bodyPr wrap="none" lIns="0" tIns="0" rIns="0" bIns="0"/>
+          <a:lstStyle/>
           <a:p>
             <a:endParaRPr/>
           </a:p>
@@ -2129,7 +2445,8 @@
           </a:prstGeom>
         </p:spPr>
         <p:txBody>
-          <a:bodyPr wrap="none" lIns="0" rIns="0" tIns="0" bIns="0"/>
+          <a:bodyPr wrap="none" lIns="0" tIns="0" rIns="0" bIns="0"/>
+          <a:lstStyle/>
           <a:p>
             <a:endParaRPr/>
           </a:p>
@@ -2137,11 +2454,14 @@
       </p:sp>
     </p:spTree>
   </p:cSld>
+  <p:clrMapOvr>
+    <a:masterClrMapping/>
+  </p:clrMapOvr>
 </p:sldLayout>
 </file>
 
 <file path=ppt/slideLayouts/slideLayout5.xml><?xml version="1.0" encoding="utf-8"?>
-<p:sldLayout xmlns:a="http://schemas.openxmlformats.org/drawingml/2006/main" xmlns:p="http://schemas.openxmlformats.org/presentationml/2006/main" xmlns:r="http://schemas.openxmlformats.org/officeDocument/2006/relationships" type="titleOnly" preserve="1">
+<p:sldLayout xmlns:a="http://schemas.openxmlformats.org/drawingml/2006/main" xmlns:r="http://schemas.openxmlformats.org/officeDocument/2006/relationships" xmlns:p="http://schemas.openxmlformats.org/presentationml/2006/main" type="titleOnly" preserve="1">
   <p:cSld name="Title Only">
     <p:spTree>
       <p:nvGrpSpPr>
@@ -2177,7 +2497,8 @@
           </a:prstGeom>
         </p:spPr>
         <p:txBody>
-          <a:bodyPr wrap="none" lIns="0" rIns="0" tIns="0" bIns="0" anchor="ctr"/>
+          <a:bodyPr wrap="none" lIns="0" tIns="0" rIns="0" bIns="0" anchor="ctr"/>
+          <a:lstStyle/>
           <a:p>
             <a:pPr algn="ctr"/>
             <a:endParaRPr/>
@@ -2186,11 +2507,14 @@
       </p:sp>
     </p:spTree>
   </p:cSld>
+  <p:clrMapOvr>
+    <a:masterClrMapping/>
+  </p:clrMapOvr>
 </p:sldLayout>
 </file>
 
 <file path=ppt/slideLayouts/slideLayout6.xml><?xml version="1.0" encoding="utf-8"?>
-<p:sldLayout xmlns:a="http://schemas.openxmlformats.org/drawingml/2006/main" xmlns:p="http://schemas.openxmlformats.org/presentationml/2006/main" xmlns:r="http://schemas.openxmlformats.org/officeDocument/2006/relationships" type="objOnly" preserve="1">
+<p:sldLayout xmlns:a="http://schemas.openxmlformats.org/drawingml/2006/main" xmlns:r="http://schemas.openxmlformats.org/officeDocument/2006/relationships" xmlns:p="http://schemas.openxmlformats.org/presentationml/2006/main" type="objOnly" preserve="1">
   <p:cSld name="Centered Text">
     <p:spTree>
       <p:nvGrpSpPr>
@@ -2226,7 +2550,8 @@
           </a:prstGeom>
         </p:spPr>
         <p:txBody>
-          <a:bodyPr wrap="none" lIns="0" rIns="0" tIns="0" bIns="0" anchor="ctr"/>
+          <a:bodyPr wrap="none" lIns="0" tIns="0" rIns="0" bIns="0" anchor="ctr"/>
+          <a:lstStyle/>
           <a:p>
             <a:pPr algn="ctr"/>
             <a:endParaRPr/>
@@ -2235,11 +2560,14 @@
       </p:sp>
     </p:spTree>
   </p:cSld>
+  <p:clrMapOvr>
+    <a:masterClrMapping/>
+  </p:clrMapOvr>
 </p:sldLayout>
 </file>
 
 <file path=ppt/slideLayouts/slideLayout7.xml><?xml version="1.0" encoding="utf-8"?>
-<p:sldLayout xmlns:a="http://schemas.openxmlformats.org/drawingml/2006/main" xmlns:p="http://schemas.openxmlformats.org/presentationml/2006/main" xmlns:r="http://schemas.openxmlformats.org/officeDocument/2006/relationships" type="twoObjAndObj" preserve="1">
+<p:sldLayout xmlns:a="http://schemas.openxmlformats.org/drawingml/2006/main" xmlns:r="http://schemas.openxmlformats.org/officeDocument/2006/relationships" xmlns:p="http://schemas.openxmlformats.org/presentationml/2006/main" type="twoObjAndObj" preserve="1">
   <p:cSld name="Title, 2 Content and Content">
     <p:spTree>
       <p:nvGrpSpPr>
@@ -2275,7 +2603,8 @@
           </a:prstGeom>
         </p:spPr>
         <p:txBody>
-          <a:bodyPr wrap="none" lIns="0" rIns="0" tIns="0" bIns="0" anchor="ctr"/>
+          <a:bodyPr wrap="none" lIns="0" tIns="0" rIns="0" bIns="0" anchor="ctr"/>
+          <a:lstStyle/>
           <a:p>
             <a:pPr algn="ctr"/>
             <a:endParaRPr/>
@@ -2302,7 +2631,8 @@
           </a:prstGeom>
         </p:spPr>
         <p:txBody>
-          <a:bodyPr wrap="none" lIns="0" rIns="0" tIns="0" bIns="0"/>
+          <a:bodyPr wrap="none" lIns="0" tIns="0" rIns="0" bIns="0"/>
+          <a:lstStyle/>
           <a:p>
             <a:endParaRPr/>
           </a:p>
@@ -2328,7 +2658,8 @@
           </a:prstGeom>
         </p:spPr>
         <p:txBody>
-          <a:bodyPr wrap="none" lIns="0" rIns="0" tIns="0" bIns="0"/>
+          <a:bodyPr wrap="none" lIns="0" tIns="0" rIns="0" bIns="0"/>
+          <a:lstStyle/>
           <a:p>
             <a:endParaRPr/>
           </a:p>
@@ -2354,7 +2685,8 @@
           </a:prstGeom>
         </p:spPr>
         <p:txBody>
-          <a:bodyPr wrap="none" lIns="0" rIns="0" tIns="0" bIns="0"/>
+          <a:bodyPr wrap="none" lIns="0" tIns="0" rIns="0" bIns="0"/>
+          <a:lstStyle/>
           <a:p>
             <a:endParaRPr/>
           </a:p>
@@ -2362,11 +2694,14 @@
       </p:sp>
     </p:spTree>
   </p:cSld>
+  <p:clrMapOvr>
+    <a:masterClrMapping/>
+  </p:clrMapOvr>
 </p:sldLayout>
 </file>
 
 <file path=ppt/slideLayouts/slideLayout8.xml><?xml version="1.0" encoding="utf-8"?>
-<p:sldLayout xmlns:a="http://schemas.openxmlformats.org/drawingml/2006/main" xmlns:p="http://schemas.openxmlformats.org/presentationml/2006/main" xmlns:r="http://schemas.openxmlformats.org/officeDocument/2006/relationships" type="objAndTwoObj" preserve="1">
+<p:sldLayout xmlns:a="http://schemas.openxmlformats.org/drawingml/2006/main" xmlns:r="http://schemas.openxmlformats.org/officeDocument/2006/relationships" xmlns:p="http://schemas.openxmlformats.org/presentationml/2006/main" type="objAndTwoObj" preserve="1">
   <p:cSld name="Title Content and 2 Content">
     <p:spTree>
       <p:nvGrpSpPr>
@@ -2402,7 +2737,8 @@
           </a:prstGeom>
         </p:spPr>
         <p:txBody>
-          <a:bodyPr wrap="none" lIns="0" rIns="0" tIns="0" bIns="0" anchor="ctr"/>
+          <a:bodyPr wrap="none" lIns="0" tIns="0" rIns="0" bIns="0" anchor="ctr"/>
+          <a:lstStyle/>
           <a:p>
             <a:pPr algn="ctr"/>
             <a:endParaRPr/>
@@ -2429,7 +2765,8 @@
           </a:prstGeom>
         </p:spPr>
         <p:txBody>
-          <a:bodyPr wrap="none" lIns="0" rIns="0" tIns="0" bIns="0"/>
+          <a:bodyPr wrap="none" lIns="0" tIns="0" rIns="0" bIns="0"/>
+          <a:lstStyle/>
           <a:p>
             <a:endParaRPr/>
           </a:p>
@@ -2455,7 +2792,8 @@
           </a:prstGeom>
         </p:spPr>
         <p:txBody>
-          <a:bodyPr wrap="none" lIns="0" rIns="0" tIns="0" bIns="0"/>
+          <a:bodyPr wrap="none" lIns="0" tIns="0" rIns="0" bIns="0"/>
+          <a:lstStyle/>
           <a:p>
             <a:endParaRPr/>
           </a:p>
@@ -2481,7 +2819,8 @@
           </a:prstGeom>
         </p:spPr>
         <p:txBody>
-          <a:bodyPr wrap="none" lIns="0" rIns="0" tIns="0" bIns="0"/>
+          <a:bodyPr wrap="none" lIns="0" tIns="0" rIns="0" bIns="0"/>
+          <a:lstStyle/>
           <a:p>
             <a:endParaRPr/>
           </a:p>
@@ -2489,11 +2828,14 @@
       </p:sp>
     </p:spTree>
   </p:cSld>
+  <p:clrMapOvr>
+    <a:masterClrMapping/>
+  </p:clrMapOvr>
 </p:sldLayout>
 </file>
 
 <file path=ppt/slideLayouts/slideLayout9.xml><?xml version="1.0" encoding="utf-8"?>
-<p:sldLayout xmlns:a="http://schemas.openxmlformats.org/drawingml/2006/main" xmlns:p="http://schemas.openxmlformats.org/presentationml/2006/main" xmlns:r="http://schemas.openxmlformats.org/officeDocument/2006/relationships" type="twoObjOverTx" preserve="1">
+<p:sldLayout xmlns:a="http://schemas.openxmlformats.org/drawingml/2006/main" xmlns:r="http://schemas.openxmlformats.org/officeDocument/2006/relationships" xmlns:p="http://schemas.openxmlformats.org/presentationml/2006/main" type="twoObjOverTx" preserve="1">
   <p:cSld name="Title, 2 Content over Content">
     <p:spTree>
       <p:nvGrpSpPr>
@@ -2529,7 +2871,8 @@
           </a:prstGeom>
         </p:spPr>
         <p:txBody>
-          <a:bodyPr wrap="none" lIns="0" rIns="0" tIns="0" bIns="0" anchor="ctr"/>
+          <a:bodyPr wrap="none" lIns="0" tIns="0" rIns="0" bIns="0" anchor="ctr"/>
+          <a:lstStyle/>
           <a:p>
             <a:pPr algn="ctr"/>
             <a:endParaRPr/>
@@ -2556,7 +2899,8 @@
           </a:prstGeom>
         </p:spPr>
         <p:txBody>
-          <a:bodyPr wrap="none" lIns="0" rIns="0" tIns="0" bIns="0"/>
+          <a:bodyPr wrap="none" lIns="0" tIns="0" rIns="0" bIns="0"/>
+          <a:lstStyle/>
           <a:p>
             <a:endParaRPr/>
           </a:p>
@@ -2582,7 +2926,8 @@
           </a:prstGeom>
         </p:spPr>
         <p:txBody>
-          <a:bodyPr wrap="none" lIns="0" rIns="0" tIns="0" bIns="0"/>
+          <a:bodyPr wrap="none" lIns="0" tIns="0" rIns="0" bIns="0"/>
+          <a:lstStyle/>
           <a:p>
             <a:endParaRPr/>
           </a:p>
@@ -2608,7 +2953,8 @@
           </a:prstGeom>
         </p:spPr>
         <p:txBody>
-          <a:bodyPr wrap="none" lIns="0" rIns="0" tIns="0" bIns="0"/>
+          <a:bodyPr wrap="none" lIns="0" tIns="0" rIns="0" bIns="0"/>
+          <a:lstStyle/>
           <a:p>
             <a:endParaRPr/>
           </a:p>
@@ -2616,17 +2962,21 @@
       </p:sp>
     </p:spTree>
   </p:cSld>
+  <p:clrMapOvr>
+    <a:masterClrMapping/>
+  </p:clrMapOvr>
 </p:sldLayout>
 </file>
 
 <file path=ppt/slideMasters/slideMaster1.xml><?xml version="1.0" encoding="utf-8"?>
-<p:sldMaster xmlns:a="http://schemas.openxmlformats.org/drawingml/2006/main" xmlns:p="http://schemas.openxmlformats.org/presentationml/2006/main" xmlns:r="http://schemas.openxmlformats.org/officeDocument/2006/relationships">
+<p:sldMaster xmlns:a="http://schemas.openxmlformats.org/drawingml/2006/main" xmlns:r="http://schemas.openxmlformats.org/officeDocument/2006/relationships" xmlns:p="http://schemas.openxmlformats.org/presentationml/2006/main">
   <p:cSld>
     <p:bg>
       <p:bgPr>
         <a:solidFill>
-          <a:srgbClr val="ffffff"/>
+          <a:srgbClr val="FFFFFF"/>
         </a:solidFill>
+        <a:effectLst/>
       </p:bgPr>
     </p:bg>
     <p:spTree>
@@ -2645,7 +2995,7 @@
       </p:grpSpPr>
       <p:sp>
         <p:nvSpPr>
-          <p:cNvPr id="0" name="CustomShape 1"/>
+          <p:cNvPr id="14" name="CustomShape 1"/>
           <p:cNvSpPr/>
           <p:nvPr/>
         </p:nvSpPr>
@@ -2662,10 +3012,10 @@
           <a:gradFill>
             <a:gsLst>
               <a:gs pos="0">
-                <a:srgbClr val="0293e0"/>
+                <a:srgbClr val="0293E0"/>
               </a:gs>
               <a:gs pos="100000">
-                <a:srgbClr val="83d3fe"/>
+                <a:srgbClr val="83D3FE"/>
               </a:gs>
             </a:gsLst>
             <a:lin ang="5400000"/>
@@ -2677,7 +3027,7 @@
       </p:sp>
       <p:sp>
         <p:nvSpPr>
-          <p:cNvPr id="1" name="CustomShape 2"/>
+          <p:cNvPr id="15" name="CustomShape 2"/>
           <p:cNvSpPr/>
           <p:nvPr/>
         </p:nvSpPr>
@@ -2690,7 +3040,7 @@
             <a:avLst/>
           </a:prstGeom>
           <a:solidFill>
-            <a:srgbClr val="c6e7fc"/>
+            <a:srgbClr val="C6E7FC"/>
           </a:solidFill>
           <a:ln w="9360">
             <a:noFill/>
@@ -2712,7 +3062,7 @@
             <a:avLst/>
           </a:prstGeom>
           <a:solidFill>
-            <a:srgbClr val="c6e7fc"/>
+            <a:srgbClr val="C6E7FC"/>
           </a:solidFill>
           <a:ln w="9360">
             <a:noFill/>
@@ -2736,7 +3086,7 @@
           <a:noFill/>
           <a:ln>
             <a:solidFill>
-              <a:srgbClr val="ffffff"/>
+              <a:srgbClr val="FFFFFF"/>
             </a:solidFill>
           </a:ln>
         </p:spPr>
@@ -2758,7 +3108,7 @@
           <a:noFill/>
           <a:ln>
             <a:solidFill>
-              <a:srgbClr val="ffffff"/>
+              <a:srgbClr val="FFFFFF"/>
             </a:solidFill>
           </a:ln>
         </p:spPr>
@@ -2778,7 +3128,7 @@
             <a:avLst/>
           </a:prstGeom>
           <a:solidFill>
-            <a:srgbClr val="ffffff"/>
+            <a:srgbClr val="FFFFFF"/>
           </a:solidFill>
           <a:ln w="9360">
             <a:noFill/>
@@ -2804,10 +3154,10 @@
           <a:gradFill>
             <a:gsLst>
               <a:gs pos="0">
-                <a:srgbClr val="0293e0"/>
+                <a:srgbClr val="0293E0"/>
               </a:gs>
               <a:gs pos="100000">
-                <a:srgbClr val="83d3fe"/>
+                <a:srgbClr val="83D3FE"/>
               </a:gs>
             </a:gsLst>
             <a:lin ang="5400000"/>
@@ -2832,7 +3182,7 @@
             <a:avLst/>
           </a:prstGeom>
           <a:solidFill>
-            <a:srgbClr val="c6e7fc"/>
+            <a:srgbClr val="C6E7FC"/>
           </a:solidFill>
           <a:ln w="9360">
             <a:noFill/>
@@ -2854,7 +3204,7 @@
             <a:avLst/>
           </a:prstGeom>
           <a:solidFill>
-            <a:srgbClr val="c6e7fc"/>
+            <a:srgbClr val="C6E7FC"/>
           </a:solidFill>
           <a:ln w="9360">
             <a:noFill/>
@@ -2878,7 +3228,7 @@
           <a:noFill/>
           <a:ln>
             <a:solidFill>
-              <a:srgbClr val="ffffff"/>
+              <a:srgbClr val="FFFFFF"/>
             </a:solidFill>
           </a:ln>
         </p:spPr>
@@ -2900,7 +3250,7 @@
           <a:noFill/>
           <a:ln>
             <a:solidFill>
-              <a:srgbClr val="ffffff"/>
+              <a:srgbClr val="FFFFFF"/>
             </a:solidFill>
           </a:ln>
         </p:spPr>
@@ -2920,7 +3270,7 @@
             <a:avLst/>
           </a:prstGeom>
           <a:solidFill>
-            <a:srgbClr val="ffffff"/>
+            <a:srgbClr val="FFFFFF"/>
           </a:solidFill>
           <a:ln w="9360">
             <a:noFill/>
@@ -2947,7 +3297,8 @@
           </a:prstGeom>
         </p:spPr>
         <p:txBody>
-          <a:bodyPr wrap="none" lIns="0" rIns="0" tIns="0" bIns="0" anchor="ctr"/>
+          <a:bodyPr wrap="none" lIns="0" tIns="0" rIns="0" bIns="0" anchor="ctr"/>
+          <a:lstStyle/>
           <a:p>
             <a:r>
               <a:rPr lang="en-US"/>
@@ -2977,7 +3328,8 @@
           </a:prstGeom>
         </p:spPr>
         <p:txBody>
-          <a:bodyPr wrap="none" lIns="0" rIns="0" tIns="0" bIns="0"/>
+          <a:bodyPr wrap="none" lIns="0" tIns="0" rIns="0" bIns="0"/>
+          <a:lstStyle/>
           <a:p>
             <a:pPr>
               <a:buSzPct val="25000"/>
@@ -3066,32 +3418,313 @@
       </p:sp>
     </p:spTree>
   </p:cSld>
-  <p:clrMap bg1="lt1" bg2="lt2" tx1="dk1" tx2="dk2" accent1="accent1" accent2="accent2" accent3="accent3" accent4="accent4" accent5="accent5" accent6="accent6" hlink="hlink" folHlink="folHlink"/>
+  <p:clrMap bg1="lt1" tx1="dk1" bg2="lt2" tx2="dk2" accent1="accent1" accent2="accent2" accent3="accent3" accent4="accent4" accent5="accent5" accent6="accent6" hlink="hlink" folHlink="folHlink"/>
   <p:sldLayoutIdLst>
-    <p:sldLayoutId id="2147483649" r:id="rId2"/>
-    <p:sldLayoutId id="2147483650" r:id="rId3"/>
-    <p:sldLayoutId id="2147483651" r:id="rId4"/>
-    <p:sldLayoutId id="2147483652" r:id="rId5"/>
-    <p:sldLayoutId id="2147483653" r:id="rId6"/>
-    <p:sldLayoutId id="2147483654" r:id="rId7"/>
-    <p:sldLayoutId id="2147483655" r:id="rId8"/>
-    <p:sldLayoutId id="2147483656" r:id="rId9"/>
-    <p:sldLayoutId id="2147483657" r:id="rId10"/>
-    <p:sldLayoutId id="2147483658" r:id="rId11"/>
-    <p:sldLayoutId id="2147483659" r:id="rId12"/>
-    <p:sldLayoutId id="2147483660" r:id="rId13"/>
+    <p:sldLayoutId id="2147483649" r:id="rId1"/>
+    <p:sldLayoutId id="2147483650" r:id="rId2"/>
+    <p:sldLayoutId id="2147483651" r:id="rId3"/>
+    <p:sldLayoutId id="2147483652" r:id="rId4"/>
+    <p:sldLayoutId id="2147483653" r:id="rId5"/>
+    <p:sldLayoutId id="2147483654" r:id="rId6"/>
+    <p:sldLayoutId id="2147483655" r:id="rId7"/>
+    <p:sldLayoutId id="2147483656" r:id="rId8"/>
+    <p:sldLayoutId id="2147483657" r:id="rId9"/>
+    <p:sldLayoutId id="2147483658" r:id="rId10"/>
+    <p:sldLayoutId id="2147483659" r:id="rId11"/>
+    <p:sldLayoutId id="2147483660" r:id="rId12"/>
   </p:sldLayoutIdLst>
+  <p:txStyles>
+    <p:titleStyle>
+      <a:lvl1pPr algn="l" defTabSz="914400" rtl="0" eaLnBrk="1" latinLnBrk="0" hangingPunct="1">
+        <a:lnSpc>
+          <a:spcPct val="90000"/>
+        </a:lnSpc>
+        <a:spcBef>
+          <a:spcPct val="0"/>
+        </a:spcBef>
+        <a:buNone/>
+        <a:defRPr sz="4400" kern="1200">
+          <a:solidFill>
+            <a:schemeClr val="tx1"/>
+          </a:solidFill>
+          <a:latin typeface="+mj-lt"/>
+          <a:ea typeface="+mj-ea"/>
+          <a:cs typeface="+mj-cs"/>
+        </a:defRPr>
+      </a:lvl1pPr>
+    </p:titleStyle>
+    <p:bodyStyle>
+      <a:lvl1pPr marL="228600" indent="-228600" algn="l" defTabSz="914400" rtl="0" eaLnBrk="1" latinLnBrk="0" hangingPunct="1">
+        <a:lnSpc>
+          <a:spcPct val="90000"/>
+        </a:lnSpc>
+        <a:spcBef>
+          <a:spcPts val="1000"/>
+        </a:spcBef>
+        <a:buFont typeface="Arial" panose="020B0604020202020204" pitchFamily="34" charset="0"/>
+        <a:buChar char="•"/>
+        <a:defRPr sz="2800" kern="1200">
+          <a:solidFill>
+            <a:schemeClr val="tx1"/>
+          </a:solidFill>
+          <a:latin typeface="+mn-lt"/>
+          <a:ea typeface="+mn-ea"/>
+          <a:cs typeface="+mn-cs"/>
+        </a:defRPr>
+      </a:lvl1pPr>
+      <a:lvl2pPr marL="685800" indent="-228600" algn="l" defTabSz="914400" rtl="0" eaLnBrk="1" latinLnBrk="0" hangingPunct="1">
+        <a:lnSpc>
+          <a:spcPct val="90000"/>
+        </a:lnSpc>
+        <a:spcBef>
+          <a:spcPts val="500"/>
+        </a:spcBef>
+        <a:buFont typeface="Arial" panose="020B0604020202020204" pitchFamily="34" charset="0"/>
+        <a:buChar char="•"/>
+        <a:defRPr sz="2400" kern="1200">
+          <a:solidFill>
+            <a:schemeClr val="tx1"/>
+          </a:solidFill>
+          <a:latin typeface="+mn-lt"/>
+          <a:ea typeface="+mn-ea"/>
+          <a:cs typeface="+mn-cs"/>
+        </a:defRPr>
+      </a:lvl2pPr>
+      <a:lvl3pPr marL="1143000" indent="-228600" algn="l" defTabSz="914400" rtl="0" eaLnBrk="1" latinLnBrk="0" hangingPunct="1">
+        <a:lnSpc>
+          <a:spcPct val="90000"/>
+        </a:lnSpc>
+        <a:spcBef>
+          <a:spcPts val="500"/>
+        </a:spcBef>
+        <a:buFont typeface="Arial" panose="020B0604020202020204" pitchFamily="34" charset="0"/>
+        <a:buChar char="•"/>
+        <a:defRPr sz="2000" kern="1200">
+          <a:solidFill>
+            <a:schemeClr val="tx1"/>
+          </a:solidFill>
+          <a:latin typeface="+mn-lt"/>
+          <a:ea typeface="+mn-ea"/>
+          <a:cs typeface="+mn-cs"/>
+        </a:defRPr>
+      </a:lvl3pPr>
+      <a:lvl4pPr marL="1600200" indent="-228600" algn="l" defTabSz="914400" rtl="0" eaLnBrk="1" latinLnBrk="0" hangingPunct="1">
+        <a:lnSpc>
+          <a:spcPct val="90000"/>
+        </a:lnSpc>
+        <a:spcBef>
+          <a:spcPts val="500"/>
+        </a:spcBef>
+        <a:buFont typeface="Arial" panose="020B0604020202020204" pitchFamily="34" charset="0"/>
+        <a:buChar char="•"/>
+        <a:defRPr sz="1800" kern="1200">
+          <a:solidFill>
+            <a:schemeClr val="tx1"/>
+          </a:solidFill>
+          <a:latin typeface="+mn-lt"/>
+          <a:ea typeface="+mn-ea"/>
+          <a:cs typeface="+mn-cs"/>
+        </a:defRPr>
+      </a:lvl4pPr>
+      <a:lvl5pPr marL="2057400" indent="-228600" algn="l" defTabSz="914400" rtl="0" eaLnBrk="1" latinLnBrk="0" hangingPunct="1">
+        <a:lnSpc>
+          <a:spcPct val="90000"/>
+        </a:lnSpc>
+        <a:spcBef>
+          <a:spcPts val="500"/>
+        </a:spcBef>
+        <a:buFont typeface="Arial" panose="020B0604020202020204" pitchFamily="34" charset="0"/>
+        <a:buChar char="•"/>
+        <a:defRPr sz="1800" kern="1200">
+          <a:solidFill>
+            <a:schemeClr val="tx1"/>
+          </a:solidFill>
+          <a:latin typeface="+mn-lt"/>
+          <a:ea typeface="+mn-ea"/>
+          <a:cs typeface="+mn-cs"/>
+        </a:defRPr>
+      </a:lvl5pPr>
+      <a:lvl6pPr marL="2514600" indent="-228600" algn="l" defTabSz="914400" rtl="0" eaLnBrk="1" latinLnBrk="0" hangingPunct="1">
+        <a:lnSpc>
+          <a:spcPct val="90000"/>
+        </a:lnSpc>
+        <a:spcBef>
+          <a:spcPts val="500"/>
+        </a:spcBef>
+        <a:buFont typeface="Arial" panose="020B0604020202020204" pitchFamily="34" charset="0"/>
+        <a:buChar char="•"/>
+        <a:defRPr sz="1800" kern="1200">
+          <a:solidFill>
+            <a:schemeClr val="tx1"/>
+          </a:solidFill>
+          <a:latin typeface="+mn-lt"/>
+          <a:ea typeface="+mn-ea"/>
+          <a:cs typeface="+mn-cs"/>
+        </a:defRPr>
+      </a:lvl6pPr>
+      <a:lvl7pPr marL="2971800" indent="-228600" algn="l" defTabSz="914400" rtl="0" eaLnBrk="1" latinLnBrk="0" hangingPunct="1">
+        <a:lnSpc>
+          <a:spcPct val="90000"/>
+        </a:lnSpc>
+        <a:spcBef>
+          <a:spcPts val="500"/>
+        </a:spcBef>
+        <a:buFont typeface="Arial" panose="020B0604020202020204" pitchFamily="34" charset="0"/>
+        <a:buChar char="•"/>
+        <a:defRPr sz="1800" kern="1200">
+          <a:solidFill>
+            <a:schemeClr val="tx1"/>
+          </a:solidFill>
+          <a:latin typeface="+mn-lt"/>
+          <a:ea typeface="+mn-ea"/>
+          <a:cs typeface="+mn-cs"/>
+        </a:defRPr>
+      </a:lvl7pPr>
+      <a:lvl8pPr marL="3429000" indent="-228600" algn="l" defTabSz="914400" rtl="0" eaLnBrk="1" latinLnBrk="0" hangingPunct="1">
+        <a:lnSpc>
+          <a:spcPct val="90000"/>
+        </a:lnSpc>
+        <a:spcBef>
+          <a:spcPts val="500"/>
+        </a:spcBef>
+        <a:buFont typeface="Arial" panose="020B0604020202020204" pitchFamily="34" charset="0"/>
+        <a:buChar char="•"/>
+        <a:defRPr sz="1800" kern="1200">
+          <a:solidFill>
+            <a:schemeClr val="tx1"/>
+          </a:solidFill>
+          <a:latin typeface="+mn-lt"/>
+          <a:ea typeface="+mn-ea"/>
+          <a:cs typeface="+mn-cs"/>
+        </a:defRPr>
+      </a:lvl8pPr>
+      <a:lvl9pPr marL="3886200" indent="-228600" algn="l" defTabSz="914400" rtl="0" eaLnBrk="1" latinLnBrk="0" hangingPunct="1">
+        <a:lnSpc>
+          <a:spcPct val="90000"/>
+        </a:lnSpc>
+        <a:spcBef>
+          <a:spcPts val="500"/>
+        </a:spcBef>
+        <a:buFont typeface="Arial" panose="020B0604020202020204" pitchFamily="34" charset="0"/>
+        <a:buChar char="•"/>
+        <a:defRPr sz="1800" kern="1200">
+          <a:solidFill>
+            <a:schemeClr val="tx1"/>
+          </a:solidFill>
+          <a:latin typeface="+mn-lt"/>
+          <a:ea typeface="+mn-ea"/>
+          <a:cs typeface="+mn-cs"/>
+        </a:defRPr>
+      </a:lvl9pPr>
+    </p:bodyStyle>
+    <p:otherStyle>
+      <a:defPPr>
+        <a:defRPr lang="vi-VN"/>
+      </a:defPPr>
+      <a:lvl1pPr marL="0" algn="l" defTabSz="914400" rtl="0" eaLnBrk="1" latinLnBrk="0" hangingPunct="1">
+        <a:defRPr sz="1800" kern="1200">
+          <a:solidFill>
+            <a:schemeClr val="tx1"/>
+          </a:solidFill>
+          <a:latin typeface="+mn-lt"/>
+          <a:ea typeface="+mn-ea"/>
+          <a:cs typeface="+mn-cs"/>
+        </a:defRPr>
+      </a:lvl1pPr>
+      <a:lvl2pPr marL="457200" algn="l" defTabSz="914400" rtl="0" eaLnBrk="1" latinLnBrk="0" hangingPunct="1">
+        <a:defRPr sz="1800" kern="1200">
+          <a:solidFill>
+            <a:schemeClr val="tx1"/>
+          </a:solidFill>
+          <a:latin typeface="+mn-lt"/>
+          <a:ea typeface="+mn-ea"/>
+          <a:cs typeface="+mn-cs"/>
+        </a:defRPr>
+      </a:lvl2pPr>
+      <a:lvl3pPr marL="914400" algn="l" defTabSz="914400" rtl="0" eaLnBrk="1" latinLnBrk="0" hangingPunct="1">
+        <a:defRPr sz="1800" kern="1200">
+          <a:solidFill>
+            <a:schemeClr val="tx1"/>
+          </a:solidFill>
+          <a:latin typeface="+mn-lt"/>
+          <a:ea typeface="+mn-ea"/>
+          <a:cs typeface="+mn-cs"/>
+        </a:defRPr>
+      </a:lvl3pPr>
+      <a:lvl4pPr marL="1371600" algn="l" defTabSz="914400" rtl="0" eaLnBrk="1" latinLnBrk="0" hangingPunct="1">
+        <a:defRPr sz="1800" kern="1200">
+          <a:solidFill>
+            <a:schemeClr val="tx1"/>
+          </a:solidFill>
+          <a:latin typeface="+mn-lt"/>
+          <a:ea typeface="+mn-ea"/>
+          <a:cs typeface="+mn-cs"/>
+        </a:defRPr>
+      </a:lvl4pPr>
+      <a:lvl5pPr marL="1828800" algn="l" defTabSz="914400" rtl="0" eaLnBrk="1" latinLnBrk="0" hangingPunct="1">
+        <a:defRPr sz="1800" kern="1200">
+          <a:solidFill>
+            <a:schemeClr val="tx1"/>
+          </a:solidFill>
+          <a:latin typeface="+mn-lt"/>
+          <a:ea typeface="+mn-ea"/>
+          <a:cs typeface="+mn-cs"/>
+        </a:defRPr>
+      </a:lvl5pPr>
+      <a:lvl6pPr marL="2286000" algn="l" defTabSz="914400" rtl="0" eaLnBrk="1" latinLnBrk="0" hangingPunct="1">
+        <a:defRPr sz="1800" kern="1200">
+          <a:solidFill>
+            <a:schemeClr val="tx1"/>
+          </a:solidFill>
+          <a:latin typeface="+mn-lt"/>
+          <a:ea typeface="+mn-ea"/>
+          <a:cs typeface="+mn-cs"/>
+        </a:defRPr>
+      </a:lvl6pPr>
+      <a:lvl7pPr marL="2743200" algn="l" defTabSz="914400" rtl="0" eaLnBrk="1" latinLnBrk="0" hangingPunct="1">
+        <a:defRPr sz="1800" kern="1200">
+          <a:solidFill>
+            <a:schemeClr val="tx1"/>
+          </a:solidFill>
+          <a:latin typeface="+mn-lt"/>
+          <a:ea typeface="+mn-ea"/>
+          <a:cs typeface="+mn-cs"/>
+        </a:defRPr>
+      </a:lvl7pPr>
+      <a:lvl8pPr marL="3200400" algn="l" defTabSz="914400" rtl="0" eaLnBrk="1" latinLnBrk="0" hangingPunct="1">
+        <a:defRPr sz="1800" kern="1200">
+          <a:solidFill>
+            <a:schemeClr val="tx1"/>
+          </a:solidFill>
+          <a:latin typeface="+mn-lt"/>
+          <a:ea typeface="+mn-ea"/>
+          <a:cs typeface="+mn-cs"/>
+        </a:defRPr>
+      </a:lvl8pPr>
+      <a:lvl9pPr marL="3657600" algn="l" defTabSz="914400" rtl="0" eaLnBrk="1" latinLnBrk="0" hangingPunct="1">
+        <a:defRPr sz="1800" kern="1200">
+          <a:solidFill>
+            <a:schemeClr val="tx1"/>
+          </a:solidFill>
+          <a:latin typeface="+mn-lt"/>
+          <a:ea typeface="+mn-ea"/>
+          <a:cs typeface="+mn-cs"/>
+        </a:defRPr>
+      </a:lvl9pPr>
+    </p:otherStyle>
+  </p:txStyles>
 </p:sldMaster>
 </file>
 
 <file path=ppt/slideMasters/slideMaster2.xml><?xml version="1.0" encoding="utf-8"?>
-<p:sldMaster xmlns:a="http://schemas.openxmlformats.org/drawingml/2006/main" xmlns:p="http://schemas.openxmlformats.org/presentationml/2006/main" xmlns:r="http://schemas.openxmlformats.org/officeDocument/2006/relationships">
+<p:sldMaster xmlns:a="http://schemas.openxmlformats.org/drawingml/2006/main" xmlns:r="http://schemas.openxmlformats.org/officeDocument/2006/relationships" xmlns:p="http://schemas.openxmlformats.org/presentationml/2006/main">
   <p:cSld>
     <p:bg>
       <p:bgPr>
         <a:solidFill>
-          <a:srgbClr val="ffffff"/>
+          <a:srgbClr val="FFFFFF"/>
         </a:solidFill>
+        <a:effectLst/>
       </p:bgPr>
     </p:bg>
     <p:spTree>
@@ -3127,10 +3760,10 @@
           <a:gradFill>
             <a:gsLst>
               <a:gs pos="0">
-                <a:srgbClr val="0293e0"/>
+                <a:srgbClr val="0293E0"/>
               </a:gs>
               <a:gs pos="100000">
-                <a:srgbClr val="83d3fe"/>
+                <a:srgbClr val="83D3FE"/>
               </a:gs>
             </a:gsLst>
             <a:lin ang="5400000"/>
@@ -3155,7 +3788,7 @@
             <a:avLst/>
           </a:prstGeom>
           <a:solidFill>
-            <a:srgbClr val="c6e7fc"/>
+            <a:srgbClr val="C6E7FC"/>
           </a:solidFill>
           <a:ln w="9360">
             <a:noFill/>
@@ -3177,7 +3810,7 @@
             <a:avLst/>
           </a:prstGeom>
           <a:solidFill>
-            <a:srgbClr val="c6e7fc"/>
+            <a:srgbClr val="C6E7FC"/>
           </a:solidFill>
           <a:ln w="9360">
             <a:noFill/>
@@ -3201,7 +3834,7 @@
           <a:noFill/>
           <a:ln>
             <a:solidFill>
-              <a:srgbClr val="ffffff"/>
+              <a:srgbClr val="FFFFFF"/>
             </a:solidFill>
           </a:ln>
         </p:spPr>
@@ -3223,7 +3856,7 @@
           <a:noFill/>
           <a:ln>
             <a:solidFill>
-              <a:srgbClr val="ffffff"/>
+              <a:srgbClr val="FFFFFF"/>
             </a:solidFill>
           </a:ln>
         </p:spPr>
@@ -3243,7 +3876,7 @@
             <a:avLst/>
           </a:prstGeom>
           <a:solidFill>
-            <a:srgbClr val="ffffff"/>
+            <a:srgbClr val="FFFFFF"/>
           </a:solidFill>
           <a:ln w="9360">
             <a:noFill/>
@@ -3270,7 +3903,8 @@
           </a:prstGeom>
         </p:spPr>
         <p:txBody>
-          <a:bodyPr wrap="none" lIns="0" rIns="0" tIns="0" bIns="0" anchor="ctr"/>
+          <a:bodyPr wrap="none" lIns="0" tIns="0" rIns="0" bIns="0" anchor="ctr"/>
+          <a:lstStyle/>
           <a:p>
             <a:pPr algn="ctr"/>
             <a:r>
@@ -3301,7 +3935,8 @@
           </a:prstGeom>
         </p:spPr>
         <p:txBody>
-          <a:bodyPr wrap="none" lIns="0" rIns="0" tIns="0" bIns="0"/>
+          <a:bodyPr wrap="none" lIns="0" tIns="0" rIns="0" bIns="0"/>
+          <a:lstStyle/>
           <a:p>
             <a:pPr>
               <a:buSzPct val="25000"/>
@@ -3390,26 +4025,306 @@
       </p:sp>
     </p:spTree>
   </p:cSld>
-  <p:clrMap bg1="lt1" bg2="lt2" tx1="dk1" tx2="dk2" accent1="accent1" accent2="accent2" accent3="accent3" accent4="accent4" accent5="accent5" accent6="accent6" hlink="hlink" folHlink="folHlink"/>
+  <p:clrMap bg1="lt1" tx1="dk1" bg2="lt2" tx2="dk2" accent1="accent1" accent2="accent2" accent3="accent3" accent4="accent4" accent5="accent5" accent6="accent6" hlink="hlink" folHlink="folHlink"/>
   <p:sldLayoutIdLst>
-    <p:sldLayoutId id="2147483662" r:id="rId2"/>
-    <p:sldLayoutId id="2147483663" r:id="rId3"/>
-    <p:sldLayoutId id="2147483664" r:id="rId4"/>
-    <p:sldLayoutId id="2147483665" r:id="rId5"/>
-    <p:sldLayoutId id="2147483666" r:id="rId6"/>
-    <p:sldLayoutId id="2147483667" r:id="rId7"/>
-    <p:sldLayoutId id="2147483668" r:id="rId8"/>
-    <p:sldLayoutId id="2147483669" r:id="rId9"/>
-    <p:sldLayoutId id="2147483670" r:id="rId10"/>
-    <p:sldLayoutId id="2147483671" r:id="rId11"/>
-    <p:sldLayoutId id="2147483672" r:id="rId12"/>
-    <p:sldLayoutId id="2147483673" r:id="rId13"/>
+    <p:sldLayoutId id="2147483662" r:id="rId1"/>
+    <p:sldLayoutId id="2147483663" r:id="rId2"/>
+    <p:sldLayoutId id="2147483664" r:id="rId3"/>
+    <p:sldLayoutId id="2147483665" r:id="rId4"/>
+    <p:sldLayoutId id="2147483666" r:id="rId5"/>
+    <p:sldLayoutId id="2147483667" r:id="rId6"/>
+    <p:sldLayoutId id="2147483668" r:id="rId7"/>
+    <p:sldLayoutId id="2147483669" r:id="rId8"/>
+    <p:sldLayoutId id="2147483670" r:id="rId9"/>
+    <p:sldLayoutId id="2147483671" r:id="rId10"/>
+    <p:sldLayoutId id="2147483672" r:id="rId11"/>
+    <p:sldLayoutId id="2147483673" r:id="rId12"/>
   </p:sldLayoutIdLst>
+  <p:txStyles>
+    <p:titleStyle>
+      <a:lvl1pPr algn="l" defTabSz="914400" rtl="0" eaLnBrk="1" latinLnBrk="0" hangingPunct="1">
+        <a:lnSpc>
+          <a:spcPct val="90000"/>
+        </a:lnSpc>
+        <a:spcBef>
+          <a:spcPct val="0"/>
+        </a:spcBef>
+        <a:buNone/>
+        <a:defRPr sz="4400" kern="1200">
+          <a:solidFill>
+            <a:schemeClr val="tx1"/>
+          </a:solidFill>
+          <a:latin typeface="+mj-lt"/>
+          <a:ea typeface="+mj-ea"/>
+          <a:cs typeface="+mj-cs"/>
+        </a:defRPr>
+      </a:lvl1pPr>
+    </p:titleStyle>
+    <p:bodyStyle>
+      <a:lvl1pPr marL="228600" indent="-228600" algn="l" defTabSz="914400" rtl="0" eaLnBrk="1" latinLnBrk="0" hangingPunct="1">
+        <a:lnSpc>
+          <a:spcPct val="90000"/>
+        </a:lnSpc>
+        <a:spcBef>
+          <a:spcPts val="1000"/>
+        </a:spcBef>
+        <a:buFont typeface="Arial" panose="020B0604020202020204" pitchFamily="34" charset="0"/>
+        <a:buChar char="•"/>
+        <a:defRPr sz="2800" kern="1200">
+          <a:solidFill>
+            <a:schemeClr val="tx1"/>
+          </a:solidFill>
+          <a:latin typeface="+mn-lt"/>
+          <a:ea typeface="+mn-ea"/>
+          <a:cs typeface="+mn-cs"/>
+        </a:defRPr>
+      </a:lvl1pPr>
+      <a:lvl2pPr marL="685800" indent="-228600" algn="l" defTabSz="914400" rtl="0" eaLnBrk="1" latinLnBrk="0" hangingPunct="1">
+        <a:lnSpc>
+          <a:spcPct val="90000"/>
+        </a:lnSpc>
+        <a:spcBef>
+          <a:spcPts val="500"/>
+        </a:spcBef>
+        <a:buFont typeface="Arial" panose="020B0604020202020204" pitchFamily="34" charset="0"/>
+        <a:buChar char="•"/>
+        <a:defRPr sz="2400" kern="1200">
+          <a:solidFill>
+            <a:schemeClr val="tx1"/>
+          </a:solidFill>
+          <a:latin typeface="+mn-lt"/>
+          <a:ea typeface="+mn-ea"/>
+          <a:cs typeface="+mn-cs"/>
+        </a:defRPr>
+      </a:lvl2pPr>
+      <a:lvl3pPr marL="1143000" indent="-228600" algn="l" defTabSz="914400" rtl="0" eaLnBrk="1" latinLnBrk="0" hangingPunct="1">
+        <a:lnSpc>
+          <a:spcPct val="90000"/>
+        </a:lnSpc>
+        <a:spcBef>
+          <a:spcPts val="500"/>
+        </a:spcBef>
+        <a:buFont typeface="Arial" panose="020B0604020202020204" pitchFamily="34" charset="0"/>
+        <a:buChar char="•"/>
+        <a:defRPr sz="2000" kern="1200">
+          <a:solidFill>
+            <a:schemeClr val="tx1"/>
+          </a:solidFill>
+          <a:latin typeface="+mn-lt"/>
+          <a:ea typeface="+mn-ea"/>
+          <a:cs typeface="+mn-cs"/>
+        </a:defRPr>
+      </a:lvl3pPr>
+      <a:lvl4pPr marL="1600200" indent="-228600" algn="l" defTabSz="914400" rtl="0" eaLnBrk="1" latinLnBrk="0" hangingPunct="1">
+        <a:lnSpc>
+          <a:spcPct val="90000"/>
+        </a:lnSpc>
+        <a:spcBef>
+          <a:spcPts val="500"/>
+        </a:spcBef>
+        <a:buFont typeface="Arial" panose="020B0604020202020204" pitchFamily="34" charset="0"/>
+        <a:buChar char="•"/>
+        <a:defRPr sz="1800" kern="1200">
+          <a:solidFill>
+            <a:schemeClr val="tx1"/>
+          </a:solidFill>
+          <a:latin typeface="+mn-lt"/>
+          <a:ea typeface="+mn-ea"/>
+          <a:cs typeface="+mn-cs"/>
+        </a:defRPr>
+      </a:lvl4pPr>
+      <a:lvl5pPr marL="2057400" indent="-228600" algn="l" defTabSz="914400" rtl="0" eaLnBrk="1" latinLnBrk="0" hangingPunct="1">
+        <a:lnSpc>
+          <a:spcPct val="90000"/>
+        </a:lnSpc>
+        <a:spcBef>
+          <a:spcPts val="500"/>
+        </a:spcBef>
+        <a:buFont typeface="Arial" panose="020B0604020202020204" pitchFamily="34" charset="0"/>
+        <a:buChar char="•"/>
+        <a:defRPr sz="1800" kern="1200">
+          <a:solidFill>
+            <a:schemeClr val="tx1"/>
+          </a:solidFill>
+          <a:latin typeface="+mn-lt"/>
+          <a:ea typeface="+mn-ea"/>
+          <a:cs typeface="+mn-cs"/>
+        </a:defRPr>
+      </a:lvl5pPr>
+      <a:lvl6pPr marL="2514600" indent="-228600" algn="l" defTabSz="914400" rtl="0" eaLnBrk="1" latinLnBrk="0" hangingPunct="1">
+        <a:lnSpc>
+          <a:spcPct val="90000"/>
+        </a:lnSpc>
+        <a:spcBef>
+          <a:spcPts val="500"/>
+        </a:spcBef>
+        <a:buFont typeface="Arial" panose="020B0604020202020204" pitchFamily="34" charset="0"/>
+        <a:buChar char="•"/>
+        <a:defRPr sz="1800" kern="1200">
+          <a:solidFill>
+            <a:schemeClr val="tx1"/>
+          </a:solidFill>
+          <a:latin typeface="+mn-lt"/>
+          <a:ea typeface="+mn-ea"/>
+          <a:cs typeface="+mn-cs"/>
+        </a:defRPr>
+      </a:lvl6pPr>
+      <a:lvl7pPr marL="2971800" indent="-228600" algn="l" defTabSz="914400" rtl="0" eaLnBrk="1" latinLnBrk="0" hangingPunct="1">
+        <a:lnSpc>
+          <a:spcPct val="90000"/>
+        </a:lnSpc>
+        <a:spcBef>
+          <a:spcPts val="500"/>
+        </a:spcBef>
+        <a:buFont typeface="Arial" panose="020B0604020202020204" pitchFamily="34" charset="0"/>
+        <a:buChar char="•"/>
+        <a:defRPr sz="1800" kern="1200">
+          <a:solidFill>
+            <a:schemeClr val="tx1"/>
+          </a:solidFill>
+          <a:latin typeface="+mn-lt"/>
+          <a:ea typeface="+mn-ea"/>
+          <a:cs typeface="+mn-cs"/>
+        </a:defRPr>
+      </a:lvl7pPr>
+      <a:lvl8pPr marL="3429000" indent="-228600" algn="l" defTabSz="914400" rtl="0" eaLnBrk="1" latinLnBrk="0" hangingPunct="1">
+        <a:lnSpc>
+          <a:spcPct val="90000"/>
+        </a:lnSpc>
+        <a:spcBef>
+          <a:spcPts val="500"/>
+        </a:spcBef>
+        <a:buFont typeface="Arial" panose="020B0604020202020204" pitchFamily="34" charset="0"/>
+        <a:buChar char="•"/>
+        <a:defRPr sz="1800" kern="1200">
+          <a:solidFill>
+            <a:schemeClr val="tx1"/>
+          </a:solidFill>
+          <a:latin typeface="+mn-lt"/>
+          <a:ea typeface="+mn-ea"/>
+          <a:cs typeface="+mn-cs"/>
+        </a:defRPr>
+      </a:lvl8pPr>
+      <a:lvl9pPr marL="3886200" indent="-228600" algn="l" defTabSz="914400" rtl="0" eaLnBrk="1" latinLnBrk="0" hangingPunct="1">
+        <a:lnSpc>
+          <a:spcPct val="90000"/>
+        </a:lnSpc>
+        <a:spcBef>
+          <a:spcPts val="500"/>
+        </a:spcBef>
+        <a:buFont typeface="Arial" panose="020B0604020202020204" pitchFamily="34" charset="0"/>
+        <a:buChar char="•"/>
+        <a:defRPr sz="1800" kern="1200">
+          <a:solidFill>
+            <a:schemeClr val="tx1"/>
+          </a:solidFill>
+          <a:latin typeface="+mn-lt"/>
+          <a:ea typeface="+mn-ea"/>
+          <a:cs typeface="+mn-cs"/>
+        </a:defRPr>
+      </a:lvl9pPr>
+    </p:bodyStyle>
+    <p:otherStyle>
+      <a:defPPr>
+        <a:defRPr lang="vi-VN"/>
+      </a:defPPr>
+      <a:lvl1pPr marL="0" algn="l" defTabSz="914400" rtl="0" eaLnBrk="1" latinLnBrk="0" hangingPunct="1">
+        <a:defRPr sz="1800" kern="1200">
+          <a:solidFill>
+            <a:schemeClr val="tx1"/>
+          </a:solidFill>
+          <a:latin typeface="+mn-lt"/>
+          <a:ea typeface="+mn-ea"/>
+          <a:cs typeface="+mn-cs"/>
+        </a:defRPr>
+      </a:lvl1pPr>
+      <a:lvl2pPr marL="457200" algn="l" defTabSz="914400" rtl="0" eaLnBrk="1" latinLnBrk="0" hangingPunct="1">
+        <a:defRPr sz="1800" kern="1200">
+          <a:solidFill>
+            <a:schemeClr val="tx1"/>
+          </a:solidFill>
+          <a:latin typeface="+mn-lt"/>
+          <a:ea typeface="+mn-ea"/>
+          <a:cs typeface="+mn-cs"/>
+        </a:defRPr>
+      </a:lvl2pPr>
+      <a:lvl3pPr marL="914400" algn="l" defTabSz="914400" rtl="0" eaLnBrk="1" latinLnBrk="0" hangingPunct="1">
+        <a:defRPr sz="1800" kern="1200">
+          <a:solidFill>
+            <a:schemeClr val="tx1"/>
+          </a:solidFill>
+          <a:latin typeface="+mn-lt"/>
+          <a:ea typeface="+mn-ea"/>
+          <a:cs typeface="+mn-cs"/>
+        </a:defRPr>
+      </a:lvl3pPr>
+      <a:lvl4pPr marL="1371600" algn="l" defTabSz="914400" rtl="0" eaLnBrk="1" latinLnBrk="0" hangingPunct="1">
+        <a:defRPr sz="1800" kern="1200">
+          <a:solidFill>
+            <a:schemeClr val="tx1"/>
+          </a:solidFill>
+          <a:latin typeface="+mn-lt"/>
+          <a:ea typeface="+mn-ea"/>
+          <a:cs typeface="+mn-cs"/>
+        </a:defRPr>
+      </a:lvl4pPr>
+      <a:lvl5pPr marL="1828800" algn="l" defTabSz="914400" rtl="0" eaLnBrk="1" latinLnBrk="0" hangingPunct="1">
+        <a:defRPr sz="1800" kern="1200">
+          <a:solidFill>
+            <a:schemeClr val="tx1"/>
+          </a:solidFill>
+          <a:latin typeface="+mn-lt"/>
+          <a:ea typeface="+mn-ea"/>
+          <a:cs typeface="+mn-cs"/>
+        </a:defRPr>
+      </a:lvl5pPr>
+      <a:lvl6pPr marL="2286000" algn="l" defTabSz="914400" rtl="0" eaLnBrk="1" latinLnBrk="0" hangingPunct="1">
+        <a:defRPr sz="1800" kern="1200">
+          <a:solidFill>
+            <a:schemeClr val="tx1"/>
+          </a:solidFill>
+          <a:latin typeface="+mn-lt"/>
+          <a:ea typeface="+mn-ea"/>
+          <a:cs typeface="+mn-cs"/>
+        </a:defRPr>
+      </a:lvl6pPr>
+      <a:lvl7pPr marL="2743200" algn="l" defTabSz="914400" rtl="0" eaLnBrk="1" latinLnBrk="0" hangingPunct="1">
+        <a:defRPr sz="1800" kern="1200">
+          <a:solidFill>
+            <a:schemeClr val="tx1"/>
+          </a:solidFill>
+          <a:latin typeface="+mn-lt"/>
+          <a:ea typeface="+mn-ea"/>
+          <a:cs typeface="+mn-cs"/>
+        </a:defRPr>
+      </a:lvl7pPr>
+      <a:lvl8pPr marL="3200400" algn="l" defTabSz="914400" rtl="0" eaLnBrk="1" latinLnBrk="0" hangingPunct="1">
+        <a:defRPr sz="1800" kern="1200">
+          <a:solidFill>
+            <a:schemeClr val="tx1"/>
+          </a:solidFill>
+          <a:latin typeface="+mn-lt"/>
+          <a:ea typeface="+mn-ea"/>
+          <a:cs typeface="+mn-cs"/>
+        </a:defRPr>
+      </a:lvl8pPr>
+      <a:lvl9pPr marL="3657600" algn="l" defTabSz="914400" rtl="0" eaLnBrk="1" latinLnBrk="0" hangingPunct="1">
+        <a:defRPr sz="1800" kern="1200">
+          <a:solidFill>
+            <a:schemeClr val="tx1"/>
+          </a:solidFill>
+          <a:latin typeface="+mn-lt"/>
+          <a:ea typeface="+mn-ea"/>
+          <a:cs typeface="+mn-cs"/>
+        </a:defRPr>
+      </a:lvl9pPr>
+    </p:otherStyle>
+  </p:txStyles>
 </p:sldMaster>
 </file>
 
 <file path=ppt/slides/slide1.xml><?xml version="1.0" encoding="utf-8"?>
-<p:sld xmlns:a="http://schemas.openxmlformats.org/drawingml/2006/main" xmlns:p="http://schemas.openxmlformats.org/presentationml/2006/main" xmlns:r="http://schemas.openxmlformats.org/officeDocument/2006/relationships">
+<p:sld xmlns:a="http://schemas.openxmlformats.org/drawingml/2006/main" xmlns:r="http://schemas.openxmlformats.org/officeDocument/2006/relationships" xmlns:p="http://schemas.openxmlformats.org/presentationml/2006/main">
   <p:cSld>
     <p:spTree>
       <p:nvGrpSpPr>
@@ -3445,12 +4360,13 @@
           </a:ln>
         </p:spPr>
         <p:txBody>
-          <a:bodyPr lIns="90000" rIns="90000" tIns="45000" bIns="45000" anchor="b"/>
+          <a:bodyPr lIns="90000" tIns="45000" rIns="90000" bIns="45000" anchor="b"/>
+          <a:lstStyle/>
           <a:p>
             <a:r>
               <a:rPr lang="en-US" sz="4400">
                 <a:solidFill>
-                  <a:srgbClr val="ffffff"/>
+                  <a:srgbClr val="FFFFFF"/>
                 </a:solidFill>
                 <a:latin typeface="Candara"/>
               </a:rPr>
@@ -3467,7 +4383,7 @@
             <a:r>
               <a:rPr lang="en-US" sz="4400">
                 <a:solidFill>
-                  <a:srgbClr val="ffffff"/>
+                  <a:srgbClr val="FFFFFF"/>
                 </a:solidFill>
                 <a:latin typeface="Candara"/>
               </a:rPr>
@@ -3497,7 +4413,8 @@
           </a:ln>
         </p:spPr>
         <p:txBody>
-          <a:bodyPr lIns="90000" rIns="90000" tIns="45000" bIns="45000"/>
+          <a:bodyPr lIns="90000" tIns="45000" rIns="90000" bIns="45000"/>
+          <a:lstStyle/>
           <a:p>
             <a:pPr algn="ctr">
               <a:lnSpc>
@@ -3507,7 +4424,7 @@
             <a:r>
               <a:rPr lang="en-US" sz="2000">
                 <a:solidFill>
-                  <a:srgbClr val="ffffff"/>
+                  <a:srgbClr val="FFFFFF"/>
                 </a:solidFill>
                 <a:latin typeface="Candara"/>
               </a:rPr>
@@ -3519,6 +4436,9 @@
       </p:sp>
     </p:spTree>
   </p:cSld>
+  <p:clrMapOvr>
+    <a:masterClrMapping/>
+  </p:clrMapOvr>
   <p:timing>
     <p:tnLst>
       <p:par>
@@ -3527,14 +4447,14 @@
             <p:seq>
               <p:cTn id="2" nodeType="mainSeq"/>
               <p:prevCondLst>
-                <p:cond delay="0" evt="onPrev">
+                <p:cond evt="onPrev" delay="0">
                   <p:tgtEl>
                     <p:sldTgt/>
                   </p:tgtEl>
                 </p:cond>
               </p:prevCondLst>
               <p:nextCondLst>
-                <p:cond delay="0" evt="onNext">
+                <p:cond evt="onNext" delay="0">
                   <p:tgtEl>
                     <p:sldTgt/>
                   </p:tgtEl>
@@ -3550,7 +4470,7 @@
 </file>
 
 <file path=ppt/slides/slide10.xml><?xml version="1.0" encoding="utf-8"?>
-<p:sld xmlns:a="http://schemas.openxmlformats.org/drawingml/2006/main" xmlns:p="http://schemas.openxmlformats.org/presentationml/2006/main" xmlns:r="http://schemas.openxmlformats.org/officeDocument/2006/relationships">
+<p:sld xmlns:a="http://schemas.openxmlformats.org/drawingml/2006/main" xmlns:r="http://schemas.openxmlformats.org/officeDocument/2006/relationships" xmlns:p="http://schemas.openxmlformats.org/presentationml/2006/main">
   <p:cSld>
     <p:spTree>
       <p:nvGrpSpPr>
@@ -3568,13 +4488,13 @@
       </p:grpSpPr>
       <p:sp>
         <p:nvSpPr>
-          <p:cNvPr id="114" name="CustomShape 1"/>
+          <p:cNvPr id="112" name="CustomShape 1"/>
           <p:cNvSpPr/>
           <p:nvPr/>
         </p:nvSpPr>
         <p:spPr>
           <a:xfrm>
-            <a:off x="685800" y="457200"/>
+            <a:off x="457200" y="338400"/>
             <a:ext cx="8228880" cy="1252080"/>
           </a:xfrm>
           <a:prstGeom prst="rect">
@@ -3586,7 +4506,8 @@
           </a:ln>
         </p:spPr>
         <p:txBody>
-          <a:bodyPr lIns="90000" rIns="90000" tIns="45000" bIns="45000" anchor="ctr"/>
+          <a:bodyPr lIns="90000" tIns="45000" rIns="90000" bIns="45000" anchor="ctr"/>
+          <a:lstStyle/>
           <a:p>
             <a:pPr algn="ctr">
               <a:lnSpc>
@@ -3596,7 +4517,7 @@
             <a:r>
               <a:rPr lang="en-US" sz="4400">
                 <a:solidFill>
-                  <a:srgbClr val="ffffff"/>
+                  <a:srgbClr val="FFFFFF"/>
                 </a:solidFill>
                 <a:latin typeface="Candara"/>
               </a:rPr>
@@ -3608,19 +4529,19 @@
       </p:sp>
       <p:pic>
         <p:nvPicPr>
-          <p:cNvPr id="115" name="" descr=""/>
+          <p:cNvPr id="113" name="Picture 112"/>
           <p:cNvPicPr/>
           <p:nvPr/>
         </p:nvPicPr>
         <p:blipFill>
-          <a:blip r:embed="rId1"/>
+          <a:blip r:embed="rId2"/>
           <a:stretch>
             <a:fillRect/>
           </a:stretch>
         </p:blipFill>
         <p:spPr>
           <a:xfrm>
-            <a:off x="360" y="1534680"/>
+            <a:off x="360" y="1443240"/>
             <a:ext cx="9143280" cy="5140080"/>
           </a:xfrm>
           <a:prstGeom prst="rect">
@@ -3633,22 +4554,25 @@
       </p:pic>
     </p:spTree>
   </p:cSld>
+  <p:clrMapOvr>
+    <a:masterClrMapping/>
+  </p:clrMapOvr>
   <p:timing>
     <p:tnLst>
       <p:par>
-        <p:cTn id="19" dur="indefinite" restart="never" nodeType="tmRoot">
+        <p:cTn id="1" dur="indefinite" restart="never" nodeType="tmRoot">
           <p:childTnLst>
             <p:seq>
-              <p:cTn id="20" nodeType="mainSeq"/>
+              <p:cTn id="2" nodeType="mainSeq"/>
               <p:prevCondLst>
-                <p:cond delay="0" evt="onPrev">
+                <p:cond evt="onPrev" delay="0">
                   <p:tgtEl>
                     <p:sldTgt/>
                   </p:tgtEl>
                 </p:cond>
               </p:prevCondLst>
               <p:nextCondLst>
-                <p:cond delay="0" evt="onNext">
+                <p:cond evt="onNext" delay="0">
                   <p:tgtEl>
                     <p:sldTgt/>
                   </p:tgtEl>
@@ -3664,7 +4588,7 @@
 </file>
 
 <file path=ppt/slides/slide11.xml><?xml version="1.0" encoding="utf-8"?>
-<p:sld xmlns:a="http://schemas.openxmlformats.org/drawingml/2006/main" xmlns:p="http://schemas.openxmlformats.org/presentationml/2006/main" xmlns:r="http://schemas.openxmlformats.org/officeDocument/2006/relationships">
+<p:sld xmlns:a="http://schemas.openxmlformats.org/drawingml/2006/main" xmlns:r="http://schemas.openxmlformats.org/officeDocument/2006/relationships" xmlns:p="http://schemas.openxmlformats.org/presentationml/2006/main">
   <p:cSld>
     <p:spTree>
       <p:nvGrpSpPr>
@@ -3682,14 +4606,14 @@
       </p:grpSpPr>
       <p:sp>
         <p:nvSpPr>
-          <p:cNvPr id="116" name="CustomShape 1"/>
+          <p:cNvPr id="114" name="CustomShape 1"/>
           <p:cNvSpPr/>
           <p:nvPr/>
         </p:nvSpPr>
         <p:spPr>
           <a:xfrm>
-            <a:off x="822960" y="1737360"/>
-            <a:ext cx="7407720" cy="3449880"/>
+            <a:off x="685800" y="457200"/>
+            <a:ext cx="8228880" cy="1252080"/>
           </a:xfrm>
           <a:prstGeom prst="rect">
             <a:avLst/>
@@ -3700,90 +4624,8 @@
           </a:ln>
         </p:spPr>
         <p:txBody>
-          <a:bodyPr lIns="90000" rIns="90000" tIns="45000" bIns="45000"/>
-          <a:p>
-            <a:pPr>
-              <a:lnSpc>
-                <a:spcPct val="100000"/>
-              </a:lnSpc>
-              <a:buSzPct val="25000"/>
-              <a:buFont typeface="StarSymbol"/>
-              <a:buChar char="l"/>
-            </a:pPr>
-            <a:r>
-              <a:rPr lang="en-US"/>
-              <a:t>Why ? Because our accounts in pivotal tracker are out of date :))</a:t>
-            </a:r>
-            <a:endParaRPr/>
-          </a:p>
-          <a:p>
-            <a:pPr>
-              <a:lnSpc>
-                <a:spcPct val="100000"/>
-              </a:lnSpc>
-              <a:buSzPct val="25000"/>
-              <a:buFont typeface="StarSymbol"/>
-              <a:buChar char="l"/>
-            </a:pPr>
-            <a:r>
-              <a:rPr lang="en-US"/>
-              <a:t>Teamcrop is now free for ALL PLAN</a:t>
-            </a:r>
-            <a:endParaRPr/>
-          </a:p>
-          <a:p>
-            <a:pPr>
-              <a:lnSpc>
-                <a:spcPct val="100000"/>
-              </a:lnSpc>
-              <a:buSzPct val="25000"/>
-              <a:buFont typeface="StarSymbol"/>
-              <a:buChar char="l"/>
-            </a:pPr>
-            <a:r>
-              <a:rPr lang="en-US"/>
-              <a:t>Teamcrop is a startup of Vietnamese, and it's using a PHP framework comes from Viet Nam</a:t>
-            </a:r>
-            <a:endParaRPr/>
-          </a:p>
-          <a:p>
-            <a:pPr>
-              <a:lnSpc>
-                <a:spcPct val="100000"/>
-              </a:lnSpc>
-              <a:buSzPct val="25000"/>
-              <a:buFont typeface="StarSymbol"/>
-              <a:buChar char="l"/>
-            </a:pPr>
-            <a:r>
-              <a:rPr lang="en-US"/>
-              <a:t>It has many functions that can impress user</a:t>
-            </a:r>
-            <a:endParaRPr/>
-          </a:p>
-        </p:txBody>
-      </p:sp>
-      <p:sp>
-        <p:nvSpPr>
-          <p:cNvPr id="117" name="CustomShape 2"/>
-          <p:cNvSpPr/>
-          <p:nvPr/>
-        </p:nvSpPr>
-        <p:spPr>
-          <a:xfrm>
-            <a:off x="457200" y="338400"/>
-            <a:ext cx="8228880" cy="1252080"/>
-          </a:xfrm>
-          <a:prstGeom prst="rect">
-            <a:avLst/>
-          </a:prstGeom>
-          <a:noFill/>
-          <a:ln>
-            <a:noFill/>
-          </a:ln>
-        </p:spPr>
-        <p:txBody>
-          <a:bodyPr lIns="90000" rIns="90000" tIns="45000" bIns="45000" anchor="ctr"/>
+          <a:bodyPr lIns="90000" tIns="45000" rIns="90000" bIns="45000" anchor="ctr"/>
+          <a:lstStyle/>
           <a:p>
             <a:pPr algn="ctr">
               <a:lnSpc>
@@ -3793,33 +4635,62 @@
             <a:r>
               <a:rPr lang="en-US" sz="4400">
                 <a:solidFill>
-                  <a:srgbClr val="ffffff"/>
+                  <a:srgbClr val="FFFFFF"/>
                 </a:solidFill>
+                <a:latin typeface="Candara"/>
               </a:rPr>
-              <a:t>Teamcrop</a:t>
+              <a:t>Pivotal tracker</a:t>
             </a:r>
             <a:endParaRPr/>
           </a:p>
         </p:txBody>
       </p:sp>
+      <p:pic>
+        <p:nvPicPr>
+          <p:cNvPr id="115" name="Picture 114"/>
+          <p:cNvPicPr/>
+          <p:nvPr/>
+        </p:nvPicPr>
+        <p:blipFill>
+          <a:blip r:embed="rId2"/>
+          <a:stretch>
+            <a:fillRect/>
+          </a:stretch>
+        </p:blipFill>
+        <p:spPr>
+          <a:xfrm>
+            <a:off x="360" y="1534680"/>
+            <a:ext cx="9143280" cy="5140080"/>
+          </a:xfrm>
+          <a:prstGeom prst="rect">
+            <a:avLst/>
+          </a:prstGeom>
+          <a:ln>
+            <a:noFill/>
+          </a:ln>
+        </p:spPr>
+      </p:pic>
     </p:spTree>
   </p:cSld>
+  <p:clrMapOvr>
+    <a:masterClrMapping/>
+  </p:clrMapOvr>
   <p:timing>
     <p:tnLst>
       <p:par>
-        <p:cTn id="21" dur="indefinite" restart="never" nodeType="tmRoot">
+        <p:cTn id="1" dur="indefinite" restart="never" nodeType="tmRoot">
           <p:childTnLst>
             <p:seq>
-              <p:cTn id="22" nodeType="mainSeq"/>
+              <p:cTn id="2" nodeType="mainSeq"/>
               <p:prevCondLst>
-                <p:cond delay="0" evt="onPrev">
+                <p:cond evt="onPrev" delay="0">
                   <p:tgtEl>
                     <p:sldTgt/>
                   </p:tgtEl>
                 </p:cond>
               </p:prevCondLst>
               <p:nextCondLst>
-                <p:cond delay="0" evt="onNext">
+                <p:cond evt="onNext" delay="0">
                   <p:tgtEl>
                     <p:sldTgt/>
                   </p:tgtEl>
@@ -3835,7 +4706,7 @@
 </file>
 
 <file path=ppt/slides/slide12.xml><?xml version="1.0" encoding="utf-8"?>
-<p:sld xmlns:a="http://schemas.openxmlformats.org/drawingml/2006/main" xmlns:p="http://schemas.openxmlformats.org/presentationml/2006/main" xmlns:r="http://schemas.openxmlformats.org/officeDocument/2006/relationships">
+<p:sld xmlns:a="http://schemas.openxmlformats.org/drawingml/2006/main" xmlns:r="http://schemas.openxmlformats.org/officeDocument/2006/relationships" xmlns:p="http://schemas.openxmlformats.org/presentationml/2006/main">
   <p:cSld>
     <p:spTree>
       <p:nvGrpSpPr>
@@ -3853,14 +4724,14 @@
       </p:grpSpPr>
       <p:sp>
         <p:nvSpPr>
-          <p:cNvPr id="118" name="CustomShape 1"/>
+          <p:cNvPr id="116" name="CustomShape 1"/>
           <p:cNvSpPr/>
           <p:nvPr/>
         </p:nvSpPr>
         <p:spPr>
           <a:xfrm>
-            <a:off x="457200" y="338400"/>
-            <a:ext cx="8228880" cy="1252080"/>
+            <a:off x="822960" y="1737360"/>
+            <a:ext cx="7407720" cy="3449880"/>
           </a:xfrm>
           <a:prstGeom prst="rect">
             <a:avLst/>
@@ -3871,7 +4742,92 @@
           </a:ln>
         </p:spPr>
         <p:txBody>
-          <a:bodyPr lIns="90000" rIns="90000" tIns="45000" bIns="45000" anchor="ctr"/>
+          <a:bodyPr lIns="90000" tIns="45000" rIns="90000" bIns="45000"/>
+          <a:lstStyle/>
+          <a:p>
+            <a:pPr>
+              <a:lnSpc>
+                <a:spcPct val="100000"/>
+              </a:lnSpc>
+              <a:buSzPct val="25000"/>
+              <a:buFont typeface="StarSymbol"/>
+              <a:buChar char="l"/>
+            </a:pPr>
+            <a:r>
+              <a:rPr lang="en-US"/>
+              <a:t>Why ? Because our accounts in pivotal tracker are out of date :))</a:t>
+            </a:r>
+            <a:endParaRPr/>
+          </a:p>
+          <a:p>
+            <a:pPr>
+              <a:lnSpc>
+                <a:spcPct val="100000"/>
+              </a:lnSpc>
+              <a:buSzPct val="25000"/>
+              <a:buFont typeface="StarSymbol"/>
+              <a:buChar char="l"/>
+            </a:pPr>
+            <a:r>
+              <a:rPr lang="en-US"/>
+              <a:t>Teamcrop is now free for ALL PLAN</a:t>
+            </a:r>
+            <a:endParaRPr/>
+          </a:p>
+          <a:p>
+            <a:pPr>
+              <a:lnSpc>
+                <a:spcPct val="100000"/>
+              </a:lnSpc>
+              <a:buSzPct val="25000"/>
+              <a:buFont typeface="StarSymbol"/>
+              <a:buChar char="l"/>
+            </a:pPr>
+            <a:r>
+              <a:rPr lang="en-US"/>
+              <a:t>Teamcrop is a startup of Vietnamese, and it's using a PHP framework comes from Viet Nam</a:t>
+            </a:r>
+            <a:endParaRPr/>
+          </a:p>
+          <a:p>
+            <a:pPr>
+              <a:lnSpc>
+                <a:spcPct val="100000"/>
+              </a:lnSpc>
+              <a:buSzPct val="25000"/>
+              <a:buFont typeface="StarSymbol"/>
+              <a:buChar char="l"/>
+            </a:pPr>
+            <a:r>
+              <a:rPr lang="en-US"/>
+              <a:t>It has many functions that can impress user</a:t>
+            </a:r>
+            <a:endParaRPr/>
+          </a:p>
+        </p:txBody>
+      </p:sp>
+      <p:sp>
+        <p:nvSpPr>
+          <p:cNvPr id="117" name="CustomShape 2"/>
+          <p:cNvSpPr/>
+          <p:nvPr/>
+        </p:nvSpPr>
+        <p:spPr>
+          <a:xfrm>
+            <a:off x="457200" y="338400"/>
+            <a:ext cx="8228880" cy="1252080"/>
+          </a:xfrm>
+          <a:prstGeom prst="rect">
+            <a:avLst/>
+          </a:prstGeom>
+          <a:noFill/>
+          <a:ln>
+            <a:noFill/>
+          </a:ln>
+        </p:spPr>
+        <p:txBody>
+          <a:bodyPr lIns="90000" tIns="45000" rIns="90000" bIns="45000" anchor="ctr"/>
+          <a:lstStyle/>
           <a:p>
             <a:pPr algn="ctr">
               <a:lnSpc>
@@ -3881,7 +4837,7 @@
             <a:r>
               <a:rPr lang="en-US" sz="4400">
                 <a:solidFill>
-                  <a:srgbClr val="ffffff"/>
+                  <a:srgbClr val="FFFFFF"/>
                 </a:solidFill>
               </a:rPr>
               <a:t>Teamcrop</a:t>
@@ -3890,49 +4846,27 @@
           </a:p>
         </p:txBody>
       </p:sp>
-      <p:pic>
-        <p:nvPicPr>
-          <p:cNvPr id="119" name="" descr=""/>
-          <p:cNvPicPr/>
-          <p:nvPr/>
-        </p:nvPicPr>
-        <p:blipFill>
-          <a:blip r:embed="rId1"/>
-          <a:stretch>
-            <a:fillRect/>
-          </a:stretch>
-        </p:blipFill>
-        <p:spPr>
-          <a:xfrm>
-            <a:off x="1258920" y="1852920"/>
-            <a:ext cx="7061760" cy="4547520"/>
-          </a:xfrm>
-          <a:prstGeom prst="rect">
-            <a:avLst/>
-          </a:prstGeom>
-          <a:ln>
-            <a:noFill/>
-          </a:ln>
-        </p:spPr>
-      </p:pic>
     </p:spTree>
   </p:cSld>
+  <p:clrMapOvr>
+    <a:masterClrMapping/>
+  </p:clrMapOvr>
   <p:timing>
     <p:tnLst>
       <p:par>
-        <p:cTn id="23" dur="indefinite" restart="never" nodeType="tmRoot">
+        <p:cTn id="1" dur="indefinite" restart="never" nodeType="tmRoot">
           <p:childTnLst>
             <p:seq>
-              <p:cTn id="24" nodeType="mainSeq"/>
+              <p:cTn id="2" nodeType="mainSeq"/>
               <p:prevCondLst>
-                <p:cond delay="0" evt="onPrev">
+                <p:cond evt="onPrev" delay="0">
                   <p:tgtEl>
                     <p:sldTgt/>
                   </p:tgtEl>
                 </p:cond>
               </p:prevCondLst>
               <p:nextCondLst>
-                <p:cond delay="0" evt="onNext">
+                <p:cond evt="onNext" delay="0">
                   <p:tgtEl>
                     <p:sldTgt/>
                   </p:tgtEl>
@@ -3948,7 +4882,7 @@
 </file>
 
 <file path=ppt/slides/slide13.xml><?xml version="1.0" encoding="utf-8"?>
-<p:sld xmlns:a="http://schemas.openxmlformats.org/drawingml/2006/main" xmlns:p="http://schemas.openxmlformats.org/presentationml/2006/main" xmlns:r="http://schemas.openxmlformats.org/officeDocument/2006/relationships">
+<p:sld xmlns:a="http://schemas.openxmlformats.org/drawingml/2006/main" xmlns:r="http://schemas.openxmlformats.org/officeDocument/2006/relationships" xmlns:p="http://schemas.openxmlformats.org/presentationml/2006/main">
   <p:cSld>
     <p:spTree>
       <p:nvGrpSpPr>
@@ -3966,7 +4900,7 @@
       </p:grpSpPr>
       <p:sp>
         <p:nvSpPr>
-          <p:cNvPr id="120" name="CustomShape 1"/>
+          <p:cNvPr id="118" name="CustomShape 1"/>
           <p:cNvSpPr/>
           <p:nvPr/>
         </p:nvSpPr>
@@ -3984,7 +4918,8 @@
           </a:ln>
         </p:spPr>
         <p:txBody>
-          <a:bodyPr lIns="90000" rIns="90000" tIns="45000" bIns="45000" anchor="ctr"/>
+          <a:bodyPr lIns="90000" tIns="45000" rIns="90000" bIns="45000" anchor="ctr"/>
+          <a:lstStyle/>
           <a:p>
             <a:pPr algn="ctr">
               <a:lnSpc>
@@ -3994,7 +4929,7 @@
             <a:r>
               <a:rPr lang="en-US" sz="4400">
                 <a:solidFill>
-                  <a:srgbClr val="ffffff"/>
+                  <a:srgbClr val="FFFFFF"/>
                 </a:solidFill>
               </a:rPr>
               <a:t>Teamcrop</a:t>
@@ -4005,20 +4940,20 @@
       </p:sp>
       <p:pic>
         <p:nvPicPr>
-          <p:cNvPr id="121" name="" descr=""/>
+          <p:cNvPr id="119" name="Picture 118"/>
           <p:cNvPicPr/>
           <p:nvPr/>
         </p:nvPicPr>
         <p:blipFill>
-          <a:blip r:embed="rId1"/>
+          <a:blip r:embed="rId2"/>
           <a:stretch>
             <a:fillRect/>
           </a:stretch>
         </p:blipFill>
         <p:spPr>
           <a:xfrm>
-            <a:off x="1005840" y="1828800"/>
-            <a:ext cx="7497720" cy="4480200"/>
+            <a:off x="1258920" y="1852920"/>
+            <a:ext cx="7061760" cy="4547520"/>
           </a:xfrm>
           <a:prstGeom prst="rect">
             <a:avLst/>
@@ -4030,22 +4965,25 @@
       </p:pic>
     </p:spTree>
   </p:cSld>
+  <p:clrMapOvr>
+    <a:masterClrMapping/>
+  </p:clrMapOvr>
   <p:timing>
     <p:tnLst>
       <p:par>
-        <p:cTn id="25" dur="indefinite" restart="never" nodeType="tmRoot">
+        <p:cTn id="1" dur="indefinite" restart="never" nodeType="tmRoot">
           <p:childTnLst>
             <p:seq>
-              <p:cTn id="26" nodeType="mainSeq"/>
+              <p:cTn id="2" nodeType="mainSeq"/>
               <p:prevCondLst>
-                <p:cond delay="0" evt="onPrev">
+                <p:cond evt="onPrev" delay="0">
                   <p:tgtEl>
                     <p:sldTgt/>
                   </p:tgtEl>
                 </p:cond>
               </p:prevCondLst>
               <p:nextCondLst>
-                <p:cond delay="0" evt="onNext">
+                <p:cond evt="onNext" delay="0">
                   <p:tgtEl>
                     <p:sldTgt/>
                   </p:tgtEl>
@@ -4061,7 +4999,7 @@
 </file>
 
 <file path=ppt/slides/slide14.xml><?xml version="1.0" encoding="utf-8"?>
-<p:sld xmlns:a="http://schemas.openxmlformats.org/drawingml/2006/main" xmlns:p="http://schemas.openxmlformats.org/presentationml/2006/main" xmlns:r="http://schemas.openxmlformats.org/officeDocument/2006/relationships">
+<p:sld xmlns:a="http://schemas.openxmlformats.org/drawingml/2006/main" xmlns:r="http://schemas.openxmlformats.org/officeDocument/2006/relationships" xmlns:p="http://schemas.openxmlformats.org/presentationml/2006/main">
   <p:cSld>
     <p:spTree>
       <p:nvGrpSpPr>
@@ -4079,7 +5017,7 @@
       </p:grpSpPr>
       <p:sp>
         <p:nvSpPr>
-          <p:cNvPr id="122" name="CustomShape 1"/>
+          <p:cNvPr id="120" name="CustomShape 1"/>
           <p:cNvSpPr/>
           <p:nvPr/>
         </p:nvSpPr>
@@ -4097,7 +5035,8 @@
           </a:ln>
         </p:spPr>
         <p:txBody>
-          <a:bodyPr lIns="90000" rIns="90000" tIns="45000" bIns="45000" anchor="ctr"/>
+          <a:bodyPr lIns="90000" tIns="45000" rIns="90000" bIns="45000" anchor="ctr"/>
+          <a:lstStyle/>
           <a:p>
             <a:pPr algn="ctr">
               <a:lnSpc>
@@ -4107,7 +5046,7 @@
             <a:r>
               <a:rPr lang="en-US" sz="4400">
                 <a:solidFill>
-                  <a:srgbClr val="ffffff"/>
+                  <a:srgbClr val="FFFFFF"/>
                 </a:solidFill>
               </a:rPr>
               <a:t>Teamcrop</a:t>
@@ -4118,20 +5057,20 @@
       </p:sp>
       <p:pic>
         <p:nvPicPr>
-          <p:cNvPr id="123" name="" descr=""/>
+          <p:cNvPr id="121" name="Picture 120"/>
           <p:cNvPicPr/>
           <p:nvPr/>
         </p:nvPicPr>
         <p:blipFill>
-          <a:blip r:embed="rId1"/>
+          <a:blip r:embed="rId2"/>
           <a:stretch>
             <a:fillRect/>
           </a:stretch>
         </p:blipFill>
         <p:spPr>
           <a:xfrm>
-            <a:off x="1258920" y="1852920"/>
-            <a:ext cx="6625440" cy="3724560"/>
+            <a:off x="1005840" y="1828800"/>
+            <a:ext cx="7497720" cy="4480200"/>
           </a:xfrm>
           <a:prstGeom prst="rect">
             <a:avLst/>
@@ -4143,22 +5082,25 @@
       </p:pic>
     </p:spTree>
   </p:cSld>
+  <p:clrMapOvr>
+    <a:masterClrMapping/>
+  </p:clrMapOvr>
   <p:timing>
     <p:tnLst>
       <p:par>
-        <p:cTn id="27" dur="indefinite" restart="never" nodeType="tmRoot">
+        <p:cTn id="1" dur="indefinite" restart="never" nodeType="tmRoot">
           <p:childTnLst>
             <p:seq>
-              <p:cTn id="28" nodeType="mainSeq"/>
+              <p:cTn id="2" nodeType="mainSeq"/>
               <p:prevCondLst>
-                <p:cond delay="0" evt="onPrev">
+                <p:cond evt="onPrev" delay="0">
                   <p:tgtEl>
                     <p:sldTgt/>
                   </p:tgtEl>
                 </p:cond>
               </p:prevCondLst>
               <p:nextCondLst>
-                <p:cond delay="0" evt="onNext">
+                <p:cond evt="onNext" delay="0">
                   <p:tgtEl>
                     <p:sldTgt/>
                   </p:tgtEl>
@@ -4174,7 +5116,7 @@
 </file>
 
 <file path=ppt/slides/slide15.xml><?xml version="1.0" encoding="utf-8"?>
-<p:sld xmlns:a="http://schemas.openxmlformats.org/drawingml/2006/main" xmlns:p="http://schemas.openxmlformats.org/presentationml/2006/main" xmlns:r="http://schemas.openxmlformats.org/officeDocument/2006/relationships">
+<p:sld xmlns:a="http://schemas.openxmlformats.org/drawingml/2006/main" xmlns:r="http://schemas.openxmlformats.org/officeDocument/2006/relationships" xmlns:p="http://schemas.openxmlformats.org/presentationml/2006/main">
   <p:cSld>
     <p:spTree>
       <p:nvGrpSpPr>
@@ -4192,7 +5134,7 @@
       </p:grpSpPr>
       <p:sp>
         <p:nvSpPr>
-          <p:cNvPr id="124" name="CustomShape 1"/>
+          <p:cNvPr id="122" name="CustomShape 1"/>
           <p:cNvSpPr/>
           <p:nvPr/>
         </p:nvSpPr>
@@ -4210,7 +5152,8 @@
           </a:ln>
         </p:spPr>
         <p:txBody>
-          <a:bodyPr lIns="90000" rIns="90000" tIns="45000" bIns="45000" anchor="ctr"/>
+          <a:bodyPr lIns="90000" tIns="45000" rIns="90000" bIns="45000" anchor="ctr"/>
+          <a:lstStyle/>
           <a:p>
             <a:pPr algn="ctr">
               <a:lnSpc>
@@ -4220,7 +5163,7 @@
             <a:r>
               <a:rPr lang="en-US" sz="4400">
                 <a:solidFill>
-                  <a:srgbClr val="ffffff"/>
+                  <a:srgbClr val="FFFFFF"/>
                 </a:solidFill>
               </a:rPr>
               <a:t>Teamcrop</a:t>
@@ -4231,20 +5174,20 @@
       </p:sp>
       <p:pic>
         <p:nvPicPr>
-          <p:cNvPr id="125" name="" descr=""/>
+          <p:cNvPr id="123" name="Picture 122"/>
           <p:cNvPicPr/>
           <p:nvPr/>
         </p:nvPicPr>
         <p:blipFill>
-          <a:blip r:embed="rId1"/>
+          <a:blip r:embed="rId2"/>
           <a:stretch>
             <a:fillRect/>
           </a:stretch>
         </p:blipFill>
         <p:spPr>
           <a:xfrm>
-            <a:off x="640080" y="1682280"/>
-            <a:ext cx="7863480" cy="4626720"/>
+            <a:off x="1258920" y="1852920"/>
+            <a:ext cx="6625440" cy="3724560"/>
           </a:xfrm>
           <a:prstGeom prst="rect">
             <a:avLst/>
@@ -4256,22 +5199,25 @@
       </p:pic>
     </p:spTree>
   </p:cSld>
+  <p:clrMapOvr>
+    <a:masterClrMapping/>
+  </p:clrMapOvr>
   <p:timing>
     <p:tnLst>
       <p:par>
-        <p:cTn id="29" dur="indefinite" restart="never" nodeType="tmRoot">
+        <p:cTn id="1" dur="indefinite" restart="never" nodeType="tmRoot">
           <p:childTnLst>
             <p:seq>
-              <p:cTn id="30" nodeType="mainSeq"/>
+              <p:cTn id="2" nodeType="mainSeq"/>
               <p:prevCondLst>
-                <p:cond delay="0" evt="onPrev">
+                <p:cond evt="onPrev" delay="0">
                   <p:tgtEl>
                     <p:sldTgt/>
                   </p:tgtEl>
                 </p:cond>
               </p:prevCondLst>
               <p:nextCondLst>
-                <p:cond delay="0" evt="onNext">
+                <p:cond evt="onNext" delay="0">
                   <p:tgtEl>
                     <p:sldTgt/>
                   </p:tgtEl>
@@ -4287,7 +5233,7 @@
 </file>
 
 <file path=ppt/slides/slide16.xml><?xml version="1.0" encoding="utf-8"?>
-<p:sld xmlns:a="http://schemas.openxmlformats.org/drawingml/2006/main" xmlns:p="http://schemas.openxmlformats.org/presentationml/2006/main" xmlns:r="http://schemas.openxmlformats.org/officeDocument/2006/relationships">
+<p:sld xmlns:a="http://schemas.openxmlformats.org/drawingml/2006/main" xmlns:r="http://schemas.openxmlformats.org/officeDocument/2006/relationships" xmlns:p="http://schemas.openxmlformats.org/presentationml/2006/main">
   <p:cSld>
     <p:spTree>
       <p:nvGrpSpPr>
@@ -4305,7 +5251,7 @@
       </p:grpSpPr>
       <p:sp>
         <p:nvSpPr>
-          <p:cNvPr id="126" name="CustomShape 1"/>
+          <p:cNvPr id="124" name="CustomShape 1"/>
           <p:cNvSpPr/>
           <p:nvPr/>
         </p:nvSpPr>
@@ -4323,7 +5269,8 @@
           </a:ln>
         </p:spPr>
         <p:txBody>
-          <a:bodyPr lIns="90000" rIns="90000" tIns="45000" bIns="45000" anchor="ctr"/>
+          <a:bodyPr lIns="90000" tIns="45000" rIns="90000" bIns="45000" anchor="ctr"/>
+          <a:lstStyle/>
           <a:p>
             <a:pPr algn="ctr">
               <a:lnSpc>
@@ -4333,10 +5280,10 @@
             <a:r>
               <a:rPr lang="en-US" sz="4400">
                 <a:solidFill>
-                  <a:srgbClr val="ffffff"/>
+                  <a:srgbClr val="FFFFFF"/>
                 </a:solidFill>
               </a:rPr>
-              <a:t>UML</a:t>
+              <a:t>Teamcrop</a:t>
             </a:r>
             <a:endParaRPr/>
           </a:p>
@@ -4344,20 +5291,20 @@
       </p:sp>
       <p:pic>
         <p:nvPicPr>
-          <p:cNvPr id="127" name="" descr=""/>
+          <p:cNvPr id="125" name="Picture 124"/>
           <p:cNvPicPr/>
           <p:nvPr/>
         </p:nvPicPr>
         <p:blipFill>
-          <a:blip r:embed="rId1"/>
+          <a:blip r:embed="rId2"/>
           <a:stretch>
             <a:fillRect/>
           </a:stretch>
         </p:blipFill>
         <p:spPr>
           <a:xfrm>
-            <a:off x="155880" y="1554480"/>
-            <a:ext cx="8838360" cy="5535360"/>
+            <a:off x="640080" y="1682280"/>
+            <a:ext cx="7863480" cy="4626720"/>
           </a:xfrm>
           <a:prstGeom prst="rect">
             <a:avLst/>
@@ -4369,22 +5316,25 @@
       </p:pic>
     </p:spTree>
   </p:cSld>
+  <p:clrMapOvr>
+    <a:masterClrMapping/>
+  </p:clrMapOvr>
   <p:timing>
     <p:tnLst>
       <p:par>
-        <p:cTn id="31" dur="indefinite" restart="never" nodeType="tmRoot">
+        <p:cTn id="1" dur="indefinite" restart="never" nodeType="tmRoot">
           <p:childTnLst>
             <p:seq>
-              <p:cTn id="32" nodeType="mainSeq"/>
+              <p:cTn id="2" nodeType="mainSeq"/>
               <p:prevCondLst>
-                <p:cond delay="0" evt="onPrev">
+                <p:cond evt="onPrev" delay="0">
                   <p:tgtEl>
                     <p:sldTgt/>
                   </p:tgtEl>
                 </p:cond>
               </p:prevCondLst>
               <p:nextCondLst>
-                <p:cond delay="0" evt="onNext">
+                <p:cond evt="onNext" delay="0">
                   <p:tgtEl>
                     <p:sldTgt/>
                   </p:tgtEl>
@@ -4400,7 +5350,7 @@
 </file>
 
 <file path=ppt/slides/slide17.xml><?xml version="1.0" encoding="utf-8"?>
-<p:sld xmlns:a="http://schemas.openxmlformats.org/drawingml/2006/main" xmlns:p="http://schemas.openxmlformats.org/presentationml/2006/main" xmlns:r="http://schemas.openxmlformats.org/officeDocument/2006/relationships">
+<p:sld xmlns:a="http://schemas.openxmlformats.org/drawingml/2006/main" xmlns:r="http://schemas.openxmlformats.org/officeDocument/2006/relationships" xmlns:p="http://schemas.openxmlformats.org/presentationml/2006/main">
   <p:cSld>
     <p:spTree>
       <p:nvGrpSpPr>
@@ -4418,7 +5368,7 @@
       </p:grpSpPr>
       <p:sp>
         <p:nvSpPr>
-          <p:cNvPr id="128" name="CustomShape 1"/>
+          <p:cNvPr id="126" name="CustomShape 1"/>
           <p:cNvSpPr/>
           <p:nvPr/>
         </p:nvSpPr>
@@ -4436,7 +5386,8 @@
           </a:ln>
         </p:spPr>
         <p:txBody>
-          <a:bodyPr lIns="90000" rIns="90000" tIns="45000" bIns="45000" anchor="ctr"/>
+          <a:bodyPr lIns="90000" tIns="45000" rIns="90000" bIns="45000" anchor="ctr"/>
+          <a:lstStyle/>
           <a:p>
             <a:pPr algn="ctr">
               <a:lnSpc>
@@ -4446,7 +5397,7 @@
             <a:r>
               <a:rPr lang="en-US" sz="4400">
                 <a:solidFill>
-                  <a:srgbClr val="ffffff"/>
+                  <a:srgbClr val="FFFFFF"/>
                 </a:solidFill>
               </a:rPr>
               <a:t>UML</a:t>
@@ -4457,20 +5408,20 @@
       </p:sp>
       <p:pic>
         <p:nvPicPr>
-          <p:cNvPr id="129" name="" descr=""/>
+          <p:cNvPr id="127" name="Picture 126"/>
           <p:cNvPicPr/>
           <p:nvPr/>
         </p:nvPicPr>
         <p:blipFill>
-          <a:blip r:embed="rId1"/>
+          <a:blip r:embed="rId2"/>
           <a:stretch>
             <a:fillRect/>
           </a:stretch>
         </p:blipFill>
         <p:spPr>
           <a:xfrm>
-            <a:off x="3240" y="1489320"/>
-            <a:ext cx="9143280" cy="4896360"/>
+            <a:off x="155880" y="1554480"/>
+            <a:ext cx="8838360" cy="5535360"/>
           </a:xfrm>
           <a:prstGeom prst="rect">
             <a:avLst/>
@@ -4482,22 +5433,25 @@
       </p:pic>
     </p:spTree>
   </p:cSld>
+  <p:clrMapOvr>
+    <a:masterClrMapping/>
+  </p:clrMapOvr>
   <p:timing>
     <p:tnLst>
       <p:par>
-        <p:cTn id="33" dur="indefinite" restart="never" nodeType="tmRoot">
+        <p:cTn id="1" dur="indefinite" restart="never" nodeType="tmRoot">
           <p:childTnLst>
             <p:seq>
-              <p:cTn id="34" nodeType="mainSeq"/>
+              <p:cTn id="2" nodeType="mainSeq"/>
               <p:prevCondLst>
-                <p:cond delay="0" evt="onPrev">
+                <p:cond evt="onPrev" delay="0">
                   <p:tgtEl>
                     <p:sldTgt/>
                   </p:tgtEl>
                 </p:cond>
               </p:prevCondLst>
               <p:nextCondLst>
-                <p:cond delay="0" evt="onNext">
+                <p:cond evt="onNext" delay="0">
                   <p:tgtEl>
                     <p:sldTgt/>
                   </p:tgtEl>
@@ -4513,7 +5467,7 @@
 </file>
 
 <file path=ppt/slides/slide18.xml><?xml version="1.0" encoding="utf-8"?>
-<p:sld xmlns:a="http://schemas.openxmlformats.org/drawingml/2006/main" xmlns:p="http://schemas.openxmlformats.org/presentationml/2006/main" xmlns:r="http://schemas.openxmlformats.org/officeDocument/2006/relationships">
+<p:sld xmlns:a="http://schemas.openxmlformats.org/drawingml/2006/main" xmlns:r="http://schemas.openxmlformats.org/officeDocument/2006/relationships" xmlns:p="http://schemas.openxmlformats.org/presentationml/2006/main">
   <p:cSld>
     <p:spTree>
       <p:nvGrpSpPr>
@@ -4531,7 +5485,7 @@
       </p:grpSpPr>
       <p:sp>
         <p:nvSpPr>
-          <p:cNvPr id="130" name="CustomShape 1"/>
+          <p:cNvPr id="128" name="CustomShape 1"/>
           <p:cNvSpPr/>
           <p:nvPr/>
         </p:nvSpPr>
@@ -4549,7 +5503,8 @@
           </a:ln>
         </p:spPr>
         <p:txBody>
-          <a:bodyPr lIns="90000" rIns="90000" tIns="45000" bIns="45000" anchor="ctr"/>
+          <a:bodyPr lIns="90000" tIns="45000" rIns="90000" bIns="45000" anchor="ctr"/>
+          <a:lstStyle/>
           <a:p>
             <a:pPr algn="ctr">
               <a:lnSpc>
@@ -4559,7 +5514,7 @@
             <a:r>
               <a:rPr lang="en-US" sz="4400">
                 <a:solidFill>
-                  <a:srgbClr val="ffffff"/>
+                  <a:srgbClr val="FFFFFF"/>
                 </a:solidFill>
               </a:rPr>
               <a:t>UML</a:t>
@@ -4570,20 +5525,20 @@
       </p:sp>
       <p:pic>
         <p:nvPicPr>
-          <p:cNvPr id="131" name="" descr=""/>
+          <p:cNvPr id="129" name="Picture 128"/>
           <p:cNvPicPr/>
           <p:nvPr/>
         </p:nvPicPr>
         <p:blipFill>
-          <a:blip r:embed="rId1"/>
+          <a:blip r:embed="rId2"/>
           <a:stretch>
             <a:fillRect/>
           </a:stretch>
         </p:blipFill>
         <p:spPr>
           <a:xfrm>
-            <a:off x="1097280" y="2339640"/>
-            <a:ext cx="6981120" cy="3695040"/>
+            <a:off x="3240" y="1489320"/>
+            <a:ext cx="9143280" cy="4896360"/>
           </a:xfrm>
           <a:prstGeom prst="rect">
             <a:avLst/>
@@ -4595,22 +5550,25 @@
       </p:pic>
     </p:spTree>
   </p:cSld>
+  <p:clrMapOvr>
+    <a:masterClrMapping/>
+  </p:clrMapOvr>
   <p:timing>
     <p:tnLst>
       <p:par>
-        <p:cTn id="35" dur="indefinite" restart="never" nodeType="tmRoot">
+        <p:cTn id="1" dur="indefinite" restart="never" nodeType="tmRoot">
           <p:childTnLst>
             <p:seq>
-              <p:cTn id="36" nodeType="mainSeq"/>
+              <p:cTn id="2" nodeType="mainSeq"/>
               <p:prevCondLst>
-                <p:cond delay="0" evt="onPrev">
+                <p:cond evt="onPrev" delay="0">
                   <p:tgtEl>
                     <p:sldTgt/>
                   </p:tgtEl>
                 </p:cond>
               </p:prevCondLst>
               <p:nextCondLst>
-                <p:cond delay="0" evt="onNext">
+                <p:cond evt="onNext" delay="0">
                   <p:tgtEl>
                     <p:sldTgt/>
                   </p:tgtEl>
@@ -4626,7 +5584,7 @@
 </file>
 
 <file path=ppt/slides/slide19.xml><?xml version="1.0" encoding="utf-8"?>
-<p:sld xmlns:a="http://schemas.openxmlformats.org/drawingml/2006/main" xmlns:p="http://schemas.openxmlformats.org/presentationml/2006/main" xmlns:r="http://schemas.openxmlformats.org/officeDocument/2006/relationships">
+<p:sld xmlns:a="http://schemas.openxmlformats.org/drawingml/2006/main" xmlns:r="http://schemas.openxmlformats.org/officeDocument/2006/relationships" xmlns:p="http://schemas.openxmlformats.org/presentationml/2006/main">
   <p:cSld>
     <p:spTree>
       <p:nvGrpSpPr>
@@ -4644,7 +5602,7 @@
       </p:grpSpPr>
       <p:sp>
         <p:nvSpPr>
-          <p:cNvPr id="132" name="CustomShape 1"/>
+          <p:cNvPr id="130" name="CustomShape 1"/>
           <p:cNvSpPr/>
           <p:nvPr/>
         </p:nvSpPr>
@@ -4662,7 +5620,8 @@
           </a:ln>
         </p:spPr>
         <p:txBody>
-          <a:bodyPr lIns="90000" rIns="90000" tIns="45000" bIns="45000" anchor="ctr"/>
+          <a:bodyPr lIns="90000" tIns="45000" rIns="90000" bIns="45000" anchor="ctr"/>
+          <a:lstStyle/>
           <a:p>
             <a:pPr algn="ctr">
               <a:lnSpc>
@@ -4672,7 +5631,7 @@
             <a:r>
               <a:rPr lang="en-US" sz="4400">
                 <a:solidFill>
-                  <a:srgbClr val="ffffff"/>
+                  <a:srgbClr val="FFFFFF"/>
                 </a:solidFill>
               </a:rPr>
               <a:t>UML</a:t>
@@ -4683,20 +5642,20 @@
       </p:sp>
       <p:pic>
         <p:nvPicPr>
-          <p:cNvPr id="133" name="" descr=""/>
+          <p:cNvPr id="131" name="Picture 130"/>
           <p:cNvPicPr/>
           <p:nvPr/>
         </p:nvPicPr>
         <p:blipFill>
-          <a:blip r:embed="rId1"/>
+          <a:blip r:embed="rId2"/>
           <a:stretch>
             <a:fillRect/>
           </a:stretch>
         </p:blipFill>
         <p:spPr>
           <a:xfrm>
-            <a:off x="3240" y="1794240"/>
-            <a:ext cx="9143280" cy="4286160"/>
+            <a:off x="1097280" y="2339640"/>
+            <a:ext cx="6981120" cy="3695040"/>
           </a:xfrm>
           <a:prstGeom prst="rect">
             <a:avLst/>
@@ -4708,22 +5667,25 @@
       </p:pic>
     </p:spTree>
   </p:cSld>
+  <p:clrMapOvr>
+    <a:masterClrMapping/>
+  </p:clrMapOvr>
   <p:timing>
     <p:tnLst>
       <p:par>
-        <p:cTn id="37" dur="indefinite" restart="never" nodeType="tmRoot">
+        <p:cTn id="1" dur="indefinite" restart="never" nodeType="tmRoot">
           <p:childTnLst>
             <p:seq>
-              <p:cTn id="38" nodeType="mainSeq"/>
+              <p:cTn id="2" nodeType="mainSeq"/>
               <p:prevCondLst>
-                <p:cond delay="0" evt="onPrev">
+                <p:cond evt="onPrev" delay="0">
                   <p:tgtEl>
                     <p:sldTgt/>
                   </p:tgtEl>
                 </p:cond>
               </p:prevCondLst>
               <p:nextCondLst>
-                <p:cond delay="0" evt="onNext">
+                <p:cond evt="onNext" delay="0">
                   <p:tgtEl>
                     <p:sldTgt/>
                   </p:tgtEl>
@@ -4739,7 +5701,7 @@
 </file>
 
 <file path=ppt/slides/slide2.xml><?xml version="1.0" encoding="utf-8"?>
-<p:sld xmlns:a="http://schemas.openxmlformats.org/drawingml/2006/main" xmlns:p="http://schemas.openxmlformats.org/presentationml/2006/main" xmlns:r="http://schemas.openxmlformats.org/officeDocument/2006/relationships">
+<p:sld xmlns:a="http://schemas.openxmlformats.org/drawingml/2006/main" xmlns:r="http://schemas.openxmlformats.org/officeDocument/2006/relationships" xmlns:p="http://schemas.openxmlformats.org/presentationml/2006/main">
   <p:cSld>
     <p:spTree>
       <p:nvGrpSpPr>
@@ -4775,7 +5737,8 @@
           </a:ln>
         </p:spPr>
         <p:txBody>
-          <a:bodyPr lIns="90000" rIns="90000" tIns="45000" bIns="45000"/>
+          <a:bodyPr lIns="90000" tIns="45000" rIns="90000" bIns="45000"/>
+          <a:lstStyle/>
           <a:p>
             <a:pPr>
               <a:lnSpc>
@@ -4787,7 +5750,7 @@
             <a:r>
               <a:rPr lang="en-US" sz="2400">
                 <a:solidFill>
-                  <a:srgbClr val="073e87"/>
+                  <a:srgbClr val="073E87"/>
                 </a:solidFill>
                 <a:latin typeface="Candara"/>
               </a:rPr>
@@ -4806,7 +5769,7 @@
             <a:r>
               <a:rPr lang="en-US" sz="2400">
                 <a:solidFill>
-                  <a:srgbClr val="073e87"/>
+                  <a:srgbClr val="073E87"/>
                 </a:solidFill>
                 <a:latin typeface="Candara"/>
               </a:rPr>
@@ -4825,7 +5788,7 @@
             <a:r>
               <a:rPr lang="en-US" sz="2400">
                 <a:solidFill>
-                  <a:srgbClr val="073e87"/>
+                  <a:srgbClr val="073E87"/>
                 </a:solidFill>
                 <a:latin typeface="Candara"/>
               </a:rPr>
@@ -4844,7 +5807,7 @@
             <a:r>
               <a:rPr lang="en-US" sz="2400">
                 <a:solidFill>
-                  <a:srgbClr val="073e87"/>
+                  <a:srgbClr val="073E87"/>
                 </a:solidFill>
                 <a:latin typeface="Candara"/>
               </a:rPr>
@@ -4863,7 +5826,7 @@
             <a:r>
               <a:rPr lang="en-US" sz="2400">
                 <a:solidFill>
-                  <a:srgbClr val="073e87"/>
+                  <a:srgbClr val="073E87"/>
                 </a:solidFill>
                 <a:latin typeface="Candara"/>
               </a:rPr>
@@ -4893,7 +5856,8 @@
           </a:ln>
         </p:spPr>
         <p:txBody>
-          <a:bodyPr lIns="90000" rIns="90000" tIns="45000" bIns="45000" anchor="ctr"/>
+          <a:bodyPr lIns="90000" tIns="45000" rIns="90000" bIns="45000" anchor="ctr"/>
+          <a:lstStyle/>
           <a:p>
             <a:pPr algn="ctr">
               <a:lnSpc>
@@ -4903,7 +5867,7 @@
             <a:r>
               <a:rPr lang="en-US" sz="4400">
                 <a:solidFill>
-                  <a:srgbClr val="ffffff"/>
+                  <a:srgbClr val="FFFFFF"/>
                 </a:solidFill>
                 <a:latin typeface="Candara"/>
               </a:rPr>
@@ -4915,22 +5879,25 @@
       </p:sp>
     </p:spTree>
   </p:cSld>
+  <p:clrMapOvr>
+    <a:masterClrMapping/>
+  </p:clrMapOvr>
   <p:timing>
     <p:tnLst>
       <p:par>
-        <p:cTn id="3" dur="indefinite" restart="never" nodeType="tmRoot">
+        <p:cTn id="1" dur="indefinite" restart="never" nodeType="tmRoot">
           <p:childTnLst>
             <p:seq>
-              <p:cTn id="4" nodeType="mainSeq"/>
+              <p:cTn id="2" nodeType="mainSeq"/>
               <p:prevCondLst>
-                <p:cond delay="0" evt="onPrev">
+                <p:cond evt="onPrev" delay="0">
                   <p:tgtEl>
                     <p:sldTgt/>
                   </p:tgtEl>
                 </p:cond>
               </p:prevCondLst>
               <p:nextCondLst>
-                <p:cond delay="0" evt="onNext">
+                <p:cond evt="onNext" delay="0">
                   <p:tgtEl>
                     <p:sldTgt/>
                   </p:tgtEl>
@@ -4946,7 +5913,7 @@
 </file>
 
 <file path=ppt/slides/slide20.xml><?xml version="1.0" encoding="utf-8"?>
-<p:sld xmlns:a="http://schemas.openxmlformats.org/drawingml/2006/main" xmlns:p="http://schemas.openxmlformats.org/presentationml/2006/main" xmlns:r="http://schemas.openxmlformats.org/officeDocument/2006/relationships">
+<p:sld xmlns:a="http://schemas.openxmlformats.org/drawingml/2006/main" xmlns:r="http://schemas.openxmlformats.org/officeDocument/2006/relationships" xmlns:p="http://schemas.openxmlformats.org/presentationml/2006/main">
   <p:cSld>
     <p:spTree>
       <p:nvGrpSpPr>
@@ -4964,7 +5931,7 @@
       </p:grpSpPr>
       <p:sp>
         <p:nvSpPr>
-          <p:cNvPr id="134" name="CustomShape 1"/>
+          <p:cNvPr id="132" name="CustomShape 1"/>
           <p:cNvSpPr/>
           <p:nvPr/>
         </p:nvSpPr>
@@ -4982,7 +5949,8 @@
           </a:ln>
         </p:spPr>
         <p:txBody>
-          <a:bodyPr lIns="90000" rIns="90000" tIns="45000" bIns="45000" anchor="ctr"/>
+          <a:bodyPr lIns="90000" tIns="45000" rIns="90000" bIns="45000" anchor="ctr"/>
+          <a:lstStyle/>
           <a:p>
             <a:pPr algn="ctr">
               <a:lnSpc>
@@ -4992,10 +5960,10 @@
             <a:r>
               <a:rPr lang="en-US" sz="4400">
                 <a:solidFill>
-                  <a:srgbClr val="ffffff"/>
+                  <a:srgbClr val="FFFFFF"/>
                 </a:solidFill>
               </a:rPr>
-              <a:t>Lint</a:t>
+              <a:t>UML</a:t>
             </a:r>
             <a:endParaRPr/>
           </a:p>
@@ -5003,20 +5971,20 @@
       </p:sp>
       <p:pic>
         <p:nvPicPr>
-          <p:cNvPr id="135" name="" descr=""/>
+          <p:cNvPr id="133" name="Picture 132"/>
           <p:cNvPicPr/>
           <p:nvPr/>
         </p:nvPicPr>
         <p:blipFill>
-          <a:blip r:embed="rId1"/>
+          <a:blip r:embed="rId2"/>
           <a:stretch>
             <a:fillRect/>
           </a:stretch>
         </p:blipFill>
         <p:spPr>
           <a:xfrm>
-            <a:off x="1415880" y="1280160"/>
-            <a:ext cx="6447600" cy="5465520"/>
+            <a:off x="3240" y="1794240"/>
+            <a:ext cx="9143280" cy="4286160"/>
           </a:xfrm>
           <a:prstGeom prst="rect">
             <a:avLst/>
@@ -5028,22 +5996,25 @@
       </p:pic>
     </p:spTree>
   </p:cSld>
+  <p:clrMapOvr>
+    <a:masterClrMapping/>
+  </p:clrMapOvr>
   <p:timing>
     <p:tnLst>
       <p:par>
-        <p:cTn id="39" dur="indefinite" restart="never" nodeType="tmRoot">
+        <p:cTn id="1" dur="indefinite" restart="never" nodeType="tmRoot">
           <p:childTnLst>
             <p:seq>
-              <p:cTn id="40" nodeType="mainSeq"/>
+              <p:cTn id="2" nodeType="mainSeq"/>
               <p:prevCondLst>
-                <p:cond delay="0" evt="onPrev">
+                <p:cond evt="onPrev" delay="0">
                   <p:tgtEl>
                     <p:sldTgt/>
                   </p:tgtEl>
                 </p:cond>
               </p:prevCondLst>
               <p:nextCondLst>
-                <p:cond delay="0" evt="onNext">
+                <p:cond evt="onNext" delay="0">
                   <p:tgtEl>
                     <p:sldTgt/>
                   </p:tgtEl>
@@ -5059,7 +6030,7 @@
 </file>
 
 <file path=ppt/slides/slide21.xml><?xml version="1.0" encoding="utf-8"?>
-<p:sld xmlns:a="http://schemas.openxmlformats.org/drawingml/2006/main" xmlns:p="http://schemas.openxmlformats.org/presentationml/2006/main" xmlns:r="http://schemas.openxmlformats.org/officeDocument/2006/relationships">
+<p:sld xmlns:a="http://schemas.openxmlformats.org/drawingml/2006/main" xmlns:r="http://schemas.openxmlformats.org/officeDocument/2006/relationships" xmlns:p="http://schemas.openxmlformats.org/presentationml/2006/main">
   <p:cSld>
     <p:spTree>
       <p:nvGrpSpPr>
@@ -5077,7 +6048,7 @@
       </p:grpSpPr>
       <p:sp>
         <p:nvSpPr>
-          <p:cNvPr id="136" name="CustomShape 1"/>
+          <p:cNvPr id="134" name="CustomShape 1"/>
           <p:cNvSpPr/>
           <p:nvPr/>
         </p:nvSpPr>
@@ -5095,7 +6066,8 @@
           </a:ln>
         </p:spPr>
         <p:txBody>
-          <a:bodyPr lIns="90000" rIns="90000" tIns="45000" bIns="45000" anchor="ctr"/>
+          <a:bodyPr lIns="90000" tIns="45000" rIns="90000" bIns="45000" anchor="ctr"/>
+          <a:lstStyle/>
           <a:p>
             <a:pPr algn="ctr">
               <a:lnSpc>
@@ -5105,10 +6077,10 @@
             <a:r>
               <a:rPr lang="en-US" sz="4400">
                 <a:solidFill>
-                  <a:srgbClr val="ffffff"/>
+                  <a:srgbClr val="FFFFFF"/>
                 </a:solidFill>
               </a:rPr>
-              <a:t>Testing</a:t>
+              <a:t>Lint</a:t>
             </a:r>
             <a:endParaRPr/>
           </a:p>
@@ -5116,20 +6088,20 @@
       </p:sp>
       <p:pic>
         <p:nvPicPr>
-          <p:cNvPr id="137" name="" descr=""/>
+          <p:cNvPr id="135" name="Picture 134"/>
           <p:cNvPicPr/>
           <p:nvPr/>
         </p:nvPicPr>
         <p:blipFill>
-          <a:blip r:embed="rId1"/>
+          <a:blip r:embed="rId2"/>
           <a:stretch>
             <a:fillRect/>
           </a:stretch>
         </p:blipFill>
         <p:spPr>
           <a:xfrm>
-            <a:off x="3240" y="1979280"/>
-            <a:ext cx="9143280" cy="4329720"/>
+            <a:off x="1415880" y="1280160"/>
+            <a:ext cx="6447600" cy="5465520"/>
           </a:xfrm>
           <a:prstGeom prst="rect">
             <a:avLst/>
@@ -5141,22 +6113,25 @@
       </p:pic>
     </p:spTree>
   </p:cSld>
+  <p:clrMapOvr>
+    <a:masterClrMapping/>
+  </p:clrMapOvr>
   <p:timing>
     <p:tnLst>
       <p:par>
-        <p:cTn id="41" dur="indefinite" restart="never" nodeType="tmRoot">
+        <p:cTn id="1" dur="indefinite" restart="never" nodeType="tmRoot">
           <p:childTnLst>
             <p:seq>
-              <p:cTn id="42" nodeType="mainSeq"/>
+              <p:cTn id="2" nodeType="mainSeq"/>
               <p:prevCondLst>
-                <p:cond delay="0" evt="onPrev">
+                <p:cond evt="onPrev" delay="0">
                   <p:tgtEl>
                     <p:sldTgt/>
                   </p:tgtEl>
                 </p:cond>
               </p:prevCondLst>
               <p:nextCondLst>
-                <p:cond delay="0" evt="onNext">
+                <p:cond evt="onNext" delay="0">
                   <p:tgtEl>
                     <p:sldTgt/>
                   </p:tgtEl>
@@ -5172,7 +6147,7 @@
 </file>
 
 <file path=ppt/slides/slide22.xml><?xml version="1.0" encoding="utf-8"?>
-<p:sld xmlns:a="http://schemas.openxmlformats.org/drawingml/2006/main" xmlns:p="http://schemas.openxmlformats.org/presentationml/2006/main" xmlns:r="http://schemas.openxmlformats.org/officeDocument/2006/relationships">
+<p:sld xmlns:a="http://schemas.openxmlformats.org/drawingml/2006/main" xmlns:r="http://schemas.openxmlformats.org/officeDocument/2006/relationships" xmlns:p="http://schemas.openxmlformats.org/presentationml/2006/main">
   <p:cSld>
     <p:spTree>
       <p:nvGrpSpPr>
@@ -5190,7 +6165,7 @@
       </p:grpSpPr>
       <p:sp>
         <p:nvSpPr>
-          <p:cNvPr id="138" name="CustomShape 1"/>
+          <p:cNvPr id="136" name="CustomShape 1"/>
           <p:cNvSpPr/>
           <p:nvPr/>
         </p:nvSpPr>
@@ -5208,7 +6183,8 @@
           </a:ln>
         </p:spPr>
         <p:txBody>
-          <a:bodyPr lIns="90000" rIns="90000" tIns="45000" bIns="45000" anchor="ctr"/>
+          <a:bodyPr lIns="90000" tIns="45000" rIns="90000" bIns="45000" anchor="ctr"/>
+          <a:lstStyle/>
           <a:p>
             <a:pPr algn="ctr">
               <a:lnSpc>
@@ -5218,59 +6194,61 @@
             <a:r>
               <a:rPr lang="en-US" sz="4400">
                 <a:solidFill>
-                  <a:srgbClr val="ffffff"/>
+                  <a:srgbClr val="FFFFFF"/>
                 </a:solidFill>
               </a:rPr>
-              <a:t>Demo</a:t>
+              <a:t>Testing</a:t>
             </a:r>
             <a:endParaRPr/>
           </a:p>
         </p:txBody>
       </p:sp>
-      <p:sp>
-        <p:nvSpPr>
-          <p:cNvPr id="139" name="TextShape 2"/>
-          <p:cNvSpPr txBox="1"/>
+      <p:pic>
+        <p:nvPicPr>
+          <p:cNvPr id="137" name="Picture 136"/>
+          <p:cNvPicPr/>
           <p:nvPr/>
-        </p:nvSpPr>
-        <p:spPr>
-          <a:xfrm>
-            <a:off x="2651760" y="2194560"/>
-            <a:ext cx="4846320" cy="1040760"/>
-          </a:xfrm>
-          <a:prstGeom prst="rect">
-            <a:avLst/>
-          </a:prstGeom>
-        </p:spPr>
-        <p:txBody>
-          <a:bodyPr wrap="none" lIns="90000" rIns="90000" tIns="45000" bIns="45000"/>
-          <a:p>
-            <a:r>
-              <a:rPr lang="en-US" sz="2400"/>
-              <a:t>http://bluebee-uet.com/index.php</a:t>
-            </a:r>
-            <a:endParaRPr/>
-          </a:p>
-        </p:txBody>
-      </p:sp>
+        </p:nvPicPr>
+        <p:blipFill>
+          <a:blip r:embed="rId2"/>
+          <a:stretch>
+            <a:fillRect/>
+          </a:stretch>
+        </p:blipFill>
+        <p:spPr>
+          <a:xfrm>
+            <a:off x="3240" y="1979280"/>
+            <a:ext cx="9143280" cy="4329720"/>
+          </a:xfrm>
+          <a:prstGeom prst="rect">
+            <a:avLst/>
+          </a:prstGeom>
+          <a:ln>
+            <a:noFill/>
+          </a:ln>
+        </p:spPr>
+      </p:pic>
     </p:spTree>
   </p:cSld>
+  <p:clrMapOvr>
+    <a:masterClrMapping/>
+  </p:clrMapOvr>
   <p:timing>
     <p:tnLst>
       <p:par>
-        <p:cTn id="43" dur="indefinite" restart="never" nodeType="tmRoot">
+        <p:cTn id="1" dur="indefinite" restart="never" nodeType="tmRoot">
           <p:childTnLst>
             <p:seq>
-              <p:cTn id="44" nodeType="mainSeq"/>
+              <p:cTn id="2" nodeType="mainSeq"/>
               <p:prevCondLst>
-                <p:cond delay="0" evt="onPrev">
+                <p:cond evt="onPrev" delay="0">
                   <p:tgtEl>
                     <p:sldTgt/>
                   </p:tgtEl>
                 </p:cond>
               </p:prevCondLst>
               <p:nextCondLst>
-                <p:cond delay="0" evt="onNext">
+                <p:cond evt="onNext" delay="0">
                   <p:tgtEl>
                     <p:sldTgt/>
                   </p:tgtEl>
@@ -5286,7 +6264,7 @@
 </file>
 
 <file path=ppt/slides/slide23.xml><?xml version="1.0" encoding="utf-8"?>
-<p:sld xmlns:a="http://schemas.openxmlformats.org/drawingml/2006/main" xmlns:p="http://schemas.openxmlformats.org/presentationml/2006/main" xmlns:r="http://schemas.openxmlformats.org/officeDocument/2006/relationships">
+<p:sld xmlns:a="http://schemas.openxmlformats.org/drawingml/2006/main" xmlns:r="http://schemas.openxmlformats.org/officeDocument/2006/relationships" xmlns:p="http://schemas.openxmlformats.org/presentationml/2006/main">
   <p:cSld>
     <p:spTree>
       <p:nvGrpSpPr>
@@ -5304,7 +6282,7 @@
       </p:grpSpPr>
       <p:sp>
         <p:nvSpPr>
-          <p:cNvPr id="140" name="CustomShape 1"/>
+          <p:cNvPr id="138" name="CustomShape 1"/>
           <p:cNvSpPr/>
           <p:nvPr/>
         </p:nvSpPr>
@@ -5322,7 +6300,8 @@
           </a:ln>
         </p:spPr>
         <p:txBody>
-          <a:bodyPr lIns="90000" rIns="90000" tIns="45000" bIns="45000" anchor="ctr"/>
+          <a:bodyPr lIns="90000" tIns="45000" rIns="90000" bIns="45000" anchor="ctr"/>
+          <a:lstStyle/>
           <a:p>
             <a:pPr algn="ctr">
               <a:lnSpc>
@@ -5332,10 +6311,37 @@
             <a:r>
               <a:rPr lang="en-US" sz="4400">
                 <a:solidFill>
-                  <a:srgbClr val="ffffff"/>
+                  <a:srgbClr val="FFFFFF"/>
                 </a:solidFill>
               </a:rPr>
-              <a:t>Q&amp;A</a:t>
+              <a:t>Demo</a:t>
+            </a:r>
+            <a:endParaRPr/>
+          </a:p>
+        </p:txBody>
+      </p:sp>
+      <p:sp>
+        <p:nvSpPr>
+          <p:cNvPr id="139" name="TextShape 2"/>
+          <p:cNvSpPr txBox="1"/>
+          <p:nvPr/>
+        </p:nvSpPr>
+        <p:spPr>
+          <a:xfrm>
+            <a:off x="2651760" y="2194560"/>
+            <a:ext cx="4846320" cy="1040760"/>
+          </a:xfrm>
+          <a:prstGeom prst="rect">
+            <a:avLst/>
+          </a:prstGeom>
+        </p:spPr>
+        <p:txBody>
+          <a:bodyPr wrap="none" lIns="90000" tIns="45000" rIns="90000" bIns="45000"/>
+          <a:lstStyle/>
+          <a:p>
+            <a:r>
+              <a:rPr lang="en-US" sz="2400"/>
+              <a:t>http://bluebee-uet.com/index.php</a:t>
             </a:r>
             <a:endParaRPr/>
           </a:p>
@@ -5343,22 +6349,25 @@
       </p:sp>
     </p:spTree>
   </p:cSld>
+  <p:clrMapOvr>
+    <a:masterClrMapping/>
+  </p:clrMapOvr>
   <p:timing>
     <p:tnLst>
       <p:par>
-        <p:cTn id="45" dur="indefinite" restart="never" nodeType="tmRoot">
+        <p:cTn id="1" dur="indefinite" restart="never" nodeType="tmRoot">
           <p:childTnLst>
             <p:seq>
-              <p:cTn id="46" nodeType="mainSeq"/>
+              <p:cTn id="2" nodeType="mainSeq"/>
               <p:prevCondLst>
-                <p:cond delay="0" evt="onPrev">
+                <p:cond evt="onPrev" delay="0">
                   <p:tgtEl>
                     <p:sldTgt/>
                   </p:tgtEl>
                 </p:cond>
               </p:prevCondLst>
               <p:nextCondLst>
-                <p:cond delay="0" evt="onNext">
+                <p:cond evt="onNext" delay="0">
                   <p:tgtEl>
                     <p:sldTgt/>
                   </p:tgtEl>
@@ -5374,7 +6383,7 @@
 </file>
 
 <file path=ppt/slides/slide24.xml><?xml version="1.0" encoding="utf-8"?>
-<p:sld xmlns:a="http://schemas.openxmlformats.org/drawingml/2006/main" xmlns:p="http://schemas.openxmlformats.org/presentationml/2006/main" xmlns:r="http://schemas.openxmlformats.org/officeDocument/2006/relationships">
+<p:sld xmlns:a="http://schemas.openxmlformats.org/drawingml/2006/main" xmlns:r="http://schemas.openxmlformats.org/officeDocument/2006/relationships" xmlns:p="http://schemas.openxmlformats.org/presentationml/2006/main">
   <p:cSld>
     <p:spTree>
       <p:nvGrpSpPr>
@@ -5392,7 +6401,7 @@
       </p:grpSpPr>
       <p:sp>
         <p:nvSpPr>
-          <p:cNvPr id="141" name="CustomShape 1"/>
+          <p:cNvPr id="140" name="CustomShape 1"/>
           <p:cNvSpPr/>
           <p:nvPr/>
         </p:nvSpPr>
@@ -5410,7 +6419,8 @@
           </a:ln>
         </p:spPr>
         <p:txBody>
-          <a:bodyPr lIns="90000" rIns="90000" tIns="45000" bIns="45000" anchor="ctr"/>
+          <a:bodyPr lIns="90000" tIns="45000" rIns="90000" bIns="45000" anchor="ctr"/>
+          <a:lstStyle/>
           <a:p>
             <a:pPr algn="ctr">
               <a:lnSpc>
@@ -5420,10 +6430,10 @@
             <a:r>
               <a:rPr lang="en-US" sz="4400">
                 <a:solidFill>
-                  <a:srgbClr val="ffffff"/>
+                  <a:srgbClr val="FFFFFF"/>
                 </a:solidFill>
               </a:rPr>
-              <a:t>Thank you for listening :)</a:t>
+              <a:t>Q&amp;A</a:t>
             </a:r>
             <a:endParaRPr/>
           </a:p>
@@ -5431,22 +6441,117 @@
       </p:sp>
     </p:spTree>
   </p:cSld>
+  <p:clrMapOvr>
+    <a:masterClrMapping/>
+  </p:clrMapOvr>
   <p:timing>
     <p:tnLst>
       <p:par>
-        <p:cTn id="47" dur="indefinite" restart="never" nodeType="tmRoot">
+        <p:cTn id="1" dur="indefinite" restart="never" nodeType="tmRoot">
           <p:childTnLst>
             <p:seq>
-              <p:cTn id="48" nodeType="mainSeq"/>
+              <p:cTn id="2" nodeType="mainSeq"/>
               <p:prevCondLst>
-                <p:cond delay="0" evt="onPrev">
+                <p:cond evt="onPrev" delay="0">
                   <p:tgtEl>
                     <p:sldTgt/>
                   </p:tgtEl>
                 </p:cond>
               </p:prevCondLst>
               <p:nextCondLst>
-                <p:cond delay="0" evt="onNext">
+                <p:cond evt="onNext" delay="0">
+                  <p:tgtEl>
+                    <p:sldTgt/>
+                  </p:tgtEl>
+                </p:cond>
+              </p:nextCondLst>
+            </p:seq>
+          </p:childTnLst>
+        </p:cTn>
+      </p:par>
+    </p:tnLst>
+  </p:timing>
+</p:sld>
+</file>
+
+<file path=ppt/slides/slide25.xml><?xml version="1.0" encoding="utf-8"?>
+<p:sld xmlns:a="http://schemas.openxmlformats.org/drawingml/2006/main" xmlns:r="http://schemas.openxmlformats.org/officeDocument/2006/relationships" xmlns:p="http://schemas.openxmlformats.org/presentationml/2006/main">
+  <p:cSld>
+    <p:spTree>
+      <p:nvGrpSpPr>
+        <p:cNvPr id="1" name=""/>
+        <p:cNvGrpSpPr/>
+        <p:nvPr/>
+      </p:nvGrpSpPr>
+      <p:grpSpPr>
+        <a:xfrm>
+          <a:off x="0" y="0"/>
+          <a:ext cx="0" cy="0"/>
+          <a:chOff x="0" y="0"/>
+          <a:chExt cx="0" cy="0"/>
+        </a:xfrm>
+      </p:grpSpPr>
+      <p:sp>
+        <p:nvSpPr>
+          <p:cNvPr id="141" name="CustomShape 1"/>
+          <p:cNvSpPr/>
+          <p:nvPr/>
+        </p:nvSpPr>
+        <p:spPr>
+          <a:xfrm>
+            <a:off x="457200" y="338400"/>
+            <a:ext cx="8228880" cy="1252080"/>
+          </a:xfrm>
+          <a:prstGeom prst="rect">
+            <a:avLst/>
+          </a:prstGeom>
+          <a:noFill/>
+          <a:ln>
+            <a:noFill/>
+          </a:ln>
+        </p:spPr>
+        <p:txBody>
+          <a:bodyPr lIns="90000" tIns="45000" rIns="90000" bIns="45000" anchor="ctr"/>
+          <a:lstStyle/>
+          <a:p>
+            <a:pPr algn="ctr">
+              <a:lnSpc>
+                <a:spcPct val="100000"/>
+              </a:lnSpc>
+            </a:pPr>
+            <a:r>
+              <a:rPr lang="en-US" sz="4400">
+                <a:solidFill>
+                  <a:srgbClr val="FFFFFF"/>
+                </a:solidFill>
+              </a:rPr>
+              <a:t>Thank you for listening :)</a:t>
+            </a:r>
+            <a:endParaRPr/>
+          </a:p>
+        </p:txBody>
+      </p:sp>
+    </p:spTree>
+  </p:cSld>
+  <p:clrMapOvr>
+    <a:masterClrMapping/>
+  </p:clrMapOvr>
+  <p:timing>
+    <p:tnLst>
+      <p:par>
+        <p:cTn id="1" dur="indefinite" restart="never" nodeType="tmRoot">
+          <p:childTnLst>
+            <p:seq>
+              <p:cTn id="2" nodeType="mainSeq"/>
+              <p:prevCondLst>
+                <p:cond evt="onPrev" delay="0">
+                  <p:tgtEl>
+                    <p:sldTgt/>
+                  </p:tgtEl>
+                </p:cond>
+              </p:prevCondLst>
+              <p:nextCondLst>
+                <p:cond evt="onNext" delay="0">
                   <p:tgtEl>
                     <p:sldTgt/>
                   </p:tgtEl>
@@ -5462,7 +6567,7 @@
 </file>
 
 <file path=ppt/slides/slide3.xml><?xml version="1.0" encoding="utf-8"?>
-<p:sld xmlns:a="http://schemas.openxmlformats.org/drawingml/2006/main" xmlns:p="http://schemas.openxmlformats.org/presentationml/2006/main" xmlns:r="http://schemas.openxmlformats.org/officeDocument/2006/relationships">
+<p:sld xmlns:a="http://schemas.openxmlformats.org/drawingml/2006/main" xmlns:r="http://schemas.openxmlformats.org/officeDocument/2006/relationships" xmlns:p="http://schemas.openxmlformats.org/presentationml/2006/main">
   <p:cSld>
     <p:spTree>
       <p:nvGrpSpPr>
@@ -5498,7 +6603,8 @@
           </a:ln>
         </p:spPr>
         <p:txBody>
-          <a:bodyPr lIns="90000" rIns="90000" tIns="45000" bIns="45000"/>
+          <a:bodyPr lIns="90000" tIns="45000" rIns="90000" bIns="45000"/>
+          <a:lstStyle/>
           <a:p>
             <a:pPr>
               <a:lnSpc>
@@ -5510,7 +6616,7 @@
             <a:r>
               <a:rPr lang="en-US" sz="2400">
                 <a:solidFill>
-                  <a:srgbClr val="073e87"/>
+                  <a:srgbClr val="073E87"/>
                 </a:solidFill>
                 <a:latin typeface="Candara"/>
               </a:rPr>
@@ -5529,20 +6635,11 @@
             <a:r>
               <a:rPr lang="en-US" sz="2400">
                 <a:solidFill>
-                  <a:srgbClr val="073e87"/>
+                  <a:srgbClr val="073E87"/>
                 </a:solidFill>
                 <a:latin typeface="Candara"/>
               </a:rPr>
-              <a:t>“</a:t>
-            </a:r>
-            <a:r>
-              <a:rPr lang="en-US" sz="2400">
-                <a:solidFill>
-                  <a:srgbClr val="073e87"/>
-                </a:solidFill>
-                <a:latin typeface="Candara"/>
-              </a:rPr>
-              <a:t>Big change”</a:t>
+              <a:t>“Big change”</a:t>
             </a:r>
             <a:endParaRPr/>
           </a:p>
@@ -5557,7 +6654,7 @@
             <a:r>
               <a:rPr lang="en-US" sz="2400">
                 <a:solidFill>
-                  <a:srgbClr val="073e87"/>
+                  <a:srgbClr val="073E87"/>
                 </a:solidFill>
                 <a:latin typeface="Candara"/>
               </a:rPr>
@@ -5576,7 +6673,7 @@
             <a:r>
               <a:rPr lang="en-US" sz="2400">
                 <a:solidFill>
-                  <a:srgbClr val="073e87"/>
+                  <a:srgbClr val="073E87"/>
                 </a:solidFill>
                 <a:latin typeface="Candara"/>
               </a:rPr>
@@ -5595,7 +6692,7 @@
             <a:r>
               <a:rPr lang="en-US" sz="2400">
                 <a:solidFill>
-                  <a:srgbClr val="073e87"/>
+                  <a:srgbClr val="073E87"/>
                 </a:solidFill>
                 <a:latin typeface="Candara"/>
               </a:rPr>
@@ -5614,7 +6711,7 @@
             <a:r>
               <a:rPr lang="en-US" sz="2400">
                 <a:solidFill>
-                  <a:srgbClr val="073e87"/>
+                  <a:srgbClr val="073E87"/>
                 </a:solidFill>
                 <a:latin typeface="Candara"/>
               </a:rPr>
@@ -5633,7 +6730,7 @@
             <a:r>
               <a:rPr lang="en-US" sz="2400">
                 <a:solidFill>
-                  <a:srgbClr val="073e87"/>
+                  <a:srgbClr val="073E87"/>
                 </a:solidFill>
                 <a:latin typeface="Candara"/>
               </a:rPr>
@@ -5652,7 +6749,7 @@
             <a:r>
               <a:rPr lang="en-US" sz="2400">
                 <a:solidFill>
-                  <a:srgbClr val="073e87"/>
+                  <a:srgbClr val="073E87"/>
                 </a:solidFill>
                 <a:latin typeface="Candara"/>
               </a:rPr>
@@ -5671,7 +6768,7 @@
             <a:r>
               <a:rPr lang="en-US" sz="2400">
                 <a:solidFill>
-                  <a:srgbClr val="073e87"/>
+                  <a:srgbClr val="073E87"/>
                 </a:solidFill>
                 <a:latin typeface="Candara"/>
               </a:rPr>
@@ -5717,7 +6814,8 @@
           </a:ln>
         </p:spPr>
         <p:txBody>
-          <a:bodyPr lIns="90000" rIns="90000" tIns="45000" bIns="45000" anchor="ctr"/>
+          <a:bodyPr lIns="90000" tIns="45000" rIns="90000" bIns="45000" anchor="ctr"/>
+          <a:lstStyle/>
           <a:p>
             <a:pPr algn="ctr">
               <a:lnSpc>
@@ -5727,7 +6825,7 @@
             <a:r>
               <a:rPr lang="en-US" sz="4400">
                 <a:solidFill>
-                  <a:srgbClr val="ffffff"/>
+                  <a:srgbClr val="FFFFFF"/>
                 </a:solidFill>
                 <a:latin typeface="Candara"/>
               </a:rPr>
@@ -5739,22 +6837,25 @@
       </p:sp>
     </p:spTree>
   </p:cSld>
+  <p:clrMapOvr>
+    <a:masterClrMapping/>
+  </p:clrMapOvr>
   <p:timing>
     <p:tnLst>
       <p:par>
-        <p:cTn id="5" dur="indefinite" restart="never" nodeType="tmRoot">
+        <p:cTn id="1" dur="indefinite" restart="never" nodeType="tmRoot">
           <p:childTnLst>
             <p:seq>
-              <p:cTn id="6" nodeType="mainSeq"/>
+              <p:cTn id="2" nodeType="mainSeq"/>
               <p:prevCondLst>
-                <p:cond delay="0" evt="onPrev">
+                <p:cond evt="onPrev" delay="0">
                   <p:tgtEl>
                     <p:sldTgt/>
                   </p:tgtEl>
                 </p:cond>
               </p:prevCondLst>
               <p:nextCondLst>
-                <p:cond delay="0" evt="onNext">
+                <p:cond evt="onNext" delay="0">
                   <p:tgtEl>
                     <p:sldTgt/>
                   </p:tgtEl>
@@ -5770,7 +6871,7 @@
 </file>
 
 <file path=ppt/slides/slide4.xml><?xml version="1.0" encoding="utf-8"?>
-<p:sld xmlns:a="http://schemas.openxmlformats.org/drawingml/2006/main" xmlns:p="http://schemas.openxmlformats.org/presentationml/2006/main" xmlns:r="http://schemas.openxmlformats.org/officeDocument/2006/relationships">
+<p:sld xmlns:a="http://schemas.openxmlformats.org/drawingml/2006/main" xmlns:r="http://schemas.openxmlformats.org/officeDocument/2006/relationships" xmlns:p="http://schemas.openxmlformats.org/presentationml/2006/main">
   <p:cSld>
     <p:spTree>
       <p:nvGrpSpPr>
@@ -5806,7 +6907,8 @@
           </a:ln>
         </p:spPr>
         <p:txBody>
-          <a:bodyPr lIns="90000" rIns="90000" tIns="45000" bIns="45000"/>
+          <a:bodyPr lIns="90000" tIns="45000" rIns="90000" bIns="45000"/>
+          <a:lstStyle/>
           <a:p>
             <a:pPr>
               <a:lnSpc>
@@ -5818,7 +6920,7 @@
             <a:r>
               <a:rPr lang="en-US" sz="2400">
                 <a:solidFill>
-                  <a:srgbClr val="073e87"/>
+                  <a:srgbClr val="073E87"/>
                 </a:solidFill>
                 <a:latin typeface="Candara"/>
               </a:rPr>
@@ -5837,7 +6939,7 @@
             <a:r>
               <a:rPr lang="en-US" sz="2400">
                 <a:solidFill>
-                  <a:srgbClr val="073e87"/>
+                  <a:srgbClr val="073E87"/>
                 </a:solidFill>
                 <a:latin typeface="Candara"/>
               </a:rPr>
@@ -5856,7 +6958,7 @@
             <a:r>
               <a:rPr lang="en-US" sz="2400">
                 <a:solidFill>
-                  <a:srgbClr val="073e87"/>
+                  <a:srgbClr val="073E87"/>
                 </a:solidFill>
                 <a:latin typeface="Candara"/>
               </a:rPr>
@@ -5875,7 +6977,7 @@
             <a:r>
               <a:rPr lang="en-US" sz="2400">
                 <a:solidFill>
-                  <a:srgbClr val="073e87"/>
+                  <a:srgbClr val="073E87"/>
                 </a:solidFill>
                 <a:latin typeface="Candara"/>
               </a:rPr>
@@ -5905,7 +7007,8 @@
           </a:ln>
         </p:spPr>
         <p:txBody>
-          <a:bodyPr lIns="90000" rIns="90000" tIns="45000" bIns="45000" anchor="ctr"/>
+          <a:bodyPr lIns="90000" tIns="45000" rIns="90000" bIns="45000" anchor="ctr"/>
+          <a:lstStyle/>
           <a:p>
             <a:pPr algn="ctr">
               <a:lnSpc>
@@ -5915,7 +7018,7 @@
             <a:r>
               <a:rPr lang="en-US" sz="4400">
                 <a:solidFill>
-                  <a:srgbClr val="ffffff"/>
+                  <a:srgbClr val="FFFFFF"/>
                 </a:solidFill>
                 <a:latin typeface="Candara"/>
               </a:rPr>
@@ -5927,22 +7030,25 @@
       </p:sp>
     </p:spTree>
   </p:cSld>
+  <p:clrMapOvr>
+    <a:masterClrMapping/>
+  </p:clrMapOvr>
   <p:timing>
     <p:tnLst>
       <p:par>
-        <p:cTn id="7" dur="indefinite" restart="never" nodeType="tmRoot">
+        <p:cTn id="1" dur="indefinite" restart="never" nodeType="tmRoot">
           <p:childTnLst>
             <p:seq>
-              <p:cTn id="8" nodeType="mainSeq"/>
+              <p:cTn id="2" nodeType="mainSeq"/>
               <p:prevCondLst>
-                <p:cond delay="0" evt="onPrev">
+                <p:cond evt="onPrev" delay="0">
                   <p:tgtEl>
                     <p:sldTgt/>
                   </p:tgtEl>
                 </p:cond>
               </p:prevCondLst>
               <p:nextCondLst>
-                <p:cond delay="0" evt="onNext">
+                <p:cond evt="onNext" delay="0">
                   <p:tgtEl>
                     <p:sldTgt/>
                   </p:tgtEl>
@@ -5958,7 +7064,7 @@
 </file>
 
 <file path=ppt/slides/slide5.xml><?xml version="1.0" encoding="utf-8"?>
-<p:sld xmlns:a="http://schemas.openxmlformats.org/drawingml/2006/main" xmlns:p="http://schemas.openxmlformats.org/presentationml/2006/main" xmlns:r="http://schemas.openxmlformats.org/officeDocument/2006/relationships">
+<p:sld xmlns:a="http://schemas.openxmlformats.org/drawingml/2006/main" xmlns:r="http://schemas.openxmlformats.org/officeDocument/2006/relationships" xmlns:p="http://schemas.openxmlformats.org/presentationml/2006/main">
   <p:cSld>
     <p:spTree>
       <p:nvGrpSpPr>
@@ -5994,7 +7100,8 @@
           </a:ln>
         </p:spPr>
         <p:txBody>
-          <a:bodyPr lIns="90000" rIns="90000" tIns="45000" bIns="45000"/>
+          <a:bodyPr lIns="90000" tIns="45000" rIns="90000" bIns="45000"/>
+          <a:lstStyle/>
           <a:p>
             <a:pPr>
               <a:lnSpc>
@@ -6006,7 +7113,7 @@
             <a:r>
               <a:rPr lang="en-US" sz="2400">
                 <a:solidFill>
-                  <a:srgbClr val="073e87"/>
+                  <a:srgbClr val="073E87"/>
                 </a:solidFill>
                 <a:latin typeface="Candara"/>
               </a:rPr>
@@ -6025,7 +7132,7 @@
             <a:r>
               <a:rPr lang="en-US" sz="2400">
                 <a:solidFill>
-                  <a:srgbClr val="073e87"/>
+                  <a:srgbClr val="073E87"/>
                 </a:solidFill>
                 <a:latin typeface="Candara"/>
               </a:rPr>
@@ -6044,7 +7151,7 @@
             <a:r>
               <a:rPr lang="en-US" sz="2400">
                 <a:solidFill>
-                  <a:srgbClr val="073e87"/>
+                  <a:srgbClr val="073E87"/>
                 </a:solidFill>
                 <a:latin typeface="Candara"/>
               </a:rPr>
@@ -6063,7 +7170,7 @@
             <a:r>
               <a:rPr lang="en-US" sz="2400">
                 <a:solidFill>
-                  <a:srgbClr val="073e87"/>
+                  <a:srgbClr val="073E87"/>
                 </a:solidFill>
                 <a:latin typeface="Candara"/>
               </a:rPr>
@@ -6082,7 +7189,7 @@
             <a:r>
               <a:rPr lang="en-US" sz="2400">
                 <a:solidFill>
-                  <a:srgbClr val="073e87"/>
+                  <a:srgbClr val="073E87"/>
                 </a:solidFill>
                 <a:latin typeface="Candara"/>
               </a:rPr>
@@ -6128,7 +7235,8 @@
           </a:ln>
         </p:spPr>
         <p:txBody>
-          <a:bodyPr lIns="90000" rIns="90000" tIns="45000" bIns="45000" anchor="ctr"/>
+          <a:bodyPr lIns="90000" tIns="45000" rIns="90000" bIns="45000" anchor="ctr"/>
+          <a:lstStyle/>
           <a:p>
             <a:pPr algn="ctr">
               <a:lnSpc>
@@ -6138,20 +7246,11 @@
             <a:r>
               <a:rPr lang="en-US" sz="4400">
                 <a:solidFill>
-                  <a:srgbClr val="ffffff"/>
+                  <a:srgbClr val="FFFFFF"/>
                 </a:solidFill>
                 <a:latin typeface="Candara"/>
               </a:rPr>
-              <a:t>“</a:t>
-            </a:r>
-            <a:r>
-              <a:rPr lang="en-US" sz="4400">
-                <a:solidFill>
-                  <a:srgbClr val="ffffff"/>
-                </a:solidFill>
-                <a:latin typeface="Candara"/>
-              </a:rPr>
-              <a:t>Big change”</a:t>
+              <a:t>“Big change”</a:t>
             </a:r>
             <a:endParaRPr/>
           </a:p>
@@ -6159,22 +7258,25 @@
       </p:sp>
     </p:spTree>
   </p:cSld>
+  <p:clrMapOvr>
+    <a:masterClrMapping/>
+  </p:clrMapOvr>
   <p:timing>
     <p:tnLst>
       <p:par>
-        <p:cTn id="9" dur="indefinite" restart="never" nodeType="tmRoot">
+        <p:cTn id="1" dur="indefinite" restart="never" nodeType="tmRoot">
           <p:childTnLst>
             <p:seq>
-              <p:cTn id="10" nodeType="mainSeq"/>
+              <p:cTn id="2" nodeType="mainSeq"/>
               <p:prevCondLst>
-                <p:cond delay="0" evt="onPrev">
+                <p:cond evt="onPrev" delay="0">
                   <p:tgtEl>
                     <p:sldTgt/>
                   </p:tgtEl>
                 </p:cond>
               </p:prevCondLst>
               <p:nextCondLst>
-                <p:cond delay="0" evt="onNext">
+                <p:cond evt="onNext" delay="0">
                   <p:tgtEl>
                     <p:sldTgt/>
                   </p:tgtEl>
@@ -6190,7 +7292,7 @@
 </file>
 
 <file path=ppt/slides/slide6.xml><?xml version="1.0" encoding="utf-8"?>
-<p:sld xmlns:a="http://schemas.openxmlformats.org/drawingml/2006/main" xmlns:p="http://schemas.openxmlformats.org/presentationml/2006/main" xmlns:r="http://schemas.openxmlformats.org/officeDocument/2006/relationships">
+<p:sld xmlns:a="http://schemas.openxmlformats.org/drawingml/2006/main" xmlns:r="http://schemas.openxmlformats.org/officeDocument/2006/relationships" xmlns:p="http://schemas.openxmlformats.org/presentationml/2006/main">
   <p:cSld>
     <p:spTree>
       <p:nvGrpSpPr>
@@ -6226,7 +7328,8 @@
           </a:ln>
         </p:spPr>
         <p:txBody>
-          <a:bodyPr lIns="90000" rIns="90000" tIns="45000" bIns="45000"/>
+          <a:bodyPr lIns="90000" tIns="45000" rIns="90000" bIns="45000"/>
+          <a:lstStyle/>
           <a:p>
             <a:pPr>
               <a:lnSpc>
@@ -6254,7 +7357,7 @@
         <p:spPr>
           <a:xfrm>
             <a:off x="457200" y="338400"/>
-            <a:ext cx="8228880" cy="1252080"/>
+            <a:ext cx="8228880" cy="739773"/>
           </a:xfrm>
           <a:prstGeom prst="rect">
             <a:avLst/>
@@ -6265,7 +7368,8 @@
           </a:ln>
         </p:spPr>
         <p:txBody>
-          <a:bodyPr lIns="90000" rIns="90000" tIns="45000" bIns="45000" anchor="ctr"/>
+          <a:bodyPr lIns="90000" tIns="45000" rIns="90000" bIns="45000" anchor="ctr"/>
+          <a:lstStyle/>
           <a:p>
             <a:pPr algn="ctr">
               <a:lnSpc>
@@ -6273,34 +7377,34 @@
               </a:lnSpc>
             </a:pPr>
             <a:r>
-              <a:rPr lang="en-US" sz="4400">
+              <a:rPr lang="en-US" sz="4400" dirty="0" err="1">
                 <a:solidFill>
-                  <a:srgbClr val="ffffff"/>
+                  <a:srgbClr val="FFFFFF"/>
                 </a:solidFill>
                 <a:latin typeface="Candara"/>
               </a:rPr>
               <a:t>Github</a:t>
             </a:r>
-            <a:endParaRPr/>
+            <a:endParaRPr dirty="0"/>
           </a:p>
         </p:txBody>
       </p:sp>
       <p:pic>
         <p:nvPicPr>
-          <p:cNvPr id="107" name="" descr=""/>
+          <p:cNvPr id="107" name="Picture 106"/>
           <p:cNvPicPr/>
           <p:nvPr/>
         </p:nvPicPr>
         <p:blipFill>
-          <a:blip r:embed="rId1"/>
+          <a:blip r:embed="rId2"/>
           <a:stretch>
             <a:fillRect/>
           </a:stretch>
         </p:blipFill>
         <p:spPr>
-          <a:xfrm rot="3600">
-            <a:off x="88560" y="1416960"/>
-            <a:ext cx="8865000" cy="5216760"/>
+          <a:xfrm>
+            <a:off x="842520" y="1510352"/>
+            <a:ext cx="7437120" cy="5060633"/>
           </a:xfrm>
           <a:prstGeom prst="rect">
             <a:avLst/>
@@ -6312,22 +7416,25 @@
       </p:pic>
     </p:spTree>
   </p:cSld>
+  <p:clrMapOvr>
+    <a:masterClrMapping/>
+  </p:clrMapOvr>
   <p:timing>
     <p:tnLst>
       <p:par>
-        <p:cTn id="11" dur="indefinite" restart="never" nodeType="tmRoot">
+        <p:cTn id="1" dur="indefinite" restart="never" nodeType="tmRoot">
           <p:childTnLst>
             <p:seq>
-              <p:cTn id="12" nodeType="mainSeq"/>
+              <p:cTn id="2" nodeType="mainSeq"/>
               <p:prevCondLst>
-                <p:cond delay="0" evt="onPrev">
+                <p:cond evt="onPrev" delay="0">
                   <p:tgtEl>
                     <p:sldTgt/>
                   </p:tgtEl>
                 </p:cond>
               </p:prevCondLst>
               <p:nextCondLst>
-                <p:cond delay="0" evt="onNext">
+                <p:cond evt="onNext" delay="0">
                   <p:tgtEl>
                     <p:sldTgt/>
                   </p:tgtEl>
@@ -6343,7 +7450,7 @@
 </file>
 
 <file path=ppt/slides/slide7.xml><?xml version="1.0" encoding="utf-8"?>
-<p:sld xmlns:a="http://schemas.openxmlformats.org/drawingml/2006/main" xmlns:p="http://schemas.openxmlformats.org/presentationml/2006/main" xmlns:r="http://schemas.openxmlformats.org/officeDocument/2006/relationships">
+<p:sld xmlns:a="http://schemas.openxmlformats.org/drawingml/2006/main" xmlns:r="http://schemas.openxmlformats.org/officeDocument/2006/relationships" xmlns:p="http://schemas.openxmlformats.org/presentationml/2006/main">
   <p:cSld>
     <p:spTree>
       <p:nvGrpSpPr>
@@ -6379,18 +7486,19 @@
           </a:ln>
         </p:spPr>
         <p:txBody>
-          <a:bodyPr lIns="90000" rIns="90000" tIns="45000" bIns="45000" anchor="ctr"/>
+          <a:bodyPr lIns="90000" tIns="45000" rIns="90000" bIns="45000" anchor="ctr"/>
+          <a:lstStyle/>
           <a:p>
             <a:r>
-              <a:rPr lang="en-US" sz="4400">
+              <a:rPr lang="en-US" sz="4400" dirty="0" err="1">
                 <a:solidFill>
-                  <a:srgbClr val="ffffff"/>
+                  <a:srgbClr val="FFFFFF"/>
                 </a:solidFill>
                 <a:latin typeface="Candara"/>
               </a:rPr>
               <a:t>Github</a:t>
             </a:r>
-            <a:endParaRPr/>
+            <a:endParaRPr dirty="0"/>
           </a:p>
           <a:p>
             <a:pPr algn="ctr">
@@ -6398,18 +7506,18 @@
                 <a:spcPct val="100000"/>
               </a:lnSpc>
             </a:pPr>
-            <a:endParaRPr/>
+            <a:endParaRPr dirty="0"/>
           </a:p>
         </p:txBody>
       </p:sp>
       <p:pic>
         <p:nvPicPr>
-          <p:cNvPr id="109" name="" descr=""/>
+          <p:cNvPr id="109" name="Picture 108"/>
           <p:cNvPicPr/>
           <p:nvPr/>
         </p:nvPicPr>
         <p:blipFill>
-          <a:blip r:embed="rId1"/>
+          <a:blip r:embed="rId3"/>
           <a:stretch>
             <a:fillRect/>
           </a:stretch>
@@ -6429,22 +7537,25 @@
       </p:pic>
     </p:spTree>
   </p:cSld>
+  <p:clrMapOvr>
+    <a:masterClrMapping/>
+  </p:clrMapOvr>
   <p:timing>
     <p:tnLst>
       <p:par>
-        <p:cTn id="13" dur="indefinite" restart="never" nodeType="tmRoot">
+        <p:cTn id="1" dur="indefinite" restart="never" nodeType="tmRoot">
           <p:childTnLst>
             <p:seq>
-              <p:cTn id="14" nodeType="mainSeq"/>
+              <p:cTn id="2" nodeType="mainSeq"/>
               <p:prevCondLst>
-                <p:cond delay="0" evt="onPrev">
+                <p:cond evt="onPrev" delay="0">
                   <p:tgtEl>
                     <p:sldTgt/>
                   </p:tgtEl>
                 </p:cond>
               </p:prevCondLst>
               <p:nextCondLst>
-                <p:cond delay="0" evt="onNext">
+                <p:cond evt="onNext" delay="0">
                   <p:tgtEl>
                     <p:sldTgt/>
                   </p:tgtEl>
@@ -6460,7 +7571,7 @@
 </file>
 
 <file path=ppt/slides/slide8.xml><?xml version="1.0" encoding="utf-8"?>
-<p:sld xmlns:a="http://schemas.openxmlformats.org/drawingml/2006/main" xmlns:p="http://schemas.openxmlformats.org/presentationml/2006/main" xmlns:r="http://schemas.openxmlformats.org/officeDocument/2006/relationships">
+<p:sld xmlns:a="http://schemas.openxmlformats.org/drawingml/2006/main" xmlns:r="http://schemas.openxmlformats.org/officeDocument/2006/relationships" xmlns:p="http://schemas.openxmlformats.org/presentationml/2006/main">
   <p:cSld>
     <p:spTree>
       <p:nvGrpSpPr>
@@ -6478,103 +7589,103 @@
       </p:grpSpPr>
       <p:sp>
         <p:nvSpPr>
-          <p:cNvPr id="110" name="CustomShape 1"/>
-          <p:cNvSpPr/>
-          <p:nvPr/>
-        </p:nvSpPr>
-        <p:spPr>
-          <a:xfrm>
-            <a:off x="457200" y="338400"/>
-            <a:ext cx="8228880" cy="1252080"/>
-          </a:xfrm>
-          <a:prstGeom prst="rect">
-            <a:avLst/>
-          </a:prstGeom>
-          <a:noFill/>
-          <a:ln>
-            <a:noFill/>
-          </a:ln>
-        </p:spPr>
-        <p:txBody>
-          <a:bodyPr lIns="90000" rIns="90000" tIns="45000" bIns="45000" anchor="ctr"/>
-          <a:p>
-            <a:pPr algn="ctr">
-              <a:lnSpc>
-                <a:spcPct val="100000"/>
-              </a:lnSpc>
-            </a:pPr>
+          <p:cNvPr id="2" name="Title 1"/>
+          <p:cNvSpPr>
+            <a:spLocks noGrp="1"/>
+          </p:cNvSpPr>
+          <p:nvPr>
+            <p:ph type="title"/>
+          </p:nvPr>
+        </p:nvSpPr>
+        <p:spPr/>
+        <p:txBody>
+          <a:bodyPr/>
+          <a:lstStyle/>
+          <a:p>
             <a:r>
-              <a:rPr lang="en-US" sz="4400">
+              <a:rPr lang="en-US" smtClean="0">
                 <a:solidFill>
-                  <a:srgbClr val="ffffff"/>
+                  <a:srgbClr val="FFFFFF"/>
                 </a:solidFill>
                 <a:latin typeface="Candara"/>
               </a:rPr>
-              <a:t>Pivotal tracker</a:t>
+              <a:t>Release</a:t>
             </a:r>
-            <a:endParaRPr/>
+            <a:r>
+              <a:rPr lang="en-US" dirty="0" smtClean="0"/>
+              <a:t/>
+            </a:r>
+            <a:br>
+              <a:rPr lang="en-US" dirty="0" smtClean="0"/>
+            </a:br>
+            <a:endParaRPr lang="en-US" dirty="0"/>
+          </a:p>
+        </p:txBody>
+      </p:sp>
+      <p:sp>
+        <p:nvSpPr>
+          <p:cNvPr id="3" name="Subtitle 2"/>
+          <p:cNvSpPr>
+            <a:spLocks noGrp="1"/>
+          </p:cNvSpPr>
+          <p:nvPr>
+            <p:ph type="subTitle"/>
+          </p:nvPr>
+        </p:nvSpPr>
+        <p:spPr/>
+        <p:txBody>
+          <a:bodyPr/>
+          <a:lstStyle/>
+          <a:p>
+            <a:endParaRPr lang="vi-VN" dirty="0"/>
           </a:p>
         </p:txBody>
       </p:sp>
       <p:pic>
         <p:nvPicPr>
-          <p:cNvPr id="111" name="" descr=""/>
-          <p:cNvPicPr/>
+          <p:cNvPr id="4" name="Picture 3" descr="Screen Clipping"/>
+          <p:cNvPicPr>
+            <a:picLocks noChangeAspect="1"/>
+          </p:cNvPicPr>
           <p:nvPr/>
         </p:nvPicPr>
         <p:blipFill>
-          <a:blip r:embed="rId1"/>
+          <a:blip r:embed="rId2">
+            <a:extLst>
+              <a:ext uri="{28A0092B-C50C-407E-A947-70E740481C1C}">
+                <a14:useLocalDpi xmlns:a14="http://schemas.microsoft.com/office/drawing/2010/main" val="0"/>
+              </a:ext>
+            </a:extLst>
+          </a:blip>
           <a:stretch>
             <a:fillRect/>
           </a:stretch>
         </p:blipFill>
         <p:spPr>
           <a:xfrm>
-            <a:off x="274320" y="1645920"/>
-            <a:ext cx="8772480" cy="4524840"/>
-          </a:xfrm>
-          <a:prstGeom prst="rect">
-            <a:avLst/>
-          </a:prstGeom>
-          <a:ln>
-            <a:noFill/>
-          </a:ln>
+            <a:off x="0" y="1604520"/>
+            <a:ext cx="9144000" cy="4447504"/>
+          </a:xfrm>
+          <a:prstGeom prst="rect">
+            <a:avLst/>
+          </a:prstGeom>
         </p:spPr>
       </p:pic>
     </p:spTree>
+    <p:extLst>
+      <p:ext uri="{BB962C8B-B14F-4D97-AF65-F5344CB8AC3E}">
+        <p14:creationId xmlns:p14="http://schemas.microsoft.com/office/powerpoint/2010/main" val="406773621"/>
+      </p:ext>
+    </p:extLst>
   </p:cSld>
-  <p:timing>
-    <p:tnLst>
-      <p:par>
-        <p:cTn id="15" dur="indefinite" restart="never" nodeType="tmRoot">
-          <p:childTnLst>
-            <p:seq>
-              <p:cTn id="16" nodeType="mainSeq"/>
-              <p:prevCondLst>
-                <p:cond delay="0" evt="onPrev">
-                  <p:tgtEl>
-                    <p:sldTgt/>
-                  </p:tgtEl>
-                </p:cond>
-              </p:prevCondLst>
-              <p:nextCondLst>
-                <p:cond delay="0" evt="onNext">
-                  <p:tgtEl>
-                    <p:sldTgt/>
-                  </p:tgtEl>
-                </p:cond>
-              </p:nextCondLst>
-            </p:seq>
-          </p:childTnLst>
-        </p:cTn>
-      </p:par>
-    </p:tnLst>
-  </p:timing>
+  <p:clrMapOvr>
+    <a:masterClrMapping/>
+  </p:clrMapOvr>
 </p:sld>
 </file>
 
 <file path=ppt/slides/slide9.xml><?xml version="1.0" encoding="utf-8"?>
-<p:sld xmlns:a="http://schemas.openxmlformats.org/drawingml/2006/main" xmlns:p="http://schemas.openxmlformats.org/presentationml/2006/main" xmlns:r="http://schemas.openxmlformats.org/officeDocument/2006/relationships">
+<p:sld xmlns:a="http://schemas.openxmlformats.org/drawingml/2006/main" xmlns:r="http://schemas.openxmlformats.org/officeDocument/2006/relationships" xmlns:p="http://schemas.openxmlformats.org/presentationml/2006/main">
   <p:cSld>
     <p:spTree>
       <p:nvGrpSpPr>
@@ -6592,7 +7703,7 @@
       </p:grpSpPr>
       <p:sp>
         <p:nvSpPr>
-          <p:cNvPr id="112" name="CustomShape 1"/>
+          <p:cNvPr id="110" name="CustomShape 1"/>
           <p:cNvSpPr/>
           <p:nvPr/>
         </p:nvSpPr>
@@ -6610,7 +7721,8 @@
           </a:ln>
         </p:spPr>
         <p:txBody>
-          <a:bodyPr lIns="90000" rIns="90000" tIns="45000" bIns="45000" anchor="ctr"/>
+          <a:bodyPr lIns="90000" tIns="45000" rIns="90000" bIns="45000" anchor="ctr"/>
+          <a:lstStyle/>
           <a:p>
             <a:pPr algn="ctr">
               <a:lnSpc>
@@ -6620,7 +7732,7 @@
             <a:r>
               <a:rPr lang="en-US" sz="4400">
                 <a:solidFill>
-                  <a:srgbClr val="ffffff"/>
+                  <a:srgbClr val="FFFFFF"/>
                 </a:solidFill>
                 <a:latin typeface="Candara"/>
               </a:rPr>
@@ -6632,20 +7744,20 @@
       </p:sp>
       <p:pic>
         <p:nvPicPr>
-          <p:cNvPr id="113" name="" descr=""/>
+          <p:cNvPr id="111" name="Picture 110"/>
           <p:cNvPicPr/>
           <p:nvPr/>
         </p:nvPicPr>
         <p:blipFill>
-          <a:blip r:embed="rId1"/>
+          <a:blip r:embed="rId2"/>
           <a:stretch>
             <a:fillRect/>
           </a:stretch>
         </p:blipFill>
         <p:spPr>
           <a:xfrm>
-            <a:off x="360" y="1443240"/>
-            <a:ext cx="9143280" cy="5140080"/>
+            <a:off x="274320" y="1645920"/>
+            <a:ext cx="8772480" cy="4524840"/>
           </a:xfrm>
           <a:prstGeom prst="rect">
             <a:avLst/>
@@ -6657,22 +7769,25 @@
       </p:pic>
     </p:spTree>
   </p:cSld>
+  <p:clrMapOvr>
+    <a:masterClrMapping/>
+  </p:clrMapOvr>
   <p:timing>
     <p:tnLst>
       <p:par>
-        <p:cTn id="17" dur="indefinite" restart="never" nodeType="tmRoot">
+        <p:cTn id="1" dur="indefinite" restart="never" nodeType="tmRoot">
           <p:childTnLst>
             <p:seq>
-              <p:cTn id="18" nodeType="mainSeq"/>
+              <p:cTn id="2" nodeType="mainSeq"/>
               <p:prevCondLst>
-                <p:cond delay="0" evt="onPrev">
+                <p:cond evt="onPrev" delay="0">
                   <p:tgtEl>
                     <p:sldTgt/>
                   </p:tgtEl>
                 </p:cond>
               </p:prevCondLst>
               <p:nextCondLst>
-                <p:cond delay="0" evt="onNext">
+                <p:cond evt="onNext" delay="0">
                   <p:tgtEl>
                     <p:sldTgt/>
                   </p:tgtEl>
@@ -6907,6 +8022,8 @@
       </a:bgFillStyleLst>
     </a:fmtScheme>
   </a:themeElements>
+  <a:objectDefaults/>
+  <a:extraClrSchemeLst/>
 </a:theme>
 </file>
 
@@ -7130,6 +8247,8 @@
       </a:bgFillStyleLst>
     </a:fmtScheme>
   </a:themeElements>
+  <a:objectDefaults/>
+  <a:extraClrSchemeLst/>
 </a:theme>
 </file>
 
@@ -7353,5 +8472,7 @@
       </a:bgFillStyleLst>
     </a:fmtScheme>
   </a:themeElements>
+  <a:objectDefaults/>
+  <a:extraClrSchemeLst/>
 </a:theme>
 </file>